--- a/01.Document/01.컨셉기획/[SemiProject1]20200320_ActionRPG_concept_design_이재천_ver0.1.pptx
+++ b/01.Document/01.컨셉기획/[SemiProject1]20200320_ActionRPG_concept_design_이재천_ver0.1.pptx
@@ -5,7 +5,7 @@
     <p:sldMasterId id="2147483648" r:id="rId1"/>
   </p:sldMasterIdLst>
   <p:notesMasterIdLst>
-    <p:notesMasterId r:id="rId23"/>
+    <p:notesMasterId r:id="rId24"/>
   </p:notesMasterIdLst>
   <p:sldIdLst>
     <p:sldId id="256" r:id="rId2"/>
@@ -28,7 +28,8 @@
     <p:sldId id="277" r:id="rId19"/>
     <p:sldId id="274" r:id="rId20"/>
     <p:sldId id="276" r:id="rId21"/>
-    <p:sldId id="275" r:id="rId22"/>
+    <p:sldId id="282" r:id="rId22"/>
+    <p:sldId id="283" r:id="rId23"/>
   </p:sldIdLst>
   <p:sldSz cx="12192000" cy="6858000"/>
   <p:notesSz cx="6858000" cy="9144000"/>
@@ -2243,6 +2244,174 @@
     <p:extLst>
       <p:ext uri="{BB962C8B-B14F-4D97-AF65-F5344CB8AC3E}">
         <p14:creationId xmlns:p14="http://schemas.microsoft.com/office/powerpoint/2010/main" val="2846801256"/>
+      </p:ext>
+    </p:extLst>
+  </p:cSld>
+  <p:clrMapOvr>
+    <a:masterClrMapping/>
+  </p:clrMapOvr>
+</p:notes>
+</file>
+
+<file path=ppt/notesSlides/notesSlide14.xml><?xml version="1.0" encoding="utf-8"?>
+<p:notes xmlns:a="http://schemas.openxmlformats.org/drawingml/2006/main" xmlns:r="http://schemas.openxmlformats.org/officeDocument/2006/relationships" xmlns:p="http://schemas.openxmlformats.org/presentationml/2006/main">
+  <p:cSld>
+    <p:spTree>
+      <p:nvGrpSpPr>
+        <p:cNvPr id="1" name=""/>
+        <p:cNvGrpSpPr/>
+        <p:nvPr/>
+      </p:nvGrpSpPr>
+      <p:grpSpPr>
+        <a:xfrm>
+          <a:off x="0" y="0"/>
+          <a:ext cx="0" cy="0"/>
+          <a:chOff x="0" y="0"/>
+          <a:chExt cx="0" cy="0"/>
+        </a:xfrm>
+      </p:grpSpPr>
+      <p:sp>
+        <p:nvSpPr>
+          <p:cNvPr id="2" name="슬라이드 이미지 개체 틀 1"/>
+          <p:cNvSpPr>
+            <a:spLocks noGrp="1" noRot="1" noChangeAspect="1"/>
+          </p:cNvSpPr>
+          <p:nvPr>
+            <p:ph type="sldImg"/>
+          </p:nvPr>
+        </p:nvSpPr>
+        <p:spPr/>
+      </p:sp>
+      <p:sp>
+        <p:nvSpPr>
+          <p:cNvPr id="3" name="슬라이드 노트 개체 틀 2"/>
+          <p:cNvSpPr>
+            <a:spLocks noGrp="1"/>
+          </p:cNvSpPr>
+          <p:nvPr>
+            <p:ph type="body" idx="1"/>
+          </p:nvPr>
+        </p:nvSpPr>
+        <p:spPr/>
+        <p:txBody>
+          <a:bodyPr/>
+          <a:lstStyle/>
+          <a:p>
+            <a:endParaRPr lang="ko-KR" altLang="en-US" dirty="0"/>
+          </a:p>
+        </p:txBody>
+      </p:sp>
+      <p:sp>
+        <p:nvSpPr>
+          <p:cNvPr id="4" name="슬라이드 번호 개체 틀 3"/>
+          <p:cNvSpPr>
+            <a:spLocks noGrp="1"/>
+          </p:cNvSpPr>
+          <p:nvPr>
+            <p:ph type="sldNum" sz="quarter" idx="10"/>
+          </p:nvPr>
+        </p:nvSpPr>
+        <p:spPr/>
+        <p:txBody>
+          <a:bodyPr/>
+          <a:lstStyle/>
+          <a:p>
+            <a:fld id="{A6C7D9F9-C643-46FA-B9C6-9DBE225DF020}" type="slidenum">
+              <a:rPr lang="ko-KR" altLang="en-US" smtClean="0"/>
+              <a:t>19</a:t>
+            </a:fld>
+            <a:endParaRPr lang="ko-KR" altLang="en-US"/>
+          </a:p>
+        </p:txBody>
+      </p:sp>
+    </p:spTree>
+    <p:extLst>
+      <p:ext uri="{BB962C8B-B14F-4D97-AF65-F5344CB8AC3E}">
+        <p14:creationId xmlns:p14="http://schemas.microsoft.com/office/powerpoint/2010/main" val="2012013942"/>
+      </p:ext>
+    </p:extLst>
+  </p:cSld>
+  <p:clrMapOvr>
+    <a:masterClrMapping/>
+  </p:clrMapOvr>
+</p:notes>
+</file>
+
+<file path=ppt/notesSlides/notesSlide15.xml><?xml version="1.0" encoding="utf-8"?>
+<p:notes xmlns:a="http://schemas.openxmlformats.org/drawingml/2006/main" xmlns:r="http://schemas.openxmlformats.org/officeDocument/2006/relationships" xmlns:p="http://schemas.openxmlformats.org/presentationml/2006/main">
+  <p:cSld>
+    <p:spTree>
+      <p:nvGrpSpPr>
+        <p:cNvPr id="1" name=""/>
+        <p:cNvGrpSpPr/>
+        <p:nvPr/>
+      </p:nvGrpSpPr>
+      <p:grpSpPr>
+        <a:xfrm>
+          <a:off x="0" y="0"/>
+          <a:ext cx="0" cy="0"/>
+          <a:chOff x="0" y="0"/>
+          <a:chExt cx="0" cy="0"/>
+        </a:xfrm>
+      </p:grpSpPr>
+      <p:sp>
+        <p:nvSpPr>
+          <p:cNvPr id="2" name="슬라이드 이미지 개체 틀 1"/>
+          <p:cNvSpPr>
+            <a:spLocks noGrp="1" noRot="1" noChangeAspect="1"/>
+          </p:cNvSpPr>
+          <p:nvPr>
+            <p:ph type="sldImg"/>
+          </p:nvPr>
+        </p:nvSpPr>
+        <p:spPr/>
+      </p:sp>
+      <p:sp>
+        <p:nvSpPr>
+          <p:cNvPr id="3" name="슬라이드 노트 개체 틀 2"/>
+          <p:cNvSpPr>
+            <a:spLocks noGrp="1"/>
+          </p:cNvSpPr>
+          <p:nvPr>
+            <p:ph type="body" idx="1"/>
+          </p:nvPr>
+        </p:nvSpPr>
+        <p:spPr/>
+        <p:txBody>
+          <a:bodyPr/>
+          <a:lstStyle/>
+          <a:p>
+            <a:endParaRPr lang="ko-KR" altLang="en-US" dirty="0"/>
+          </a:p>
+        </p:txBody>
+      </p:sp>
+      <p:sp>
+        <p:nvSpPr>
+          <p:cNvPr id="4" name="슬라이드 번호 개체 틀 3"/>
+          <p:cNvSpPr>
+            <a:spLocks noGrp="1"/>
+          </p:cNvSpPr>
+          <p:nvPr>
+            <p:ph type="sldNum" sz="quarter" idx="10"/>
+          </p:nvPr>
+        </p:nvSpPr>
+        <p:spPr/>
+        <p:txBody>
+          <a:bodyPr/>
+          <a:lstStyle/>
+          <a:p>
+            <a:fld id="{A6C7D9F9-C643-46FA-B9C6-9DBE225DF020}" type="slidenum">
+              <a:rPr lang="ko-KR" altLang="en-US" smtClean="0"/>
+              <a:t>21</a:t>
+            </a:fld>
+            <a:endParaRPr lang="ko-KR" altLang="en-US"/>
+          </a:p>
+        </p:txBody>
+      </p:sp>
+    </p:spTree>
+    <p:extLst>
+      <p:ext uri="{BB962C8B-B14F-4D97-AF65-F5344CB8AC3E}">
+        <p14:creationId xmlns:p14="http://schemas.microsoft.com/office/powerpoint/2010/main" val="2335759170"/>
       </p:ext>
     </p:extLst>
   </p:cSld>
@@ -15210,11 +15379,7 @@
             </a:r>
             <a:r>
               <a:rPr lang="ko-KR" altLang="en-US" sz="2400" b="0" dirty="0" smtClean="0"/>
-              <a:t>중세 </a:t>
-            </a:r>
-            <a:r>
-              <a:rPr lang="ko-KR" altLang="en-US" sz="2400" b="0" dirty="0" smtClean="0"/>
-              <a:t>도시국가</a:t>
+              <a:t>중세 도시국가</a:t>
             </a:r>
             <a:endParaRPr lang="en-US" altLang="ko-KR" sz="2400" b="0" dirty="0" smtClean="0"/>
           </a:p>
@@ -15515,7 +15680,11 @@
             </a:r>
             <a:r>
               <a:rPr lang="ko-KR" altLang="en-US" sz="2000" b="0" dirty="0" smtClean="0"/>
-              <a:t>바꿀 수 없는 과거의 사로잡히는 것에서 벗어나 미래로 </a:t>
+              <a:t>바꿀 </a:t>
+            </a:r>
+            <a:r>
+              <a:rPr lang="ko-KR" altLang="en-US" sz="2000" b="0" dirty="0" smtClean="0"/>
+              <a:t>수 없는 과거의 사로잡히는 것에서 벗어나 미래로 </a:t>
             </a:r>
             <a:r>
               <a:rPr lang="ko-KR" altLang="en-US" sz="2000" b="0" dirty="0" err="1" smtClean="0"/>
@@ -15553,12 +15722,12 @@
               <a:t>첫 전투에서 아무것도 하지 못하고 무기력하게 도망친 이후 후회에 사로잡혀 괴로워 하는 고대국가의 장교가 시간을 </a:t>
             </a:r>
             <a:r>
-              <a:rPr lang="ko-KR" altLang="en-US" sz="2000" b="0" dirty="0" err="1" smtClean="0"/>
-              <a:t>되돌리려하는</a:t>
-            </a:r>
-            <a:r>
               <a:rPr lang="ko-KR" altLang="en-US" sz="2000" b="0" dirty="0" smtClean="0"/>
-              <a:t> 여정</a:t>
+              <a:t>되돌리려는 </a:t>
+            </a:r>
+            <a:r>
+              <a:rPr lang="ko-KR" altLang="en-US" sz="2000" b="0" dirty="0" smtClean="0"/>
+              <a:t>여정</a:t>
             </a:r>
             <a:endParaRPr lang="en-US" altLang="ko-KR" sz="2000" b="0" dirty="0" smtClean="0"/>
           </a:p>
@@ -15895,8 +16064,20 @@
           <a:p>
             <a:pPr fontAlgn="base"/>
             <a:r>
+              <a:rPr lang="ko-KR" altLang="en-US" sz="2000" dirty="0" smtClean="0"/>
+              <a:t>깨달음</a:t>
+            </a:r>
+            <a:endParaRPr lang="en-US" altLang="ko-KR" sz="2000" dirty="0" smtClean="0"/>
+          </a:p>
+          <a:p>
+            <a:pPr fontAlgn="base"/>
+            <a:r>
               <a:rPr lang="ko-KR" altLang="en-US" sz="2000" dirty="0" err="1" smtClean="0"/>
-              <a:t>ㅇ</a:t>
+              <a:t>케메트의</a:t>
+            </a:r>
+            <a:r>
+              <a:rPr lang="ko-KR" altLang="en-US" sz="2000" dirty="0" smtClean="0"/>
+              <a:t> 기사</a:t>
             </a:r>
             <a:endParaRPr lang="en-US" altLang="ko-KR" sz="2000" dirty="0" smtClean="0"/>
           </a:p>
@@ -16536,12 +16717,13 @@
             <a:pPr fontAlgn="base"/>
             <a:r>
               <a:rPr lang="ko-KR" altLang="en-US" sz="2000" dirty="0" smtClean="0"/>
-              <a:t>원래의 모습은 그리스의 군사장교의 모습이다</a:t>
-            </a:r>
-            <a:r>
-              <a:rPr lang="en-US" altLang="ko-KR" sz="2000" dirty="0" smtClean="0"/>
-              <a:t>.</a:t>
-            </a:r>
+              <a:t>원래의 모습은 그리스의 군사장교의 </a:t>
+            </a:r>
+            <a:r>
+              <a:rPr lang="ko-KR" altLang="en-US" sz="2000" dirty="0" smtClean="0"/>
+              <a:t>모습</a:t>
+            </a:r>
+            <a:endParaRPr lang="en-US" altLang="ko-KR" sz="2000" dirty="0" smtClean="0"/>
           </a:p>
           <a:p>
             <a:pPr fontAlgn="base"/>
@@ -16792,8 +16974,38 @@
         </p:blipFill>
         <p:spPr>
           <a:xfrm>
-            <a:off x="3883173" y="1322919"/>
+            <a:off x="3883173" y="1343168"/>
             <a:ext cx="1906036" cy="3248396"/>
+          </a:xfrm>
+          <a:prstGeom prst="rect">
+            <a:avLst/>
+          </a:prstGeom>
+        </p:spPr>
+      </p:pic>
+      <p:pic>
+        <p:nvPicPr>
+          <p:cNvPr id="10" name="그림 9"/>
+          <p:cNvPicPr>
+            <a:picLocks noChangeAspect="1"/>
+          </p:cNvPicPr>
+          <p:nvPr/>
+        </p:nvPicPr>
+        <p:blipFill>
+          <a:blip r:embed="rId6">
+            <a:extLst>
+              <a:ext uri="{28A0092B-C50C-407E-A947-70E740481C1C}">
+                <a14:useLocalDpi xmlns:a14="http://schemas.microsoft.com/office/drawing/2010/main" val="0"/>
+              </a:ext>
+            </a:extLst>
+          </a:blip>
+          <a:stretch>
+            <a:fillRect/>
+          </a:stretch>
+        </p:blipFill>
+        <p:spPr>
+          <a:xfrm>
+            <a:off x="4894093" y="3704501"/>
+            <a:ext cx="2571750" cy="2571750"/>
           </a:xfrm>
           <a:prstGeom prst="rect">
             <a:avLst/>
@@ -16835,7 +17047,7 @@
           <p:cNvPr id="2" name="제목 1">
             <a:extLst>
               <a:ext uri="{FF2B5EF4-FFF2-40B4-BE49-F238E27FC236}">
-                <a16:creationId xmlns="" xmlns:a16="http://schemas.microsoft.com/office/drawing/2014/main" id="{49BB7FEC-DCA4-4752-87AD-314D60732A7F}"/>
+                <a16:creationId xmlns:a16="http://schemas.microsoft.com/office/drawing/2014/main" xmlns="" id="{49BB7FEC-DCA4-4752-87AD-314D60732A7F}"/>
               </a:ext>
             </a:extLst>
           </p:cNvPr>
@@ -16872,7 +17084,7 @@
           <p:cNvPr id="3" name="내용 개체 틀 2">
             <a:extLst>
               <a:ext uri="{FF2B5EF4-FFF2-40B4-BE49-F238E27FC236}">
-                <a16:creationId xmlns="" xmlns:a16="http://schemas.microsoft.com/office/drawing/2014/main" id="{2315933C-47F3-45FE-A1D3-2F6EAA493D46}"/>
+                <a16:creationId xmlns:a16="http://schemas.microsoft.com/office/drawing/2014/main" xmlns="" id="{2315933C-47F3-45FE-A1D3-2F6EAA493D46}"/>
               </a:ext>
             </a:extLst>
           </p:cNvPr>
@@ -16934,10 +17146,6 @@
           </a:p>
           <a:p>
             <a:r>
-              <a:rPr lang="ko-KR" altLang="en-US" sz="2000" dirty="0" smtClean="0"/>
-              <a:t>가장 비슷한 이미지라 생각하는 </a:t>
-            </a:r>
-            <a:r>
               <a:rPr lang="ko-KR" altLang="en-US" sz="2000" dirty="0" err="1" smtClean="0"/>
               <a:t>디아블로의</a:t>
             </a:r>
@@ -16972,7 +17180,7 @@
           <p:cNvPr id="4" name="날짜 개체 틀 3">
             <a:extLst>
               <a:ext uri="{FF2B5EF4-FFF2-40B4-BE49-F238E27FC236}">
-                <a16:creationId xmlns="" xmlns:a16="http://schemas.microsoft.com/office/drawing/2014/main" id="{EB49587E-050B-471E-ACC8-0AC6ADC7B641}"/>
+                <a16:creationId xmlns:a16="http://schemas.microsoft.com/office/drawing/2014/main" xmlns="" id="{EB49587E-050B-471E-ACC8-0AC6ADC7B641}"/>
               </a:ext>
             </a:extLst>
           </p:cNvPr>
@@ -17001,7 +17209,7 @@
           <p:cNvPr id="6" name="슬라이드 번호 개체 틀 5">
             <a:extLst>
               <a:ext uri="{FF2B5EF4-FFF2-40B4-BE49-F238E27FC236}">
-                <a16:creationId xmlns="" xmlns:a16="http://schemas.microsoft.com/office/drawing/2014/main" id="{99C9CEFC-7ACE-40D8-A850-FA65E1A6B86D}"/>
+                <a16:creationId xmlns:a16="http://schemas.microsoft.com/office/drawing/2014/main" xmlns="" id="{99C9CEFC-7ACE-40D8-A850-FA65E1A6B86D}"/>
               </a:ext>
             </a:extLst>
           </p:cNvPr>
@@ -17198,11 +17406,7 @@
             </a:r>
             <a:r>
               <a:rPr lang="ko-KR" altLang="en-US" sz="2000" dirty="0" smtClean="0"/>
-              <a:t> 주인공의 내면에서 주인공을 괴롭히는 환상이 유물의 힘에 의해 실체화 된 </a:t>
-            </a:r>
-            <a:r>
-              <a:rPr lang="ko-KR" altLang="en-US" sz="2000" dirty="0" smtClean="0"/>
-              <a:t>모습</a:t>
+              <a:t> 주인공의 내면에서 주인공을 괴롭히는 환상이 유물의 힘에 의해 실체화 된 모습</a:t>
             </a:r>
             <a:endParaRPr lang="en-US" altLang="ko-KR" sz="2000" dirty="0" smtClean="0"/>
           </a:p>
@@ -18482,7 +18686,15 @@
           <a:p>
             <a:r>
               <a:rPr lang="en-US" altLang="ko-KR" dirty="0" smtClean="0"/>
-              <a:t>Display </a:t>
+              <a:t>Display(</a:t>
+            </a:r>
+            <a:r>
+              <a:rPr lang="en-US" altLang="ko-KR" dirty="0" smtClean="0"/>
+              <a:t>EX)</a:t>
+            </a:r>
+            <a:r>
+              <a:rPr lang="en-US" altLang="ko-KR" dirty="0" smtClean="0"/>
+              <a:t> </a:t>
             </a:r>
             <a:endParaRPr lang="ko-KR" altLang="en-US" dirty="0"/>
           </a:p>
@@ -18534,9 +18746,49 @@
           </a:p>
         </p:txBody>
       </p:sp>
+      <p:sp>
+        <p:nvSpPr>
+          <p:cNvPr id="10" name="바닥글 개체 틀 4"/>
+          <p:cNvSpPr>
+            <a:spLocks noGrp="1"/>
+          </p:cNvSpPr>
+          <p:nvPr>
+            <p:ph type="ftr" sz="quarter" idx="11"/>
+          </p:nvPr>
+        </p:nvSpPr>
+        <p:spPr>
+          <a:xfrm>
+            <a:off x="4038600" y="6356350"/>
+            <a:ext cx="4114800" cy="365125"/>
+          </a:xfrm>
+        </p:spPr>
+        <p:txBody>
+          <a:bodyPr/>
+          <a:lstStyle/>
+          <a:p>
+            <a:r>
+              <a:rPr lang="en-US" altLang="ko-KR" dirty="0" smtClean="0"/>
+              <a:t>Copyright(c)2020. All rights reserved by </a:t>
+            </a:r>
+            <a:r>
+              <a:rPr lang="en-US" altLang="ko-KR" dirty="0" err="1" smtClean="0"/>
+              <a:t>JeaCheon</a:t>
+            </a:r>
+            <a:r>
+              <a:rPr lang="en-US" altLang="ko-KR" dirty="0"/>
+              <a:t> </a:t>
+            </a:r>
+            <a:r>
+              <a:rPr lang="en-US" altLang="ko-KR" dirty="0" smtClean="0"/>
+              <a:t>LEE</a:t>
+            </a:r>
+            <a:endParaRPr lang="ko-KR" altLang="en-US" dirty="0"/>
+          </a:p>
+        </p:txBody>
+      </p:sp>
       <p:pic>
         <p:nvPicPr>
-          <p:cNvPr id="11" name="내용 개체 틀 10"/>
+          <p:cNvPr id="5" name="내용 개체 틀 4"/>
           <p:cNvPicPr>
             <a:picLocks noGrp="1" noChangeAspect="1"/>
           </p:cNvPicPr>
@@ -18545,7 +18797,7 @@
           </p:nvPr>
         </p:nvPicPr>
         <p:blipFill>
-          <a:blip r:embed="rId2" cstate="print">
+          <a:blip r:embed="rId3">
             <a:extLst>
               <a:ext uri="{28A0092B-C50C-407E-A947-70E740481C1C}">
                 <a14:useLocalDpi xmlns:a14="http://schemas.microsoft.com/office/drawing/2010/main" val="0"/>
@@ -18556,36 +18808,23 @@
             <a:fillRect/>
           </a:stretch>
         </p:blipFill>
-        <p:spPr bwMode="auto">
+        <p:spPr>
           <a:xfrm>
-            <a:off x="2118416" y="1584397"/>
-            <a:ext cx="7735712" cy="4351338"/>
+            <a:off x="2627510" y="1634045"/>
+            <a:ext cx="5983090" cy="4351338"/>
           </a:xfrm>
-          <a:prstGeom prst="rect">
-            <a:avLst/>
-          </a:prstGeom>
-          <a:noFill/>
-          <a:extLst>
-            <a:ext uri="{909E8E84-426E-40DD-AFC4-6F175D3DCCD1}">
-              <a14:hiddenFill xmlns:a14="http://schemas.microsoft.com/office/drawing/2010/main">
-                <a:solidFill>
-                  <a:srgbClr val="FFFFFF"/>
-                </a:solidFill>
-              </a14:hiddenFill>
-            </a:ext>
-          </a:extLst>
         </p:spPr>
       </p:pic>
       <p:sp>
         <p:nvSpPr>
-          <p:cNvPr id="12" name="직사각형 11"/>
+          <p:cNvPr id="15" name="직사각형 14"/>
           <p:cNvSpPr/>
           <p:nvPr/>
         </p:nvSpPr>
         <p:spPr>
           <a:xfrm>
-            <a:off x="2353056" y="1682496"/>
-            <a:ext cx="1341120" cy="475488"/>
+            <a:off x="2763202" y="1757364"/>
+            <a:ext cx="1636396" cy="842961"/>
           </a:xfrm>
           <a:prstGeom prst="rect">
             <a:avLst/>
@@ -18614,131 +18853,23 @@
             <a:pPr algn="ctr"/>
             <a:r>
               <a:rPr lang="ko-KR" altLang="en-US" dirty="0" smtClean="0"/>
-              <a:t>하트개수</a:t>
-            </a:r>
-            <a:endParaRPr lang="ko-KR" altLang="en-US" dirty="0"/>
-          </a:p>
-        </p:txBody>
-      </p:sp>
-      <p:sp>
-        <p:nvSpPr>
-          <p:cNvPr id="13" name="직사각형 12"/>
-          <p:cNvSpPr/>
-          <p:nvPr/>
-        </p:nvSpPr>
-        <p:spPr>
-          <a:xfrm>
-            <a:off x="8375904" y="4730496"/>
-            <a:ext cx="1341120" cy="1060704"/>
-          </a:xfrm>
-          <a:prstGeom prst="rect">
-            <a:avLst/>
-          </a:prstGeom>
-        </p:spPr>
-        <p:style>
-          <a:lnRef idx="2">
-            <a:schemeClr val="accent1">
-              <a:shade val="50000"/>
-            </a:schemeClr>
-          </a:lnRef>
-          <a:fillRef idx="1">
-            <a:schemeClr val="accent1"/>
-          </a:fillRef>
-          <a:effectRef idx="0">
-            <a:schemeClr val="accent1"/>
-          </a:effectRef>
-          <a:fontRef idx="minor">
-            <a:schemeClr val="lt1"/>
-          </a:fontRef>
-        </p:style>
-        <p:txBody>
-          <a:bodyPr rtlCol="0" anchor="ctr"/>
-          <a:lstStyle/>
+              <a:t>체력</a:t>
+            </a:r>
+            <a:endParaRPr lang="en-US" altLang="ko-KR" dirty="0" smtClean="0"/>
+          </a:p>
           <a:p>
             <a:pPr algn="ctr"/>
             <a:r>
-              <a:rPr lang="ko-KR" altLang="en-US" smtClean="0"/>
-              <a:t>미니맵</a:t>
-            </a:r>
-            <a:endParaRPr lang="ko-KR" altLang="en-US" dirty="0"/>
-          </a:p>
-        </p:txBody>
-      </p:sp>
-      <p:sp>
-        <p:nvSpPr>
-          <p:cNvPr id="14" name="왼쪽 화살표 13"/>
-          <p:cNvSpPr/>
-          <p:nvPr/>
-        </p:nvSpPr>
-        <p:spPr>
-          <a:xfrm>
-            <a:off x="9592056" y="4907280"/>
-            <a:ext cx="780288" cy="707136"/>
-          </a:xfrm>
-          <a:prstGeom prst="leftArrow">
-            <a:avLst/>
-          </a:prstGeom>
-        </p:spPr>
-        <p:style>
-          <a:lnRef idx="2">
-            <a:schemeClr val="accent1">
-              <a:shade val="50000"/>
-            </a:schemeClr>
-          </a:lnRef>
-          <a:fillRef idx="1">
-            <a:schemeClr val="accent1"/>
-          </a:fillRef>
-          <a:effectRef idx="0">
-            <a:schemeClr val="accent1"/>
-          </a:effectRef>
-          <a:fontRef idx="minor">
-            <a:schemeClr val="lt1"/>
-          </a:fontRef>
-        </p:style>
-        <p:txBody>
-          <a:bodyPr rtlCol="0" anchor="ctr"/>
-          <a:lstStyle/>
+              <a:rPr lang="ko-KR" altLang="en-US" dirty="0" err="1" smtClean="0"/>
+              <a:t>스테미나</a:t>
+            </a:r>
+            <a:endParaRPr lang="en-US" altLang="ko-KR" dirty="0" smtClean="0"/>
+          </a:p>
           <a:p>
             <a:pPr algn="ctr"/>
-            <a:endParaRPr lang="ko-KR" altLang="en-US"/>
-          </a:p>
-        </p:txBody>
-      </p:sp>
-      <p:sp>
-        <p:nvSpPr>
-          <p:cNvPr id="10" name="바닥글 개체 틀 4"/>
-          <p:cNvSpPr>
-            <a:spLocks noGrp="1"/>
-          </p:cNvSpPr>
-          <p:nvPr>
-            <p:ph type="ftr" sz="quarter" idx="11"/>
-          </p:nvPr>
-        </p:nvSpPr>
-        <p:spPr>
-          <a:xfrm>
-            <a:off x="4038600" y="6356350"/>
-            <a:ext cx="4114800" cy="365125"/>
-          </a:xfrm>
-        </p:spPr>
-        <p:txBody>
-          <a:bodyPr/>
-          <a:lstStyle/>
-          <a:p>
-            <a:r>
-              <a:rPr lang="en-US" altLang="ko-KR" dirty="0" smtClean="0"/>
-              <a:t>Copyright(c)2020. All rights reserved by </a:t>
-            </a:r>
-            <a:r>
-              <a:rPr lang="en-US" altLang="ko-KR" dirty="0" err="1" smtClean="0"/>
-              <a:t>JeaCheon</a:t>
-            </a:r>
-            <a:r>
-              <a:rPr lang="en-US" altLang="ko-KR" dirty="0"/>
-              <a:t> </a:t>
-            </a:r>
-            <a:r>
-              <a:rPr lang="en-US" altLang="ko-KR" dirty="0" smtClean="0"/>
-              <a:t>LEE</a:t>
+            <a:r>
+              <a:rPr lang="ko-KR" altLang="en-US" dirty="0" smtClean="0"/>
+              <a:t>기력</a:t>
             </a:r>
             <a:endParaRPr lang="ko-KR" altLang="en-US" dirty="0"/>
           </a:p>
@@ -18826,21 +18957,21 @@
                 <a:gridCol w="2014728">
                   <a:extLst>
                     <a:ext uri="{9D8B030D-6E8A-4147-A177-3AD203B41FA5}">
-                      <a16:colId xmlns="" xmlns:a16="http://schemas.microsoft.com/office/drawing/2014/main" val="20000"/>
+                      <a16:colId xmlns:a16="http://schemas.microsoft.com/office/drawing/2014/main" xmlns="" val="20000"/>
                     </a:ext>
                   </a:extLst>
                 </a:gridCol>
                 <a:gridCol w="4995672">
                   <a:extLst>
                     <a:ext uri="{9D8B030D-6E8A-4147-A177-3AD203B41FA5}">
-                      <a16:colId xmlns="" xmlns:a16="http://schemas.microsoft.com/office/drawing/2014/main" val="20001"/>
+                      <a16:colId xmlns:a16="http://schemas.microsoft.com/office/drawing/2014/main" xmlns="" val="20001"/>
                     </a:ext>
                   </a:extLst>
                 </a:gridCol>
                 <a:gridCol w="3505200">
                   <a:extLst>
                     <a:ext uri="{9D8B030D-6E8A-4147-A177-3AD203B41FA5}">
-                      <a16:colId xmlns="" xmlns:a16="http://schemas.microsoft.com/office/drawing/2014/main" val="20002"/>
+                      <a16:colId xmlns:a16="http://schemas.microsoft.com/office/drawing/2014/main" xmlns="" val="20002"/>
                     </a:ext>
                   </a:extLst>
                 </a:gridCol>
@@ -18893,7 +19024,7 @@
                 </a:tc>
                 <a:extLst>
                   <a:ext uri="{0D108BD9-81ED-4DB2-BD59-A6C34878D82A}">
-                    <a16:rowId xmlns="" xmlns:a16="http://schemas.microsoft.com/office/drawing/2014/main" val="10000"/>
+                    <a16:rowId xmlns:a16="http://schemas.microsoft.com/office/drawing/2014/main" xmlns="" val="10000"/>
                   </a:ext>
                 </a:extLst>
               </a:tr>
@@ -18944,7 +19075,7 @@
                 </a:tc>
                 <a:extLst>
                   <a:ext uri="{0D108BD9-81ED-4DB2-BD59-A6C34878D82A}">
-                    <a16:rowId xmlns="" xmlns:a16="http://schemas.microsoft.com/office/drawing/2014/main" val="10001"/>
+                    <a16:rowId xmlns:a16="http://schemas.microsoft.com/office/drawing/2014/main" xmlns="" val="10001"/>
                   </a:ext>
                 </a:extLst>
               </a:tr>
@@ -18984,7 +19115,7 @@
                 </a:tc>
                 <a:extLst>
                   <a:ext uri="{0D108BD9-81ED-4DB2-BD59-A6C34878D82A}">
-                    <a16:rowId xmlns="" xmlns:a16="http://schemas.microsoft.com/office/drawing/2014/main" val="10002"/>
+                    <a16:rowId xmlns:a16="http://schemas.microsoft.com/office/drawing/2014/main" xmlns="" val="10002"/>
                   </a:ext>
                 </a:extLst>
               </a:tr>
@@ -19024,7 +19155,7 @@
                 </a:tc>
                 <a:extLst>
                   <a:ext uri="{0D108BD9-81ED-4DB2-BD59-A6C34878D82A}">
-                    <a16:rowId xmlns="" xmlns:a16="http://schemas.microsoft.com/office/drawing/2014/main" val="10003"/>
+                    <a16:rowId xmlns:a16="http://schemas.microsoft.com/office/drawing/2014/main" xmlns="" val="10003"/>
                   </a:ext>
                 </a:extLst>
               </a:tr>
@@ -19064,7 +19195,7 @@
                 </a:tc>
                 <a:extLst>
                   <a:ext uri="{0D108BD9-81ED-4DB2-BD59-A6C34878D82A}">
-                    <a16:rowId xmlns="" xmlns:a16="http://schemas.microsoft.com/office/drawing/2014/main" val="10004"/>
+                    <a16:rowId xmlns:a16="http://schemas.microsoft.com/office/drawing/2014/main" xmlns="" val="10004"/>
                   </a:ext>
                 </a:extLst>
               </a:tr>
@@ -19575,77 +19706,6 @@
       </p:grpSpPr>
       <p:sp>
         <p:nvSpPr>
-          <p:cNvPr id="2" name="제목 1"/>
-          <p:cNvSpPr>
-            <a:spLocks noGrp="1"/>
-          </p:cNvSpPr>
-          <p:nvPr>
-            <p:ph type="title"/>
-          </p:nvPr>
-        </p:nvSpPr>
-        <p:spPr/>
-        <p:txBody>
-          <a:bodyPr/>
-          <a:lstStyle/>
-          <a:p>
-            <a:r>
-              <a:rPr lang="ko-KR" altLang="en-US" dirty="0" smtClean="0"/>
-              <a:t>액션</a:t>
-            </a:r>
-            <a:endParaRPr lang="ko-KR" altLang="en-US" dirty="0"/>
-          </a:p>
-        </p:txBody>
-      </p:sp>
-      <p:sp>
-        <p:nvSpPr>
-          <p:cNvPr id="3" name="내용 개체 틀 2"/>
-          <p:cNvSpPr>
-            <a:spLocks noGrp="1"/>
-          </p:cNvSpPr>
-          <p:nvPr>
-            <p:ph idx="1"/>
-          </p:nvPr>
-        </p:nvSpPr>
-        <p:spPr>
-          <a:xfrm>
-            <a:off x="6608064" y="1825625"/>
-            <a:ext cx="4745736" cy="4351338"/>
-          </a:xfrm>
-        </p:spPr>
-        <p:txBody>
-          <a:bodyPr>
-            <a:normAutofit/>
-          </a:bodyPr>
-          <a:lstStyle/>
-          <a:p>
-            <a:pPr>
-              <a:lnSpc>
-                <a:spcPct val="160000"/>
-              </a:lnSpc>
-            </a:pPr>
-            <a:endParaRPr lang="en-US" altLang="ko-KR" dirty="0" smtClean="0"/>
-          </a:p>
-          <a:p>
-            <a:pPr marL="0" indent="0">
-              <a:lnSpc>
-                <a:spcPct val="160000"/>
-              </a:lnSpc>
-              <a:buNone/>
-            </a:pPr>
-            <a:r>
-              <a:rPr lang="en-US" altLang="ko-KR" dirty="0"/>
-              <a:t> </a:t>
-            </a:r>
-            <a:r>
-              <a:rPr lang="en-US" altLang="ko-KR" dirty="0" smtClean="0"/>
-              <a:t> </a:t>
-            </a:r>
-            <a:endParaRPr lang="ko-KR" altLang="en-US" dirty="0"/>
-          </a:p>
-        </p:txBody>
-      </p:sp>
-      <p:sp>
-        <p:nvSpPr>
           <p:cNvPr id="4" name="날짜 개체 틀 3"/>
           <p:cNvSpPr>
             <a:spLocks noGrp="1"/>
@@ -19663,6 +19723,29 @@
               <a:rPr lang="ko-KR" altLang="en-US" smtClean="0"/>
               <a:t>2020-03-20</a:t>
             </a:fld>
+            <a:endParaRPr lang="ko-KR" altLang="en-US"/>
+          </a:p>
+        </p:txBody>
+      </p:sp>
+      <p:sp>
+        <p:nvSpPr>
+          <p:cNvPr id="5" name="바닥글 개체 틀 4"/>
+          <p:cNvSpPr>
+            <a:spLocks noGrp="1"/>
+          </p:cNvSpPr>
+          <p:nvPr>
+            <p:ph type="ftr" sz="quarter" idx="11"/>
+          </p:nvPr>
+        </p:nvSpPr>
+        <p:spPr/>
+        <p:txBody>
+          <a:bodyPr/>
+          <a:lstStyle/>
+          <a:p>
+            <a:r>
+              <a:rPr lang="en-US" altLang="ko-KR" smtClean="0"/>
+              <a:t>Copyright(c)2020. All rights reserved by Kyungho.lee.</a:t>
+            </a:r>
             <a:endParaRPr lang="ko-KR" altLang="en-US"/>
           </a:p>
         </p:txBody>
@@ -19690,9 +19773,3150 @@
           </a:p>
         </p:txBody>
       </p:sp>
+      <p:graphicFrame>
+        <p:nvGraphicFramePr>
+          <p:cNvPr id="11" name="표 10"/>
+          <p:cNvGraphicFramePr>
+            <a:graphicFrameLocks noGrp="1"/>
+          </p:cNvGraphicFramePr>
+          <p:nvPr>
+            <p:extLst>
+              <p:ext uri="{D42A27DB-BD31-4B8C-83A1-F6EECF244321}">
+                <p14:modId xmlns:p14="http://schemas.microsoft.com/office/powerpoint/2010/main" val="466611306"/>
+              </p:ext>
+            </p:extLst>
+          </p:nvPr>
+        </p:nvGraphicFramePr>
+        <p:xfrm>
+          <a:off x="838200" y="1489073"/>
+          <a:ext cx="10301288" cy="4625976"/>
+        </p:xfrm>
+        <a:graphic>
+          <a:graphicData uri="http://schemas.openxmlformats.org/drawingml/2006/table">
+            <a:tbl>
+              <a:tblPr firstRow="1" firstCol="1" bandRow="1">
+                <a:tableStyleId>{5C22544A-7EE6-4342-B048-85BDC9FD1C3A}</a:tableStyleId>
+              </a:tblPr>
+              <a:tblGrid>
+                <a:gridCol w="1612285"/>
+                <a:gridCol w="1300783"/>
+                <a:gridCol w="1300783"/>
+                <a:gridCol w="6087437"/>
+              </a:tblGrid>
+              <a:tr h="341486">
+                <a:tc gridSpan="4">
+                  <a:txBody>
+                    <a:bodyPr/>
+                    <a:lstStyle/>
+                    <a:p>
+                      <a:pPr algn="ctr" latinLnBrk="1">
+                        <a:lnSpc>
+                          <a:spcPct val="107000"/>
+                        </a:lnSpc>
+                        <a:spcAft>
+                          <a:spcPts val="0"/>
+                        </a:spcAft>
+                      </a:pPr>
+                      <a:r>
+                        <a:rPr lang="ko-KR" sz="2000" kern="100" dirty="0">
+                          <a:effectLst/>
+                        </a:rPr>
+                        <a:t>캐릭터 모션리스트</a:t>
+                      </a:r>
+                      <a:endParaRPr lang="ko-KR" sz="1200" kern="100" dirty="0">
+                        <a:effectLst/>
+                        <a:latin typeface="맑은 고딕" panose="020B0503020000020004" pitchFamily="50" charset="-127"/>
+                        <a:ea typeface="맑은 고딕" panose="020B0503020000020004" pitchFamily="50" charset="-127"/>
+                        <a:cs typeface="Times New Roman" panose="02020603050405020304" pitchFamily="18" charset="0"/>
+                      </a:endParaRPr>
+                    </a:p>
+                  </a:txBody>
+                  <a:tcPr marL="68580" marR="68580" marT="0" marB="0"/>
+                </a:tc>
+                <a:tc hMerge="1">
+                  <a:txBody>
+                    <a:bodyPr/>
+                    <a:lstStyle/>
+                    <a:p>
+                      <a:pPr latinLnBrk="1"/>
+                      <a:endParaRPr lang="ko-KR" altLang="en-US"/>
+                    </a:p>
+                  </a:txBody>
+                  <a:tcPr/>
+                </a:tc>
+                <a:tc hMerge="1">
+                  <a:txBody>
+                    <a:bodyPr/>
+                    <a:lstStyle/>
+                    <a:p>
+                      <a:pPr latinLnBrk="1"/>
+                      <a:endParaRPr lang="ko-KR" altLang="en-US"/>
+                    </a:p>
+                  </a:txBody>
+                  <a:tcPr/>
+                </a:tc>
+                <a:tc hMerge="1">
+                  <a:txBody>
+                    <a:bodyPr/>
+                    <a:lstStyle/>
+                    <a:p>
+                      <a:pPr latinLnBrk="1"/>
+                      <a:endParaRPr lang="ko-KR" altLang="en-US"/>
+                    </a:p>
+                  </a:txBody>
+                  <a:tcPr/>
+                </a:tc>
+              </a:tr>
+              <a:tr h="264271">
+                <a:tc>
+                  <a:txBody>
+                    <a:bodyPr/>
+                    <a:lstStyle/>
+                    <a:p>
+                      <a:pPr algn="ctr" latinLnBrk="1">
+                        <a:lnSpc>
+                          <a:spcPct val="107000"/>
+                        </a:lnSpc>
+                        <a:spcAft>
+                          <a:spcPts val="0"/>
+                        </a:spcAft>
+                      </a:pPr>
+                      <a:r>
+                        <a:rPr lang="ko-KR" sz="1200" kern="100" dirty="0">
+                          <a:effectLst/>
+                        </a:rPr>
+                        <a:t>명칭</a:t>
+                      </a:r>
+                      <a:endParaRPr lang="ko-KR" sz="1200" kern="100" dirty="0">
+                        <a:effectLst/>
+                        <a:latin typeface="맑은 고딕" panose="020B0503020000020004" pitchFamily="50" charset="-127"/>
+                        <a:ea typeface="맑은 고딕" panose="020B0503020000020004" pitchFamily="50" charset="-127"/>
+                        <a:cs typeface="Times New Roman" panose="02020603050405020304" pitchFamily="18" charset="0"/>
+                      </a:endParaRPr>
+                    </a:p>
+                  </a:txBody>
+                  <a:tcPr marL="68580" marR="68580" marT="0" marB="0"/>
+                </a:tc>
+                <a:tc>
+                  <a:txBody>
+                    <a:bodyPr/>
+                    <a:lstStyle/>
+                    <a:p>
+                      <a:pPr algn="ctr" latinLnBrk="1">
+                        <a:lnSpc>
+                          <a:spcPct val="107000"/>
+                        </a:lnSpc>
+                        <a:spcAft>
+                          <a:spcPts val="0"/>
+                        </a:spcAft>
+                      </a:pPr>
+                      <a:r>
+                        <a:rPr lang="ko-KR" sz="1200" kern="100" dirty="0">
+                          <a:effectLst/>
+                        </a:rPr>
+                        <a:t>분류</a:t>
+                      </a:r>
+                      <a:endParaRPr lang="ko-KR" sz="1200" kern="100" dirty="0">
+                        <a:effectLst/>
+                        <a:latin typeface="맑은 고딕" panose="020B0503020000020004" pitchFamily="50" charset="-127"/>
+                        <a:ea typeface="맑은 고딕" panose="020B0503020000020004" pitchFamily="50" charset="-127"/>
+                        <a:cs typeface="Times New Roman" panose="02020603050405020304" pitchFamily="18" charset="0"/>
+                      </a:endParaRPr>
+                    </a:p>
+                  </a:txBody>
+                  <a:tcPr marL="68580" marR="68580" marT="0" marB="0"/>
+                </a:tc>
+                <a:tc>
+                  <a:txBody>
+                    <a:bodyPr/>
+                    <a:lstStyle/>
+                    <a:p>
+                      <a:pPr algn="ctr" latinLnBrk="1">
+                        <a:lnSpc>
+                          <a:spcPct val="107000"/>
+                        </a:lnSpc>
+                        <a:spcAft>
+                          <a:spcPts val="0"/>
+                        </a:spcAft>
+                      </a:pPr>
+                      <a:r>
+                        <a:rPr lang="ko-KR" sz="1200" kern="100" dirty="0" err="1">
+                          <a:effectLst/>
+                        </a:rPr>
+                        <a:t>조작키</a:t>
+                      </a:r>
+                      <a:endParaRPr lang="ko-KR" sz="1200" kern="100" dirty="0">
+                        <a:effectLst/>
+                        <a:latin typeface="맑은 고딕" panose="020B0503020000020004" pitchFamily="50" charset="-127"/>
+                        <a:ea typeface="맑은 고딕" panose="020B0503020000020004" pitchFamily="50" charset="-127"/>
+                        <a:cs typeface="Times New Roman" panose="02020603050405020304" pitchFamily="18" charset="0"/>
+                      </a:endParaRPr>
+                    </a:p>
+                  </a:txBody>
+                  <a:tcPr marL="68580" marR="68580" marT="0" marB="0"/>
+                </a:tc>
+                <a:tc>
+                  <a:txBody>
+                    <a:bodyPr/>
+                    <a:lstStyle/>
+                    <a:p>
+                      <a:pPr algn="ctr" latinLnBrk="1">
+                        <a:lnSpc>
+                          <a:spcPct val="107000"/>
+                        </a:lnSpc>
+                        <a:spcAft>
+                          <a:spcPts val="0"/>
+                        </a:spcAft>
+                      </a:pPr>
+                      <a:r>
+                        <a:rPr lang="ko-KR" sz="1200" kern="100" dirty="0">
+                          <a:effectLst/>
+                        </a:rPr>
+                        <a:t>설명</a:t>
+                      </a:r>
+                      <a:endParaRPr lang="ko-KR" sz="1200" kern="100" dirty="0">
+                        <a:effectLst/>
+                        <a:latin typeface="맑은 고딕" panose="020B0503020000020004" pitchFamily="50" charset="-127"/>
+                        <a:ea typeface="맑은 고딕" panose="020B0503020000020004" pitchFamily="50" charset="-127"/>
+                        <a:cs typeface="Times New Roman" panose="02020603050405020304" pitchFamily="18" charset="0"/>
+                      </a:endParaRPr>
+                    </a:p>
+                  </a:txBody>
+                  <a:tcPr marL="68580" marR="68580" marT="0" marB="0"/>
+                </a:tc>
+              </a:tr>
+              <a:tr h="334429">
+                <a:tc>
+                  <a:txBody>
+                    <a:bodyPr/>
+                    <a:lstStyle/>
+                    <a:p>
+                      <a:pPr algn="ctr" latinLnBrk="1">
+                        <a:lnSpc>
+                          <a:spcPct val="107000"/>
+                        </a:lnSpc>
+                        <a:spcAft>
+                          <a:spcPts val="0"/>
+                        </a:spcAft>
+                      </a:pPr>
+                      <a:r>
+                        <a:rPr lang="en-US" sz="1600" kern="100" dirty="0">
+                          <a:effectLst/>
+                        </a:rPr>
+                        <a:t>Idle</a:t>
+                      </a:r>
+                      <a:endParaRPr lang="ko-KR" sz="1800" kern="100" dirty="0">
+                        <a:effectLst/>
+                        <a:latin typeface="맑은 고딕" panose="020B0503020000020004" pitchFamily="50" charset="-127"/>
+                        <a:ea typeface="맑은 고딕" panose="020B0503020000020004" pitchFamily="50" charset="-127"/>
+                        <a:cs typeface="Times New Roman" panose="02020603050405020304" pitchFamily="18" charset="0"/>
+                      </a:endParaRPr>
+                    </a:p>
+                  </a:txBody>
+                  <a:tcPr marL="68580" marR="68580" marT="0" marB="0"/>
+                </a:tc>
+                <a:tc>
+                  <a:txBody>
+                    <a:bodyPr/>
+                    <a:lstStyle/>
+                    <a:p>
+                      <a:pPr algn="ctr" latinLnBrk="1">
+                        <a:lnSpc>
+                          <a:spcPct val="107000"/>
+                        </a:lnSpc>
+                        <a:spcAft>
+                          <a:spcPts val="0"/>
+                        </a:spcAft>
+                      </a:pPr>
+                      <a:r>
+                        <a:rPr lang="ko-KR" sz="1600" kern="100" dirty="0">
+                          <a:effectLst/>
+                        </a:rPr>
+                        <a:t>기본</a:t>
+                      </a:r>
+                      <a:endParaRPr lang="ko-KR" sz="1800" kern="100" dirty="0">
+                        <a:effectLst/>
+                        <a:latin typeface="맑은 고딕" panose="020B0503020000020004" pitchFamily="50" charset="-127"/>
+                        <a:ea typeface="맑은 고딕" panose="020B0503020000020004" pitchFamily="50" charset="-127"/>
+                        <a:cs typeface="Times New Roman" panose="02020603050405020304" pitchFamily="18" charset="0"/>
+                      </a:endParaRPr>
+                    </a:p>
+                  </a:txBody>
+                  <a:tcPr marL="68580" marR="68580" marT="0" marB="0"/>
+                </a:tc>
+                <a:tc>
+                  <a:txBody>
+                    <a:bodyPr/>
+                    <a:lstStyle/>
+                    <a:p>
+                      <a:pPr algn="just" latinLnBrk="1">
+                        <a:lnSpc>
+                          <a:spcPct val="107000"/>
+                        </a:lnSpc>
+                        <a:spcAft>
+                          <a:spcPts val="0"/>
+                        </a:spcAft>
+                      </a:pPr>
+                      <a:r>
+                        <a:rPr lang="ko-KR" sz="1600" kern="100">
+                          <a:effectLst/>
+                        </a:rPr>
+                        <a:t>조작 없음</a:t>
+                      </a:r>
+                      <a:endParaRPr lang="ko-KR" sz="1800" kern="100">
+                        <a:effectLst/>
+                        <a:latin typeface="맑은 고딕" panose="020B0503020000020004" pitchFamily="50" charset="-127"/>
+                        <a:ea typeface="맑은 고딕" panose="020B0503020000020004" pitchFamily="50" charset="-127"/>
+                        <a:cs typeface="Times New Roman" panose="02020603050405020304" pitchFamily="18" charset="0"/>
+                      </a:endParaRPr>
+                    </a:p>
+                  </a:txBody>
+                  <a:tcPr marL="68580" marR="68580" marT="0" marB="0"/>
+                </a:tc>
+                <a:tc>
+                  <a:txBody>
+                    <a:bodyPr/>
+                    <a:lstStyle/>
+                    <a:p>
+                      <a:pPr algn="just" latinLnBrk="1">
+                        <a:lnSpc>
+                          <a:spcPct val="107000"/>
+                        </a:lnSpc>
+                        <a:spcAft>
+                          <a:spcPts val="0"/>
+                        </a:spcAft>
+                      </a:pPr>
+                      <a:r>
+                        <a:rPr lang="en-US" sz="1600" kern="100" dirty="0">
+                          <a:effectLst/>
+                        </a:rPr>
+                        <a:t> </a:t>
+                      </a:r>
+                      <a:endParaRPr lang="ko-KR" sz="1800" kern="100" dirty="0">
+                        <a:effectLst/>
+                        <a:latin typeface="맑은 고딕" panose="020B0503020000020004" pitchFamily="50" charset="-127"/>
+                        <a:ea typeface="맑은 고딕" panose="020B0503020000020004" pitchFamily="50" charset="-127"/>
+                        <a:cs typeface="Times New Roman" panose="02020603050405020304" pitchFamily="18" charset="0"/>
+                      </a:endParaRPr>
+                    </a:p>
+                  </a:txBody>
+                  <a:tcPr marL="68580" marR="68580" marT="0" marB="0"/>
+                </a:tc>
+              </a:tr>
+              <a:tr h="264271">
+                <a:tc>
+                  <a:txBody>
+                    <a:bodyPr/>
+                    <a:lstStyle/>
+                    <a:p>
+                      <a:pPr algn="ctr" latinLnBrk="1">
+                        <a:lnSpc>
+                          <a:spcPct val="107000"/>
+                        </a:lnSpc>
+                        <a:spcAft>
+                          <a:spcPts val="0"/>
+                        </a:spcAft>
+                      </a:pPr>
+                      <a:r>
+                        <a:rPr lang="en-US" sz="1600" kern="100">
+                          <a:effectLst/>
+                        </a:rPr>
+                        <a:t>action</a:t>
+                      </a:r>
+                      <a:endParaRPr lang="ko-KR" sz="1800" kern="100">
+                        <a:effectLst/>
+                        <a:latin typeface="맑은 고딕" panose="020B0503020000020004" pitchFamily="50" charset="-127"/>
+                        <a:ea typeface="맑은 고딕" panose="020B0503020000020004" pitchFamily="50" charset="-127"/>
+                        <a:cs typeface="Times New Roman" panose="02020603050405020304" pitchFamily="18" charset="0"/>
+                      </a:endParaRPr>
+                    </a:p>
+                  </a:txBody>
+                  <a:tcPr marL="68580" marR="68580" marT="0" marB="0"/>
+                </a:tc>
+                <a:tc>
+                  <a:txBody>
+                    <a:bodyPr/>
+                    <a:lstStyle/>
+                    <a:p>
+                      <a:pPr algn="ctr" latinLnBrk="1">
+                        <a:lnSpc>
+                          <a:spcPct val="107000"/>
+                        </a:lnSpc>
+                        <a:spcAft>
+                          <a:spcPts val="0"/>
+                        </a:spcAft>
+                      </a:pPr>
+                      <a:r>
+                        <a:rPr lang="ko-KR" sz="1600" kern="100" dirty="0">
+                          <a:effectLst/>
+                        </a:rPr>
+                        <a:t>액션</a:t>
+                      </a:r>
+                      <a:endParaRPr lang="ko-KR" sz="1800" kern="100" dirty="0">
+                        <a:effectLst/>
+                        <a:latin typeface="맑은 고딕" panose="020B0503020000020004" pitchFamily="50" charset="-127"/>
+                        <a:ea typeface="맑은 고딕" panose="020B0503020000020004" pitchFamily="50" charset="-127"/>
+                        <a:cs typeface="Times New Roman" panose="02020603050405020304" pitchFamily="18" charset="0"/>
+                      </a:endParaRPr>
+                    </a:p>
+                  </a:txBody>
+                  <a:tcPr marL="68580" marR="68580" marT="0" marB="0"/>
+                </a:tc>
+                <a:tc>
+                  <a:txBody>
+                    <a:bodyPr/>
+                    <a:lstStyle/>
+                    <a:p>
+                      <a:pPr algn="ctr" latinLnBrk="1">
+                        <a:lnSpc>
+                          <a:spcPct val="107000"/>
+                        </a:lnSpc>
+                        <a:spcAft>
+                          <a:spcPts val="0"/>
+                        </a:spcAft>
+                      </a:pPr>
+                      <a:r>
+                        <a:rPr lang="ko-KR" sz="1600" kern="100">
+                          <a:effectLst/>
+                        </a:rPr>
+                        <a:t>조작 없음</a:t>
+                      </a:r>
+                      <a:endParaRPr lang="ko-KR" sz="1800" kern="100">
+                        <a:effectLst/>
+                        <a:latin typeface="맑은 고딕" panose="020B0503020000020004" pitchFamily="50" charset="-127"/>
+                        <a:ea typeface="맑은 고딕" panose="020B0503020000020004" pitchFamily="50" charset="-127"/>
+                        <a:cs typeface="Times New Roman" panose="02020603050405020304" pitchFamily="18" charset="0"/>
+                      </a:endParaRPr>
+                    </a:p>
+                  </a:txBody>
+                  <a:tcPr marL="68580" marR="68580" marT="0" marB="0"/>
+                </a:tc>
+                <a:tc>
+                  <a:txBody>
+                    <a:bodyPr/>
+                    <a:lstStyle/>
+                    <a:p>
+                      <a:pPr algn="just" latinLnBrk="1">
+                        <a:lnSpc>
+                          <a:spcPct val="107000"/>
+                        </a:lnSpc>
+                        <a:spcAft>
+                          <a:spcPts val="0"/>
+                        </a:spcAft>
+                      </a:pPr>
+                      <a:r>
+                        <a:rPr lang="en-US" sz="1600" kern="100">
+                          <a:effectLst/>
+                        </a:rPr>
+                        <a:t> </a:t>
+                      </a:r>
+                      <a:endParaRPr lang="ko-KR" sz="1800" kern="100">
+                        <a:effectLst/>
+                        <a:latin typeface="맑은 고딕" panose="020B0503020000020004" pitchFamily="50" charset="-127"/>
+                        <a:ea typeface="맑은 고딕" panose="020B0503020000020004" pitchFamily="50" charset="-127"/>
+                        <a:cs typeface="Times New Roman" panose="02020603050405020304" pitchFamily="18" charset="0"/>
+                      </a:endParaRPr>
+                    </a:p>
+                  </a:txBody>
+                  <a:tcPr marL="68580" marR="68580" marT="0" marB="0"/>
+                </a:tc>
+              </a:tr>
+              <a:tr h="264271">
+                <a:tc>
+                  <a:txBody>
+                    <a:bodyPr/>
+                    <a:lstStyle/>
+                    <a:p>
+                      <a:pPr algn="ctr" latinLnBrk="1">
+                        <a:lnSpc>
+                          <a:spcPct val="107000"/>
+                        </a:lnSpc>
+                        <a:spcAft>
+                          <a:spcPts val="0"/>
+                        </a:spcAft>
+                      </a:pPr>
+                      <a:r>
+                        <a:rPr lang="ko-KR" sz="1600" kern="100" dirty="0">
+                          <a:effectLst/>
+                        </a:rPr>
+                        <a:t>이동</a:t>
+                      </a:r>
+                      <a:endParaRPr lang="ko-KR" sz="1800" kern="100" dirty="0">
+                        <a:effectLst/>
+                        <a:latin typeface="맑은 고딕" panose="020B0503020000020004" pitchFamily="50" charset="-127"/>
+                        <a:ea typeface="맑은 고딕" panose="020B0503020000020004" pitchFamily="50" charset="-127"/>
+                        <a:cs typeface="Times New Roman" panose="02020603050405020304" pitchFamily="18" charset="0"/>
+                      </a:endParaRPr>
+                    </a:p>
+                  </a:txBody>
+                  <a:tcPr marL="68580" marR="68580" marT="0" marB="0"/>
+                </a:tc>
+                <a:tc>
+                  <a:txBody>
+                    <a:bodyPr/>
+                    <a:lstStyle/>
+                    <a:p>
+                      <a:pPr algn="ctr" latinLnBrk="1">
+                        <a:lnSpc>
+                          <a:spcPct val="107000"/>
+                        </a:lnSpc>
+                        <a:spcAft>
+                          <a:spcPts val="0"/>
+                        </a:spcAft>
+                      </a:pPr>
+                      <a:r>
+                        <a:rPr lang="en-US" sz="1600" kern="100" dirty="0">
+                          <a:effectLst/>
+                        </a:rPr>
+                        <a:t> </a:t>
+                      </a:r>
+                      <a:endParaRPr lang="ko-KR" sz="1800" kern="100" dirty="0">
+                        <a:effectLst/>
+                        <a:latin typeface="맑은 고딕" panose="020B0503020000020004" pitchFamily="50" charset="-127"/>
+                        <a:ea typeface="맑은 고딕" panose="020B0503020000020004" pitchFamily="50" charset="-127"/>
+                        <a:cs typeface="Times New Roman" panose="02020603050405020304" pitchFamily="18" charset="0"/>
+                      </a:endParaRPr>
+                    </a:p>
+                  </a:txBody>
+                  <a:tcPr marL="68580" marR="68580" marT="0" marB="0"/>
+                </a:tc>
+                <a:tc>
+                  <a:txBody>
+                    <a:bodyPr/>
+                    <a:lstStyle/>
+                    <a:p>
+                      <a:pPr algn="ctr" latinLnBrk="1">
+                        <a:lnSpc>
+                          <a:spcPct val="107000"/>
+                        </a:lnSpc>
+                        <a:spcAft>
+                          <a:spcPts val="0"/>
+                        </a:spcAft>
+                      </a:pPr>
+                      <a:r>
+                        <a:rPr lang="en-US" sz="1600" kern="100">
+                          <a:effectLst/>
+                        </a:rPr>
+                        <a:t> </a:t>
+                      </a:r>
+                      <a:endParaRPr lang="ko-KR" sz="1800" kern="100">
+                        <a:effectLst/>
+                        <a:latin typeface="맑은 고딕" panose="020B0503020000020004" pitchFamily="50" charset="-127"/>
+                        <a:ea typeface="맑은 고딕" panose="020B0503020000020004" pitchFamily="50" charset="-127"/>
+                        <a:cs typeface="Times New Roman" panose="02020603050405020304" pitchFamily="18" charset="0"/>
+                      </a:endParaRPr>
+                    </a:p>
+                  </a:txBody>
+                  <a:tcPr marL="68580" marR="68580" marT="0" marB="0"/>
+                </a:tc>
+                <a:tc>
+                  <a:txBody>
+                    <a:bodyPr/>
+                    <a:lstStyle/>
+                    <a:p>
+                      <a:pPr algn="ctr" latinLnBrk="1">
+                        <a:lnSpc>
+                          <a:spcPct val="107000"/>
+                        </a:lnSpc>
+                        <a:spcAft>
+                          <a:spcPts val="0"/>
+                        </a:spcAft>
+                      </a:pPr>
+                      <a:r>
+                        <a:rPr lang="en-US" sz="1600" kern="100" dirty="0">
+                          <a:effectLst/>
+                        </a:rPr>
+                        <a:t> </a:t>
+                      </a:r>
+                      <a:endParaRPr lang="ko-KR" sz="1800" kern="100" dirty="0">
+                        <a:effectLst/>
+                        <a:latin typeface="맑은 고딕" panose="020B0503020000020004" pitchFamily="50" charset="-127"/>
+                        <a:ea typeface="맑은 고딕" panose="020B0503020000020004" pitchFamily="50" charset="-127"/>
+                        <a:cs typeface="Times New Roman" panose="02020603050405020304" pitchFamily="18" charset="0"/>
+                      </a:endParaRPr>
+                    </a:p>
+                  </a:txBody>
+                  <a:tcPr marL="68580" marR="68580" marT="0" marB="0"/>
+                </a:tc>
+              </a:tr>
+              <a:tr h="525041">
+                <a:tc>
+                  <a:txBody>
+                    <a:bodyPr/>
+                    <a:lstStyle/>
+                    <a:p>
+                      <a:pPr algn="ctr" latinLnBrk="1">
+                        <a:lnSpc>
+                          <a:spcPct val="107000"/>
+                        </a:lnSpc>
+                        <a:spcAft>
+                          <a:spcPts val="0"/>
+                        </a:spcAft>
+                      </a:pPr>
+                      <a:r>
+                        <a:rPr lang="en-US" sz="1600" kern="100" dirty="0">
+                          <a:effectLst/>
+                        </a:rPr>
+                        <a:t>work-s</a:t>
+                      </a:r>
+                      <a:endParaRPr lang="ko-KR" sz="1800" kern="100" dirty="0">
+                        <a:effectLst/>
+                      </a:endParaRPr>
+                    </a:p>
+                    <a:p>
+                      <a:pPr algn="ctr" latinLnBrk="1">
+                        <a:lnSpc>
+                          <a:spcPct val="107000"/>
+                        </a:lnSpc>
+                        <a:spcAft>
+                          <a:spcPts val="0"/>
+                        </a:spcAft>
+                      </a:pPr>
+                      <a:r>
+                        <a:rPr lang="en-US" sz="1600" kern="100" dirty="0">
+                          <a:effectLst/>
+                        </a:rPr>
+                        <a:t>work</a:t>
+                      </a:r>
+                      <a:endParaRPr lang="ko-KR" sz="1800" kern="100" dirty="0">
+                        <a:effectLst/>
+                        <a:latin typeface="맑은 고딕" panose="020B0503020000020004" pitchFamily="50" charset="-127"/>
+                        <a:ea typeface="맑은 고딕" panose="020B0503020000020004" pitchFamily="50" charset="-127"/>
+                        <a:cs typeface="Times New Roman" panose="02020603050405020304" pitchFamily="18" charset="0"/>
+                      </a:endParaRPr>
+                    </a:p>
+                  </a:txBody>
+                  <a:tcPr marL="68580" marR="68580" marT="0" marB="0"/>
+                </a:tc>
+                <a:tc>
+                  <a:txBody>
+                    <a:bodyPr/>
+                    <a:lstStyle/>
+                    <a:p>
+                      <a:pPr algn="ctr" latinLnBrk="1">
+                        <a:lnSpc>
+                          <a:spcPct val="107000"/>
+                        </a:lnSpc>
+                        <a:spcAft>
+                          <a:spcPts val="0"/>
+                        </a:spcAft>
+                      </a:pPr>
+                      <a:r>
+                        <a:rPr lang="ko-KR" sz="1600" kern="100" dirty="0">
+                          <a:effectLst/>
+                        </a:rPr>
+                        <a:t>이동</a:t>
+                      </a:r>
+                      <a:endParaRPr lang="ko-KR" sz="1800" kern="100" dirty="0">
+                        <a:effectLst/>
+                        <a:latin typeface="맑은 고딕" panose="020B0503020000020004" pitchFamily="50" charset="-127"/>
+                        <a:ea typeface="맑은 고딕" panose="020B0503020000020004" pitchFamily="50" charset="-127"/>
+                        <a:cs typeface="Times New Roman" panose="02020603050405020304" pitchFamily="18" charset="0"/>
+                      </a:endParaRPr>
+                    </a:p>
+                  </a:txBody>
+                  <a:tcPr marL="68580" marR="68580" marT="0" marB="0"/>
+                </a:tc>
+                <a:tc>
+                  <a:txBody>
+                    <a:bodyPr/>
+                    <a:lstStyle/>
+                    <a:p>
+                      <a:pPr algn="ctr" latinLnBrk="1">
+                        <a:lnSpc>
+                          <a:spcPct val="107000"/>
+                        </a:lnSpc>
+                        <a:spcAft>
+                          <a:spcPts val="0"/>
+                        </a:spcAft>
+                      </a:pPr>
+                      <a:r>
+                        <a:rPr lang="en-US" sz="1600" kern="100" dirty="0">
+                          <a:effectLst/>
+                        </a:rPr>
+                        <a:t>WSAD</a:t>
+                      </a:r>
+                      <a:endParaRPr lang="ko-KR" sz="1800" kern="100" dirty="0">
+                        <a:effectLst/>
+                      </a:endParaRPr>
+                    </a:p>
+                    <a:p>
+                      <a:pPr algn="ctr" latinLnBrk="1">
+                        <a:lnSpc>
+                          <a:spcPct val="107000"/>
+                        </a:lnSpc>
+                        <a:spcAft>
+                          <a:spcPts val="0"/>
+                        </a:spcAft>
+                      </a:pPr>
+                      <a:r>
+                        <a:rPr lang="en-US" sz="1600" kern="100" dirty="0">
+                          <a:effectLst/>
+                        </a:rPr>
+                        <a:t>WSAD</a:t>
+                      </a:r>
+                      <a:endParaRPr lang="ko-KR" sz="1800" kern="100" dirty="0">
+                        <a:effectLst/>
+                        <a:latin typeface="맑은 고딕" panose="020B0503020000020004" pitchFamily="50" charset="-127"/>
+                        <a:ea typeface="맑은 고딕" panose="020B0503020000020004" pitchFamily="50" charset="-127"/>
+                        <a:cs typeface="Times New Roman" panose="02020603050405020304" pitchFamily="18" charset="0"/>
+                      </a:endParaRPr>
+                    </a:p>
+                  </a:txBody>
+                  <a:tcPr marL="68580" marR="68580" marT="0" marB="0"/>
+                </a:tc>
+                <a:tc>
+                  <a:txBody>
+                    <a:bodyPr/>
+                    <a:lstStyle/>
+                    <a:p>
+                      <a:pPr algn="just" latinLnBrk="1">
+                        <a:lnSpc>
+                          <a:spcPct val="107000"/>
+                        </a:lnSpc>
+                        <a:spcAft>
+                          <a:spcPts val="0"/>
+                        </a:spcAft>
+                      </a:pPr>
+                      <a:r>
+                        <a:rPr lang="ko-KR" sz="1600" kern="100" dirty="0">
+                          <a:effectLst/>
+                        </a:rPr>
+                        <a:t>걷기를 시작하는 상태</a:t>
+                      </a:r>
+                      <a:endParaRPr lang="ko-KR" sz="1800" kern="100" dirty="0">
+                        <a:effectLst/>
+                      </a:endParaRPr>
+                    </a:p>
+                    <a:p>
+                      <a:pPr algn="just" latinLnBrk="1">
+                        <a:lnSpc>
+                          <a:spcPct val="107000"/>
+                        </a:lnSpc>
+                        <a:spcAft>
+                          <a:spcPts val="0"/>
+                        </a:spcAft>
+                      </a:pPr>
+                      <a:r>
+                        <a:rPr lang="ko-KR" sz="1600" kern="100" dirty="0">
+                          <a:effectLst/>
+                        </a:rPr>
+                        <a:t>걷는 중</a:t>
+                      </a:r>
+                      <a:endParaRPr lang="ko-KR" sz="1800" kern="100" dirty="0">
+                        <a:effectLst/>
+                        <a:latin typeface="맑은 고딕" panose="020B0503020000020004" pitchFamily="50" charset="-127"/>
+                        <a:ea typeface="맑은 고딕" panose="020B0503020000020004" pitchFamily="50" charset="-127"/>
+                        <a:cs typeface="Times New Roman" panose="02020603050405020304" pitchFamily="18" charset="0"/>
+                      </a:endParaRPr>
+                    </a:p>
+                  </a:txBody>
+                  <a:tcPr marL="68580" marR="68580" marT="0" marB="0"/>
+                </a:tc>
+              </a:tr>
+              <a:tr h="264271">
+                <a:tc>
+                  <a:txBody>
+                    <a:bodyPr/>
+                    <a:lstStyle/>
+                    <a:p>
+                      <a:pPr algn="ctr" latinLnBrk="1">
+                        <a:lnSpc>
+                          <a:spcPct val="107000"/>
+                        </a:lnSpc>
+                        <a:spcAft>
+                          <a:spcPts val="0"/>
+                        </a:spcAft>
+                      </a:pPr>
+                      <a:r>
+                        <a:rPr lang="en-US" sz="1600" kern="100">
+                          <a:effectLst/>
+                        </a:rPr>
+                        <a:t>angle</a:t>
+                      </a:r>
+                      <a:endParaRPr lang="ko-KR" sz="1800" kern="100">
+                        <a:effectLst/>
+                        <a:latin typeface="맑은 고딕" panose="020B0503020000020004" pitchFamily="50" charset="-127"/>
+                        <a:ea typeface="맑은 고딕" panose="020B0503020000020004" pitchFamily="50" charset="-127"/>
+                        <a:cs typeface="Times New Roman" panose="02020603050405020304" pitchFamily="18" charset="0"/>
+                      </a:endParaRPr>
+                    </a:p>
+                  </a:txBody>
+                  <a:tcPr marL="68580" marR="68580" marT="0" marB="0"/>
+                </a:tc>
+                <a:tc>
+                  <a:txBody>
+                    <a:bodyPr/>
+                    <a:lstStyle/>
+                    <a:p>
+                      <a:pPr algn="ctr" latinLnBrk="1">
+                        <a:lnSpc>
+                          <a:spcPct val="107000"/>
+                        </a:lnSpc>
+                        <a:spcAft>
+                          <a:spcPts val="0"/>
+                        </a:spcAft>
+                      </a:pPr>
+                      <a:r>
+                        <a:rPr lang="ko-KR" sz="1600" kern="100">
+                          <a:effectLst/>
+                        </a:rPr>
+                        <a:t>시점변경</a:t>
+                      </a:r>
+                      <a:endParaRPr lang="ko-KR" sz="1800" kern="100">
+                        <a:effectLst/>
+                        <a:latin typeface="맑은 고딕" panose="020B0503020000020004" pitchFamily="50" charset="-127"/>
+                        <a:ea typeface="맑은 고딕" panose="020B0503020000020004" pitchFamily="50" charset="-127"/>
+                        <a:cs typeface="Times New Roman" panose="02020603050405020304" pitchFamily="18" charset="0"/>
+                      </a:endParaRPr>
+                    </a:p>
+                  </a:txBody>
+                  <a:tcPr marL="68580" marR="68580" marT="0" marB="0"/>
+                </a:tc>
+                <a:tc>
+                  <a:txBody>
+                    <a:bodyPr/>
+                    <a:lstStyle/>
+                    <a:p>
+                      <a:pPr algn="ctr" latinLnBrk="1">
+                        <a:lnSpc>
+                          <a:spcPct val="107000"/>
+                        </a:lnSpc>
+                        <a:spcAft>
+                          <a:spcPts val="0"/>
+                        </a:spcAft>
+                      </a:pPr>
+                      <a:r>
+                        <a:rPr lang="ko-KR" sz="1600" kern="100" dirty="0">
+                          <a:effectLst/>
+                        </a:rPr>
+                        <a:t>마우스이동</a:t>
+                      </a:r>
+                      <a:endParaRPr lang="ko-KR" sz="1800" kern="100" dirty="0">
+                        <a:effectLst/>
+                        <a:latin typeface="맑은 고딕" panose="020B0503020000020004" pitchFamily="50" charset="-127"/>
+                        <a:ea typeface="맑은 고딕" panose="020B0503020000020004" pitchFamily="50" charset="-127"/>
+                        <a:cs typeface="Times New Roman" panose="02020603050405020304" pitchFamily="18" charset="0"/>
+                      </a:endParaRPr>
+                    </a:p>
+                  </a:txBody>
+                  <a:tcPr marL="68580" marR="68580" marT="0" marB="0"/>
+                </a:tc>
+                <a:tc>
+                  <a:txBody>
+                    <a:bodyPr/>
+                    <a:lstStyle/>
+                    <a:p>
+                      <a:pPr algn="just" latinLnBrk="1">
+                        <a:lnSpc>
+                          <a:spcPct val="107000"/>
+                        </a:lnSpc>
+                        <a:spcAft>
+                          <a:spcPts val="0"/>
+                        </a:spcAft>
+                      </a:pPr>
+                      <a:r>
+                        <a:rPr lang="ko-KR" sz="1600" kern="100" dirty="0">
+                          <a:effectLst/>
+                        </a:rPr>
+                        <a:t>서 있는 상태에서 몸을 돌려 시점을 변경한다</a:t>
+                      </a:r>
+                      <a:r>
+                        <a:rPr lang="en-US" sz="1600" kern="100" dirty="0">
+                          <a:effectLst/>
+                        </a:rPr>
+                        <a:t>.</a:t>
+                      </a:r>
+                      <a:endParaRPr lang="ko-KR" sz="1800" kern="100" dirty="0">
+                        <a:effectLst/>
+                        <a:latin typeface="맑은 고딕" panose="020B0503020000020004" pitchFamily="50" charset="-127"/>
+                        <a:ea typeface="맑은 고딕" panose="020B0503020000020004" pitchFamily="50" charset="-127"/>
+                        <a:cs typeface="Times New Roman" panose="02020603050405020304" pitchFamily="18" charset="0"/>
+                      </a:endParaRPr>
+                    </a:p>
+                  </a:txBody>
+                  <a:tcPr marL="68580" marR="68580" marT="0" marB="0"/>
+                </a:tc>
+              </a:tr>
+              <a:tr h="525041">
+                <a:tc>
+                  <a:txBody>
+                    <a:bodyPr/>
+                    <a:lstStyle/>
+                    <a:p>
+                      <a:pPr algn="ctr" latinLnBrk="1">
+                        <a:lnSpc>
+                          <a:spcPct val="107000"/>
+                        </a:lnSpc>
+                        <a:spcAft>
+                          <a:spcPts val="0"/>
+                        </a:spcAft>
+                      </a:pPr>
+                      <a:r>
+                        <a:rPr lang="en-US" sz="1600" kern="100">
+                          <a:effectLst/>
+                        </a:rPr>
+                        <a:t>run</a:t>
+                      </a:r>
+                      <a:endParaRPr lang="ko-KR" sz="1800" kern="100">
+                        <a:effectLst/>
+                        <a:latin typeface="맑은 고딕" panose="020B0503020000020004" pitchFamily="50" charset="-127"/>
+                        <a:ea typeface="맑은 고딕" panose="020B0503020000020004" pitchFamily="50" charset="-127"/>
+                        <a:cs typeface="Times New Roman" panose="02020603050405020304" pitchFamily="18" charset="0"/>
+                      </a:endParaRPr>
+                    </a:p>
+                  </a:txBody>
+                  <a:tcPr marL="68580" marR="68580" marT="0" marB="0"/>
+                </a:tc>
+                <a:tc>
+                  <a:txBody>
+                    <a:bodyPr/>
+                    <a:lstStyle/>
+                    <a:p>
+                      <a:pPr algn="ctr" latinLnBrk="1">
+                        <a:lnSpc>
+                          <a:spcPct val="107000"/>
+                        </a:lnSpc>
+                        <a:spcAft>
+                          <a:spcPts val="0"/>
+                        </a:spcAft>
+                      </a:pPr>
+                      <a:r>
+                        <a:rPr lang="ko-KR" sz="1600" kern="100">
+                          <a:effectLst/>
+                        </a:rPr>
+                        <a:t>달리기</a:t>
+                      </a:r>
+                      <a:endParaRPr lang="ko-KR" sz="1800" kern="100">
+                        <a:effectLst/>
+                        <a:latin typeface="맑은 고딕" panose="020B0503020000020004" pitchFamily="50" charset="-127"/>
+                        <a:ea typeface="맑은 고딕" panose="020B0503020000020004" pitchFamily="50" charset="-127"/>
+                        <a:cs typeface="Times New Roman" panose="02020603050405020304" pitchFamily="18" charset="0"/>
+                      </a:endParaRPr>
+                    </a:p>
+                  </a:txBody>
+                  <a:tcPr marL="68580" marR="68580" marT="0" marB="0"/>
+                </a:tc>
+                <a:tc>
+                  <a:txBody>
+                    <a:bodyPr/>
+                    <a:lstStyle/>
+                    <a:p>
+                      <a:pPr algn="ctr" latinLnBrk="1">
+                        <a:lnSpc>
+                          <a:spcPct val="107000"/>
+                        </a:lnSpc>
+                        <a:spcAft>
+                          <a:spcPts val="0"/>
+                        </a:spcAft>
+                      </a:pPr>
+                      <a:r>
+                        <a:rPr lang="en-US" sz="1600" kern="100">
+                          <a:effectLst/>
+                        </a:rPr>
+                        <a:t>Shift</a:t>
+                      </a:r>
+                      <a:endParaRPr lang="ko-KR" sz="1800" kern="100">
+                        <a:effectLst/>
+                      </a:endParaRPr>
+                    </a:p>
+                    <a:p>
+                      <a:pPr algn="ctr" latinLnBrk="1">
+                        <a:lnSpc>
+                          <a:spcPct val="107000"/>
+                        </a:lnSpc>
+                        <a:spcAft>
+                          <a:spcPts val="0"/>
+                        </a:spcAft>
+                      </a:pPr>
+                      <a:r>
+                        <a:rPr lang="en-US" sz="1600" kern="100">
+                          <a:effectLst/>
+                        </a:rPr>
+                        <a:t>+</a:t>
+                      </a:r>
+                      <a:r>
+                        <a:rPr lang="ko-KR" sz="1600" kern="100">
+                          <a:effectLst/>
+                        </a:rPr>
+                        <a:t>이동</a:t>
+                      </a:r>
+                      <a:endParaRPr lang="ko-KR" sz="1800" kern="100">
+                        <a:effectLst/>
+                        <a:latin typeface="맑은 고딕" panose="020B0503020000020004" pitchFamily="50" charset="-127"/>
+                        <a:ea typeface="맑은 고딕" panose="020B0503020000020004" pitchFamily="50" charset="-127"/>
+                        <a:cs typeface="Times New Roman" panose="02020603050405020304" pitchFamily="18" charset="0"/>
+                      </a:endParaRPr>
+                    </a:p>
+                  </a:txBody>
+                  <a:tcPr marL="68580" marR="68580" marT="0" marB="0"/>
+                </a:tc>
+                <a:tc>
+                  <a:txBody>
+                    <a:bodyPr/>
+                    <a:lstStyle/>
+                    <a:p>
+                      <a:pPr algn="just" latinLnBrk="1">
+                        <a:lnSpc>
+                          <a:spcPct val="107000"/>
+                        </a:lnSpc>
+                        <a:spcAft>
+                          <a:spcPts val="0"/>
+                        </a:spcAft>
+                      </a:pPr>
+                      <a:r>
+                        <a:rPr lang="ko-KR" sz="1600" kern="100" dirty="0">
+                          <a:effectLst/>
+                        </a:rPr>
+                        <a:t>달리기를 시작하는 상태</a:t>
+                      </a:r>
+                      <a:endParaRPr lang="ko-KR" sz="1800" kern="100" dirty="0">
+                        <a:effectLst/>
+                      </a:endParaRPr>
+                    </a:p>
+                    <a:p>
+                      <a:pPr algn="just" latinLnBrk="1">
+                        <a:lnSpc>
+                          <a:spcPct val="107000"/>
+                        </a:lnSpc>
+                        <a:spcAft>
+                          <a:spcPts val="0"/>
+                        </a:spcAft>
+                      </a:pPr>
+                      <a:r>
+                        <a:rPr lang="ko-KR" sz="1600" kern="100" dirty="0">
+                          <a:effectLst/>
+                        </a:rPr>
+                        <a:t>달리는 중</a:t>
+                      </a:r>
+                      <a:endParaRPr lang="ko-KR" sz="1800" kern="100" dirty="0">
+                        <a:effectLst/>
+                        <a:latin typeface="맑은 고딕" panose="020B0503020000020004" pitchFamily="50" charset="-127"/>
+                        <a:ea typeface="맑은 고딕" panose="020B0503020000020004" pitchFamily="50" charset="-127"/>
+                        <a:cs typeface="Times New Roman" panose="02020603050405020304" pitchFamily="18" charset="0"/>
+                      </a:endParaRPr>
+                    </a:p>
+                  </a:txBody>
+                  <a:tcPr marL="68580" marR="68580" marT="0" marB="0"/>
+                </a:tc>
+              </a:tr>
+              <a:tr h="264271">
+                <a:tc>
+                  <a:txBody>
+                    <a:bodyPr/>
+                    <a:lstStyle/>
+                    <a:p>
+                      <a:pPr algn="ctr" latinLnBrk="1">
+                        <a:lnSpc>
+                          <a:spcPct val="107000"/>
+                        </a:lnSpc>
+                        <a:spcAft>
+                          <a:spcPts val="0"/>
+                        </a:spcAft>
+                      </a:pPr>
+                      <a:r>
+                        <a:rPr lang="en-US" sz="1600" kern="100">
+                          <a:effectLst/>
+                        </a:rPr>
+                        <a:t>dash</a:t>
+                      </a:r>
+                      <a:endParaRPr lang="ko-KR" sz="1800" kern="100">
+                        <a:effectLst/>
+                        <a:latin typeface="맑은 고딕" panose="020B0503020000020004" pitchFamily="50" charset="-127"/>
+                        <a:ea typeface="맑은 고딕" panose="020B0503020000020004" pitchFamily="50" charset="-127"/>
+                        <a:cs typeface="Times New Roman" panose="02020603050405020304" pitchFamily="18" charset="0"/>
+                      </a:endParaRPr>
+                    </a:p>
+                  </a:txBody>
+                  <a:tcPr marL="68580" marR="68580" marT="0" marB="0"/>
+                </a:tc>
+                <a:tc>
+                  <a:txBody>
+                    <a:bodyPr/>
+                    <a:lstStyle/>
+                    <a:p>
+                      <a:pPr algn="ctr" latinLnBrk="1">
+                        <a:lnSpc>
+                          <a:spcPct val="107000"/>
+                        </a:lnSpc>
+                        <a:spcAft>
+                          <a:spcPts val="0"/>
+                        </a:spcAft>
+                      </a:pPr>
+                      <a:r>
+                        <a:rPr lang="ko-KR" sz="1600" kern="100">
+                          <a:effectLst/>
+                        </a:rPr>
+                        <a:t>돌진</a:t>
+                      </a:r>
+                      <a:endParaRPr lang="ko-KR" sz="1800" kern="100">
+                        <a:effectLst/>
+                        <a:latin typeface="맑은 고딕" panose="020B0503020000020004" pitchFamily="50" charset="-127"/>
+                        <a:ea typeface="맑은 고딕" panose="020B0503020000020004" pitchFamily="50" charset="-127"/>
+                        <a:cs typeface="Times New Roman" panose="02020603050405020304" pitchFamily="18" charset="0"/>
+                      </a:endParaRPr>
+                    </a:p>
+                  </a:txBody>
+                  <a:tcPr marL="68580" marR="68580" marT="0" marB="0"/>
+                </a:tc>
+                <a:tc>
+                  <a:txBody>
+                    <a:bodyPr/>
+                    <a:lstStyle/>
+                    <a:p>
+                      <a:pPr algn="ctr" latinLnBrk="1">
+                        <a:lnSpc>
+                          <a:spcPct val="107000"/>
+                        </a:lnSpc>
+                        <a:spcAft>
+                          <a:spcPts val="0"/>
+                        </a:spcAft>
+                      </a:pPr>
+                      <a:r>
+                        <a:rPr lang="en-US" sz="1600" kern="100">
+                          <a:effectLst/>
+                        </a:rPr>
+                        <a:t> </a:t>
+                      </a:r>
+                      <a:endParaRPr lang="ko-KR" sz="1800" kern="100">
+                        <a:effectLst/>
+                        <a:latin typeface="맑은 고딕" panose="020B0503020000020004" pitchFamily="50" charset="-127"/>
+                        <a:ea typeface="맑은 고딕" panose="020B0503020000020004" pitchFamily="50" charset="-127"/>
+                        <a:cs typeface="Times New Roman" panose="02020603050405020304" pitchFamily="18" charset="0"/>
+                      </a:endParaRPr>
+                    </a:p>
+                  </a:txBody>
+                  <a:tcPr marL="68580" marR="68580" marT="0" marB="0"/>
+                </a:tc>
+                <a:tc>
+                  <a:txBody>
+                    <a:bodyPr/>
+                    <a:lstStyle/>
+                    <a:p>
+                      <a:pPr algn="just" latinLnBrk="1">
+                        <a:lnSpc>
+                          <a:spcPct val="107000"/>
+                        </a:lnSpc>
+                        <a:spcAft>
+                          <a:spcPts val="0"/>
+                        </a:spcAft>
+                      </a:pPr>
+                      <a:r>
+                        <a:rPr lang="ko-KR" sz="1600" kern="100" dirty="0">
+                          <a:effectLst/>
+                        </a:rPr>
+                        <a:t>앞으로 돌진하는 상태</a:t>
+                      </a:r>
+                      <a:endParaRPr lang="ko-KR" sz="1800" kern="100" dirty="0">
+                        <a:effectLst/>
+                        <a:latin typeface="맑은 고딕" panose="020B0503020000020004" pitchFamily="50" charset="-127"/>
+                        <a:ea typeface="맑은 고딕" panose="020B0503020000020004" pitchFamily="50" charset="-127"/>
+                        <a:cs typeface="Times New Roman" panose="02020603050405020304" pitchFamily="18" charset="0"/>
+                      </a:endParaRPr>
+                    </a:p>
+                  </a:txBody>
+                  <a:tcPr marL="68580" marR="68580" marT="0" marB="0"/>
+                </a:tc>
+              </a:tr>
+              <a:tr h="264271">
+                <a:tc>
+                  <a:txBody>
+                    <a:bodyPr/>
+                    <a:lstStyle/>
+                    <a:p>
+                      <a:pPr algn="ctr" latinLnBrk="1">
+                        <a:lnSpc>
+                          <a:spcPct val="107000"/>
+                        </a:lnSpc>
+                        <a:spcAft>
+                          <a:spcPts val="0"/>
+                        </a:spcAft>
+                      </a:pPr>
+                      <a:r>
+                        <a:rPr lang="en-US" sz="1600" kern="100">
+                          <a:effectLst/>
+                        </a:rPr>
+                        <a:t>dodge</a:t>
+                      </a:r>
+                      <a:endParaRPr lang="ko-KR" sz="1800" kern="100">
+                        <a:effectLst/>
+                        <a:latin typeface="맑은 고딕" panose="020B0503020000020004" pitchFamily="50" charset="-127"/>
+                        <a:ea typeface="맑은 고딕" panose="020B0503020000020004" pitchFamily="50" charset="-127"/>
+                        <a:cs typeface="Times New Roman" panose="02020603050405020304" pitchFamily="18" charset="0"/>
+                      </a:endParaRPr>
+                    </a:p>
+                  </a:txBody>
+                  <a:tcPr marL="68580" marR="68580" marT="0" marB="0"/>
+                </a:tc>
+                <a:tc>
+                  <a:txBody>
+                    <a:bodyPr/>
+                    <a:lstStyle/>
+                    <a:p>
+                      <a:pPr algn="ctr" latinLnBrk="1">
+                        <a:lnSpc>
+                          <a:spcPct val="107000"/>
+                        </a:lnSpc>
+                        <a:spcAft>
+                          <a:spcPts val="0"/>
+                        </a:spcAft>
+                      </a:pPr>
+                      <a:r>
+                        <a:rPr lang="ko-KR" sz="1600" kern="100">
+                          <a:effectLst/>
+                        </a:rPr>
+                        <a:t>회피</a:t>
+                      </a:r>
+                      <a:endParaRPr lang="ko-KR" sz="1800" kern="100">
+                        <a:effectLst/>
+                        <a:latin typeface="맑은 고딕" panose="020B0503020000020004" pitchFamily="50" charset="-127"/>
+                        <a:ea typeface="맑은 고딕" panose="020B0503020000020004" pitchFamily="50" charset="-127"/>
+                        <a:cs typeface="Times New Roman" panose="02020603050405020304" pitchFamily="18" charset="0"/>
+                      </a:endParaRPr>
+                    </a:p>
+                  </a:txBody>
+                  <a:tcPr marL="68580" marR="68580" marT="0" marB="0"/>
+                </a:tc>
+                <a:tc>
+                  <a:txBody>
+                    <a:bodyPr/>
+                    <a:lstStyle/>
+                    <a:p>
+                      <a:pPr algn="ctr" latinLnBrk="1">
+                        <a:lnSpc>
+                          <a:spcPct val="107000"/>
+                        </a:lnSpc>
+                        <a:spcAft>
+                          <a:spcPts val="0"/>
+                        </a:spcAft>
+                      </a:pPr>
+                      <a:r>
+                        <a:rPr lang="en-US" sz="1600" kern="100">
+                          <a:effectLst/>
+                        </a:rPr>
+                        <a:t> </a:t>
+                      </a:r>
+                      <a:endParaRPr lang="ko-KR" sz="1800" kern="100">
+                        <a:effectLst/>
+                        <a:latin typeface="맑은 고딕" panose="020B0503020000020004" pitchFamily="50" charset="-127"/>
+                        <a:ea typeface="맑은 고딕" panose="020B0503020000020004" pitchFamily="50" charset="-127"/>
+                        <a:cs typeface="Times New Roman" panose="02020603050405020304" pitchFamily="18" charset="0"/>
+                      </a:endParaRPr>
+                    </a:p>
+                  </a:txBody>
+                  <a:tcPr marL="68580" marR="68580" marT="0" marB="0"/>
+                </a:tc>
+                <a:tc>
+                  <a:txBody>
+                    <a:bodyPr/>
+                    <a:lstStyle/>
+                    <a:p>
+                      <a:pPr algn="just" latinLnBrk="1">
+                        <a:lnSpc>
+                          <a:spcPct val="107000"/>
+                        </a:lnSpc>
+                        <a:spcAft>
+                          <a:spcPts val="0"/>
+                        </a:spcAft>
+                      </a:pPr>
+                      <a:r>
+                        <a:rPr lang="ko-KR" sz="1600" kern="100" dirty="0">
+                          <a:effectLst/>
+                        </a:rPr>
+                        <a:t>전투모드 상태에서 몸을 굴려 적의 공격을 피한다</a:t>
+                      </a:r>
+                      <a:r>
+                        <a:rPr lang="en-US" sz="1600" kern="100" dirty="0">
+                          <a:effectLst/>
+                        </a:rPr>
+                        <a:t>.</a:t>
+                      </a:r>
+                      <a:endParaRPr lang="ko-KR" sz="1800" kern="100" dirty="0">
+                        <a:effectLst/>
+                        <a:latin typeface="맑은 고딕" panose="020B0503020000020004" pitchFamily="50" charset="-127"/>
+                        <a:ea typeface="맑은 고딕" panose="020B0503020000020004" pitchFamily="50" charset="-127"/>
+                        <a:cs typeface="Times New Roman" panose="02020603050405020304" pitchFamily="18" charset="0"/>
+                      </a:endParaRPr>
+                    </a:p>
+                  </a:txBody>
+                  <a:tcPr marL="68580" marR="68580" marT="0" marB="0"/>
+                </a:tc>
+              </a:tr>
+              <a:tr h="525041">
+                <a:tc>
+                  <a:txBody>
+                    <a:bodyPr/>
+                    <a:lstStyle/>
+                    <a:p>
+                      <a:pPr algn="ctr" latinLnBrk="1">
+                        <a:lnSpc>
+                          <a:spcPct val="107000"/>
+                        </a:lnSpc>
+                        <a:spcAft>
+                          <a:spcPts val="0"/>
+                        </a:spcAft>
+                      </a:pPr>
+                      <a:r>
+                        <a:rPr lang="en-US" sz="1600" kern="100">
+                          <a:effectLst/>
+                        </a:rPr>
+                        <a:t>Jump-i</a:t>
+                      </a:r>
+                      <a:endParaRPr lang="ko-KR" sz="1800" kern="100">
+                        <a:effectLst/>
+                      </a:endParaRPr>
+                    </a:p>
+                    <a:p>
+                      <a:pPr algn="ctr" latinLnBrk="1">
+                        <a:lnSpc>
+                          <a:spcPct val="107000"/>
+                        </a:lnSpc>
+                        <a:spcAft>
+                          <a:spcPts val="0"/>
+                        </a:spcAft>
+                      </a:pPr>
+                      <a:r>
+                        <a:rPr lang="en-US" sz="1600" kern="100">
+                          <a:effectLst/>
+                        </a:rPr>
+                        <a:t>Jump-r</a:t>
+                      </a:r>
+                      <a:endParaRPr lang="ko-KR" sz="1800" kern="100">
+                        <a:effectLst/>
+                        <a:latin typeface="맑은 고딕" panose="020B0503020000020004" pitchFamily="50" charset="-127"/>
+                        <a:ea typeface="맑은 고딕" panose="020B0503020000020004" pitchFamily="50" charset="-127"/>
+                        <a:cs typeface="Times New Roman" panose="02020603050405020304" pitchFamily="18" charset="0"/>
+                      </a:endParaRPr>
+                    </a:p>
+                  </a:txBody>
+                  <a:tcPr marL="68580" marR="68580" marT="0" marB="0"/>
+                </a:tc>
+                <a:tc>
+                  <a:txBody>
+                    <a:bodyPr/>
+                    <a:lstStyle/>
+                    <a:p>
+                      <a:pPr algn="ctr" latinLnBrk="1">
+                        <a:lnSpc>
+                          <a:spcPct val="107000"/>
+                        </a:lnSpc>
+                        <a:spcAft>
+                          <a:spcPts val="0"/>
+                        </a:spcAft>
+                      </a:pPr>
+                      <a:r>
+                        <a:rPr lang="ko-KR" sz="1600" kern="100">
+                          <a:effectLst/>
+                        </a:rPr>
+                        <a:t>도약</a:t>
+                      </a:r>
+                      <a:endParaRPr lang="ko-KR" sz="1800" kern="100">
+                        <a:effectLst/>
+                        <a:latin typeface="맑은 고딕" panose="020B0503020000020004" pitchFamily="50" charset="-127"/>
+                        <a:ea typeface="맑은 고딕" panose="020B0503020000020004" pitchFamily="50" charset="-127"/>
+                        <a:cs typeface="Times New Roman" panose="02020603050405020304" pitchFamily="18" charset="0"/>
+                      </a:endParaRPr>
+                    </a:p>
+                  </a:txBody>
+                  <a:tcPr marL="68580" marR="68580" marT="0" marB="0"/>
+                </a:tc>
+                <a:tc>
+                  <a:txBody>
+                    <a:bodyPr/>
+                    <a:lstStyle/>
+                    <a:p>
+                      <a:pPr algn="ctr" latinLnBrk="1">
+                        <a:lnSpc>
+                          <a:spcPct val="107000"/>
+                        </a:lnSpc>
+                        <a:spcAft>
+                          <a:spcPts val="0"/>
+                        </a:spcAft>
+                      </a:pPr>
+                      <a:r>
+                        <a:rPr lang="en-US" sz="1600" kern="100">
+                          <a:effectLst/>
+                        </a:rPr>
+                        <a:t>space</a:t>
+                      </a:r>
+                      <a:endParaRPr lang="ko-KR" sz="1800" kern="100">
+                        <a:effectLst/>
+                        <a:latin typeface="맑은 고딕" panose="020B0503020000020004" pitchFamily="50" charset="-127"/>
+                        <a:ea typeface="맑은 고딕" panose="020B0503020000020004" pitchFamily="50" charset="-127"/>
+                        <a:cs typeface="Times New Roman" panose="02020603050405020304" pitchFamily="18" charset="0"/>
+                      </a:endParaRPr>
+                    </a:p>
+                  </a:txBody>
+                  <a:tcPr marL="68580" marR="68580" marT="0" marB="0"/>
+                </a:tc>
+                <a:tc>
+                  <a:txBody>
+                    <a:bodyPr/>
+                    <a:lstStyle/>
+                    <a:p>
+                      <a:pPr algn="just" latinLnBrk="1">
+                        <a:lnSpc>
+                          <a:spcPct val="107000"/>
+                        </a:lnSpc>
+                        <a:spcAft>
+                          <a:spcPts val="0"/>
+                        </a:spcAft>
+                      </a:pPr>
+                      <a:r>
+                        <a:rPr lang="ko-KR" sz="1600" kern="100" dirty="0">
+                          <a:effectLst/>
+                        </a:rPr>
+                        <a:t>대기상태에서 점프함</a:t>
+                      </a:r>
+                      <a:endParaRPr lang="ko-KR" sz="1800" kern="100" dirty="0">
+                        <a:effectLst/>
+                      </a:endParaRPr>
+                    </a:p>
+                    <a:p>
+                      <a:pPr algn="just" latinLnBrk="1">
+                        <a:lnSpc>
+                          <a:spcPct val="107000"/>
+                        </a:lnSpc>
+                        <a:spcAft>
+                          <a:spcPts val="0"/>
+                        </a:spcAft>
+                      </a:pPr>
+                      <a:r>
+                        <a:rPr lang="ko-KR" sz="1600" kern="100" dirty="0">
+                          <a:effectLst/>
+                        </a:rPr>
+                        <a:t>달리면서 점프를 함</a:t>
+                      </a:r>
+                      <a:endParaRPr lang="ko-KR" sz="1800" kern="100" dirty="0">
+                        <a:effectLst/>
+                        <a:latin typeface="맑은 고딕" panose="020B0503020000020004" pitchFamily="50" charset="-127"/>
+                        <a:ea typeface="맑은 고딕" panose="020B0503020000020004" pitchFamily="50" charset="-127"/>
+                        <a:cs typeface="Times New Roman" panose="02020603050405020304" pitchFamily="18" charset="0"/>
+                      </a:endParaRPr>
+                    </a:p>
+                  </a:txBody>
+                  <a:tcPr marL="68580" marR="68580" marT="0" marB="0"/>
+                </a:tc>
+              </a:tr>
+              <a:tr h="525041">
+                <a:tc>
+                  <a:txBody>
+                    <a:bodyPr/>
+                    <a:lstStyle/>
+                    <a:p>
+                      <a:pPr algn="ctr" latinLnBrk="1">
+                        <a:lnSpc>
+                          <a:spcPct val="107000"/>
+                        </a:lnSpc>
+                        <a:spcAft>
+                          <a:spcPts val="0"/>
+                        </a:spcAft>
+                      </a:pPr>
+                      <a:r>
+                        <a:rPr lang="en-US" sz="1600" kern="100">
+                          <a:effectLst/>
+                        </a:rPr>
+                        <a:t>falling</a:t>
+                      </a:r>
+                      <a:endParaRPr lang="ko-KR" sz="1800" kern="100">
+                        <a:effectLst/>
+                      </a:endParaRPr>
+                    </a:p>
+                    <a:p>
+                      <a:pPr algn="ctr" latinLnBrk="1">
+                        <a:lnSpc>
+                          <a:spcPct val="107000"/>
+                        </a:lnSpc>
+                        <a:spcAft>
+                          <a:spcPts val="0"/>
+                        </a:spcAft>
+                      </a:pPr>
+                      <a:r>
+                        <a:rPr lang="en-US" sz="1600" kern="100">
+                          <a:effectLst/>
+                        </a:rPr>
+                        <a:t>falling-r</a:t>
+                      </a:r>
+                      <a:endParaRPr lang="ko-KR" sz="1800" kern="100">
+                        <a:effectLst/>
+                        <a:latin typeface="맑은 고딕" panose="020B0503020000020004" pitchFamily="50" charset="-127"/>
+                        <a:ea typeface="맑은 고딕" panose="020B0503020000020004" pitchFamily="50" charset="-127"/>
+                        <a:cs typeface="Times New Roman" panose="02020603050405020304" pitchFamily="18" charset="0"/>
+                      </a:endParaRPr>
+                    </a:p>
+                  </a:txBody>
+                  <a:tcPr marL="68580" marR="68580" marT="0" marB="0"/>
+                </a:tc>
+                <a:tc>
+                  <a:txBody>
+                    <a:bodyPr/>
+                    <a:lstStyle/>
+                    <a:p>
+                      <a:pPr algn="ctr" latinLnBrk="1">
+                        <a:lnSpc>
+                          <a:spcPct val="107000"/>
+                        </a:lnSpc>
+                        <a:spcAft>
+                          <a:spcPts val="0"/>
+                        </a:spcAft>
+                      </a:pPr>
+                      <a:r>
+                        <a:rPr lang="ko-KR" sz="1600" kern="100">
+                          <a:effectLst/>
+                        </a:rPr>
+                        <a:t>추락</a:t>
+                      </a:r>
+                      <a:endParaRPr lang="ko-KR" sz="1800" kern="100">
+                        <a:effectLst/>
+                        <a:latin typeface="맑은 고딕" panose="020B0503020000020004" pitchFamily="50" charset="-127"/>
+                        <a:ea typeface="맑은 고딕" panose="020B0503020000020004" pitchFamily="50" charset="-127"/>
+                        <a:cs typeface="Times New Roman" panose="02020603050405020304" pitchFamily="18" charset="0"/>
+                      </a:endParaRPr>
+                    </a:p>
+                  </a:txBody>
+                  <a:tcPr marL="68580" marR="68580" marT="0" marB="0"/>
+                </a:tc>
+                <a:tc>
+                  <a:txBody>
+                    <a:bodyPr/>
+                    <a:lstStyle/>
+                    <a:p>
+                      <a:pPr algn="just" latinLnBrk="1">
+                        <a:lnSpc>
+                          <a:spcPct val="107000"/>
+                        </a:lnSpc>
+                        <a:spcAft>
+                          <a:spcPts val="0"/>
+                        </a:spcAft>
+                      </a:pPr>
+                      <a:r>
+                        <a:rPr lang="ko-KR" sz="1600" kern="100">
+                          <a:effectLst/>
+                        </a:rPr>
+                        <a:t>조작없음</a:t>
+                      </a:r>
+                      <a:endParaRPr lang="ko-KR" sz="1800" kern="100">
+                        <a:effectLst/>
+                      </a:endParaRPr>
+                    </a:p>
+                    <a:p>
+                      <a:pPr algn="just" latinLnBrk="1">
+                        <a:lnSpc>
+                          <a:spcPct val="107000"/>
+                        </a:lnSpc>
+                        <a:spcAft>
+                          <a:spcPts val="0"/>
+                        </a:spcAft>
+                      </a:pPr>
+                      <a:r>
+                        <a:rPr lang="ko-KR" sz="1600" kern="100">
+                          <a:effectLst/>
+                        </a:rPr>
+                        <a:t>루프</a:t>
+                      </a:r>
+                      <a:endParaRPr lang="ko-KR" sz="1800" kern="100">
+                        <a:effectLst/>
+                        <a:latin typeface="맑은 고딕" panose="020B0503020000020004" pitchFamily="50" charset="-127"/>
+                        <a:ea typeface="맑은 고딕" panose="020B0503020000020004" pitchFamily="50" charset="-127"/>
+                        <a:cs typeface="Times New Roman" panose="02020603050405020304" pitchFamily="18" charset="0"/>
+                      </a:endParaRPr>
+                    </a:p>
+                  </a:txBody>
+                  <a:tcPr marL="68580" marR="68580" marT="0" marB="0"/>
+                </a:tc>
+                <a:tc>
+                  <a:txBody>
+                    <a:bodyPr/>
+                    <a:lstStyle/>
+                    <a:p>
+                      <a:pPr algn="just" latinLnBrk="1">
+                        <a:lnSpc>
+                          <a:spcPct val="107000"/>
+                        </a:lnSpc>
+                        <a:spcAft>
+                          <a:spcPts val="0"/>
+                        </a:spcAft>
+                      </a:pPr>
+                      <a:r>
+                        <a:rPr lang="ko-KR" sz="1600" kern="100" dirty="0">
+                          <a:effectLst/>
+                        </a:rPr>
+                        <a:t>떨어지는 상태</a:t>
+                      </a:r>
+                      <a:endParaRPr lang="ko-KR" sz="1800" kern="100" dirty="0">
+                        <a:effectLst/>
+                      </a:endParaRPr>
+                    </a:p>
+                    <a:p>
+                      <a:pPr algn="just" latinLnBrk="1">
+                        <a:lnSpc>
+                          <a:spcPct val="107000"/>
+                        </a:lnSpc>
+                        <a:spcAft>
+                          <a:spcPts val="0"/>
+                        </a:spcAft>
+                      </a:pPr>
+                      <a:r>
+                        <a:rPr lang="ko-KR" sz="1600" kern="100" dirty="0" err="1">
+                          <a:effectLst/>
+                        </a:rPr>
+                        <a:t>런닝점프에서</a:t>
+                      </a:r>
+                      <a:r>
+                        <a:rPr lang="ko-KR" sz="1600" kern="100" dirty="0">
+                          <a:effectLst/>
+                        </a:rPr>
+                        <a:t> 떨어지는 상태</a:t>
+                      </a:r>
+                      <a:endParaRPr lang="ko-KR" sz="1800" kern="100" dirty="0">
+                        <a:effectLst/>
+                        <a:latin typeface="맑은 고딕" panose="020B0503020000020004" pitchFamily="50" charset="-127"/>
+                        <a:ea typeface="맑은 고딕" panose="020B0503020000020004" pitchFamily="50" charset="-127"/>
+                        <a:cs typeface="Times New Roman" panose="02020603050405020304" pitchFamily="18" charset="0"/>
+                      </a:endParaRPr>
+                    </a:p>
+                  </a:txBody>
+                  <a:tcPr marL="68580" marR="68580" marT="0" marB="0"/>
+                </a:tc>
+              </a:tr>
+              <a:tr h="264271">
+                <a:tc>
+                  <a:txBody>
+                    <a:bodyPr/>
+                    <a:lstStyle/>
+                    <a:p>
+                      <a:pPr algn="ctr" latinLnBrk="1">
+                        <a:lnSpc>
+                          <a:spcPct val="107000"/>
+                        </a:lnSpc>
+                        <a:spcAft>
+                          <a:spcPts val="0"/>
+                        </a:spcAft>
+                      </a:pPr>
+                      <a:r>
+                        <a:rPr lang="en-US" sz="1600" kern="100">
+                          <a:effectLst/>
+                        </a:rPr>
+                        <a:t>landing</a:t>
+                      </a:r>
+                      <a:endParaRPr lang="ko-KR" sz="1800" kern="100">
+                        <a:effectLst/>
+                        <a:latin typeface="맑은 고딕" panose="020B0503020000020004" pitchFamily="50" charset="-127"/>
+                        <a:ea typeface="맑은 고딕" panose="020B0503020000020004" pitchFamily="50" charset="-127"/>
+                        <a:cs typeface="Times New Roman" panose="02020603050405020304" pitchFamily="18" charset="0"/>
+                      </a:endParaRPr>
+                    </a:p>
+                  </a:txBody>
+                  <a:tcPr marL="68580" marR="68580" marT="0" marB="0"/>
+                </a:tc>
+                <a:tc>
+                  <a:txBody>
+                    <a:bodyPr/>
+                    <a:lstStyle/>
+                    <a:p>
+                      <a:pPr algn="ctr" latinLnBrk="1">
+                        <a:lnSpc>
+                          <a:spcPct val="107000"/>
+                        </a:lnSpc>
+                        <a:spcAft>
+                          <a:spcPts val="0"/>
+                        </a:spcAft>
+                      </a:pPr>
+                      <a:r>
+                        <a:rPr lang="ko-KR" sz="1600" kern="100">
+                          <a:effectLst/>
+                        </a:rPr>
+                        <a:t>착지</a:t>
+                      </a:r>
+                      <a:endParaRPr lang="ko-KR" sz="1800" kern="100">
+                        <a:effectLst/>
+                        <a:latin typeface="맑은 고딕" panose="020B0503020000020004" pitchFamily="50" charset="-127"/>
+                        <a:ea typeface="맑은 고딕" panose="020B0503020000020004" pitchFamily="50" charset="-127"/>
+                        <a:cs typeface="Times New Roman" panose="02020603050405020304" pitchFamily="18" charset="0"/>
+                      </a:endParaRPr>
+                    </a:p>
+                  </a:txBody>
+                  <a:tcPr marL="68580" marR="68580" marT="0" marB="0"/>
+                </a:tc>
+                <a:tc>
+                  <a:txBody>
+                    <a:bodyPr/>
+                    <a:lstStyle/>
+                    <a:p>
+                      <a:pPr algn="ctr" latinLnBrk="1">
+                        <a:lnSpc>
+                          <a:spcPct val="107000"/>
+                        </a:lnSpc>
+                        <a:spcAft>
+                          <a:spcPts val="0"/>
+                        </a:spcAft>
+                      </a:pPr>
+                      <a:r>
+                        <a:rPr lang="ko-KR" sz="1600" kern="100">
+                          <a:effectLst/>
+                        </a:rPr>
+                        <a:t>조작없음</a:t>
+                      </a:r>
+                      <a:endParaRPr lang="ko-KR" sz="1800" kern="100">
+                        <a:effectLst/>
+                        <a:latin typeface="맑은 고딕" panose="020B0503020000020004" pitchFamily="50" charset="-127"/>
+                        <a:ea typeface="맑은 고딕" panose="020B0503020000020004" pitchFamily="50" charset="-127"/>
+                        <a:cs typeface="Times New Roman" panose="02020603050405020304" pitchFamily="18" charset="0"/>
+                      </a:endParaRPr>
+                    </a:p>
+                  </a:txBody>
+                  <a:tcPr marL="68580" marR="68580" marT="0" marB="0"/>
+                </a:tc>
+                <a:tc>
+                  <a:txBody>
+                    <a:bodyPr/>
+                    <a:lstStyle/>
+                    <a:p>
+                      <a:pPr algn="just" latinLnBrk="1">
+                        <a:lnSpc>
+                          <a:spcPct val="107000"/>
+                        </a:lnSpc>
+                        <a:spcAft>
+                          <a:spcPts val="0"/>
+                        </a:spcAft>
+                      </a:pPr>
+                      <a:r>
+                        <a:rPr lang="ko-KR" sz="1600" kern="100" dirty="0">
+                          <a:effectLst/>
+                        </a:rPr>
+                        <a:t>착지하여 일어나는 상태</a:t>
+                      </a:r>
+                      <a:endParaRPr lang="ko-KR" sz="1800" kern="100" dirty="0">
+                        <a:effectLst/>
+                        <a:latin typeface="맑은 고딕" panose="020B0503020000020004" pitchFamily="50" charset="-127"/>
+                        <a:ea typeface="맑은 고딕" panose="020B0503020000020004" pitchFamily="50" charset="-127"/>
+                        <a:cs typeface="Times New Roman" panose="02020603050405020304" pitchFamily="18" charset="0"/>
+                      </a:endParaRPr>
+                    </a:p>
+                  </a:txBody>
+                  <a:tcPr marL="68580" marR="68580" marT="0" marB="0"/>
+                </a:tc>
+              </a:tr>
+            </a:tbl>
+          </a:graphicData>
+        </a:graphic>
+      </p:graphicFrame>
       <p:sp>
         <p:nvSpPr>
-          <p:cNvPr id="7" name="바닥글 개체 틀 4"/>
+          <p:cNvPr id="12" name="제목 1"/>
+          <p:cNvSpPr>
+            <a:spLocks noGrp="1"/>
+          </p:cNvSpPr>
+          <p:nvPr>
+            <p:ph type="title"/>
+          </p:nvPr>
+        </p:nvSpPr>
+        <p:spPr>
+          <a:xfrm>
+            <a:off x="838200" y="365125"/>
+            <a:ext cx="10515600" cy="798657"/>
+          </a:xfrm>
+        </p:spPr>
+        <p:txBody>
+          <a:bodyPr/>
+          <a:lstStyle/>
+          <a:p>
+            <a:r>
+              <a:rPr lang="ko-KR" altLang="en-US" dirty="0" smtClean="0"/>
+              <a:t>액션</a:t>
+            </a:r>
+            <a:r>
+              <a:rPr lang="en-US" altLang="ko-KR" dirty="0" smtClean="0"/>
+              <a:t>,</a:t>
+            </a:r>
+            <a:r>
+              <a:rPr lang="ko-KR" altLang="en-US" dirty="0" smtClean="0"/>
+              <a:t>전투시스템</a:t>
+            </a:r>
+            <a:endParaRPr lang="ko-KR" altLang="en-US" dirty="0"/>
+          </a:p>
+        </p:txBody>
+      </p:sp>
+    </p:spTree>
+    <p:extLst>
+      <p:ext uri="{BB962C8B-B14F-4D97-AF65-F5344CB8AC3E}">
+        <p14:creationId xmlns:p14="http://schemas.microsoft.com/office/powerpoint/2010/main" val="2118545045"/>
+      </p:ext>
+    </p:extLst>
+  </p:cSld>
+  <p:clrMapOvr>
+    <a:masterClrMapping/>
+  </p:clrMapOvr>
+</p:sld>
+</file>
+
+<file path=ppt/slides/slide22.xml><?xml version="1.0" encoding="utf-8"?>
+<p:sld xmlns:a="http://schemas.openxmlformats.org/drawingml/2006/main" xmlns:r="http://schemas.openxmlformats.org/officeDocument/2006/relationships" xmlns:p="http://schemas.openxmlformats.org/presentationml/2006/main">
+  <p:cSld>
+    <p:spTree>
+      <p:nvGrpSpPr>
+        <p:cNvPr id="1" name=""/>
+        <p:cNvGrpSpPr/>
+        <p:nvPr/>
+      </p:nvGrpSpPr>
+      <p:grpSpPr>
+        <a:xfrm>
+          <a:off x="0" y="0"/>
+          <a:ext cx="0" cy="0"/>
+          <a:chOff x="0" y="0"/>
+          <a:chExt cx="0" cy="0"/>
+        </a:xfrm>
+      </p:grpSpPr>
+      <p:sp>
+        <p:nvSpPr>
+          <p:cNvPr id="2" name="제목 1"/>
+          <p:cNvSpPr>
+            <a:spLocks noGrp="1"/>
+          </p:cNvSpPr>
+          <p:nvPr>
+            <p:ph type="title"/>
+          </p:nvPr>
+        </p:nvSpPr>
+        <p:spPr/>
+        <p:txBody>
+          <a:bodyPr/>
+          <a:lstStyle/>
+          <a:p>
+            <a:r>
+              <a:rPr lang="ko-KR" altLang="en-US" dirty="0"/>
+              <a:t>액션</a:t>
+            </a:r>
+            <a:r>
+              <a:rPr lang="en-US" altLang="ko-KR" dirty="0"/>
+              <a:t>,</a:t>
+            </a:r>
+            <a:r>
+              <a:rPr lang="ko-KR" altLang="en-US" dirty="0"/>
+              <a:t>전투시스템</a:t>
+            </a:r>
+          </a:p>
+        </p:txBody>
+      </p:sp>
+      <p:graphicFrame>
+        <p:nvGraphicFramePr>
+          <p:cNvPr id="7" name="내용 개체 틀 6"/>
+          <p:cNvGraphicFramePr>
+            <a:graphicFrameLocks noGrp="1"/>
+          </p:cNvGraphicFramePr>
+          <p:nvPr>
+            <p:ph idx="1"/>
+            <p:extLst>
+              <p:ext uri="{D42A27DB-BD31-4B8C-83A1-F6EECF244321}">
+                <p14:modId xmlns:p14="http://schemas.microsoft.com/office/powerpoint/2010/main" val="2627949117"/>
+              </p:ext>
+            </p:extLst>
+          </p:nvPr>
+        </p:nvGraphicFramePr>
+        <p:xfrm>
+          <a:off x="838199" y="1498980"/>
+          <a:ext cx="10206039" cy="4525671"/>
+        </p:xfrm>
+        <a:graphic>
+          <a:graphicData uri="http://schemas.openxmlformats.org/drawingml/2006/table">
+            <a:tbl>
+              <a:tblPr firstRow="1" firstCol="1" bandRow="1">
+                <a:tableStyleId>{5C22544A-7EE6-4342-B048-85BDC9FD1C3A}</a:tableStyleId>
+              </a:tblPr>
+              <a:tblGrid>
+                <a:gridCol w="1597378"/>
+                <a:gridCol w="1288756"/>
+                <a:gridCol w="1288756"/>
+                <a:gridCol w="6031149"/>
+              </a:tblGrid>
+              <a:tr h="346207">
+                <a:tc gridSpan="4">
+                  <a:txBody>
+                    <a:bodyPr/>
+                    <a:lstStyle/>
+                    <a:p>
+                      <a:pPr algn="ctr" latinLnBrk="1">
+                        <a:lnSpc>
+                          <a:spcPct val="107000"/>
+                        </a:lnSpc>
+                        <a:spcAft>
+                          <a:spcPts val="0"/>
+                        </a:spcAft>
+                      </a:pPr>
+                      <a:r>
+                        <a:rPr lang="ko-KR" sz="2400" kern="100" dirty="0" smtClean="0">
+                          <a:effectLst/>
+                        </a:rPr>
+                        <a:t>전투</a:t>
+                      </a:r>
+                      <a:r>
+                        <a:rPr lang="en-US" sz="2400" kern="100" dirty="0">
+                          <a:effectLst/>
+                        </a:rPr>
+                        <a:t> </a:t>
+                      </a:r>
+                      <a:endParaRPr lang="ko-KR" sz="2800" kern="100" dirty="0">
+                        <a:effectLst/>
+                        <a:latin typeface="맑은 고딕" panose="020B0503020000020004" pitchFamily="50" charset="-127"/>
+                        <a:ea typeface="맑은 고딕" panose="020B0503020000020004" pitchFamily="50" charset="-127"/>
+                        <a:cs typeface="Times New Roman" panose="02020603050405020304" pitchFamily="18" charset="0"/>
+                      </a:endParaRPr>
+                    </a:p>
+                  </a:txBody>
+                  <a:tcPr marL="68580" marR="68580" marT="0" marB="0"/>
+                </a:tc>
+                <a:tc hMerge="1">
+                  <a:txBody>
+                    <a:bodyPr/>
+                    <a:lstStyle/>
+                    <a:p>
+                      <a:pPr algn="ctr" latinLnBrk="1">
+                        <a:lnSpc>
+                          <a:spcPct val="107000"/>
+                        </a:lnSpc>
+                        <a:spcAft>
+                          <a:spcPts val="0"/>
+                        </a:spcAft>
+                      </a:pPr>
+                      <a:endParaRPr lang="ko-KR" sz="2000" kern="100" dirty="0">
+                        <a:effectLst/>
+                        <a:latin typeface="맑은 고딕" panose="020B0503020000020004" pitchFamily="50" charset="-127"/>
+                        <a:ea typeface="맑은 고딕" panose="020B0503020000020004" pitchFamily="50" charset="-127"/>
+                        <a:cs typeface="Times New Roman" panose="02020603050405020304" pitchFamily="18" charset="0"/>
+                      </a:endParaRPr>
+                    </a:p>
+                  </a:txBody>
+                  <a:tcPr marL="68580" marR="68580" marT="0" marB="0"/>
+                </a:tc>
+                <a:tc hMerge="1">
+                  <a:txBody>
+                    <a:bodyPr/>
+                    <a:lstStyle/>
+                    <a:p>
+                      <a:pPr algn="ctr" latinLnBrk="1">
+                        <a:lnSpc>
+                          <a:spcPct val="107000"/>
+                        </a:lnSpc>
+                        <a:spcAft>
+                          <a:spcPts val="0"/>
+                        </a:spcAft>
+                      </a:pPr>
+                      <a:endParaRPr lang="ko-KR" sz="2000" kern="100" dirty="0">
+                        <a:effectLst/>
+                        <a:latin typeface="맑은 고딕" panose="020B0503020000020004" pitchFamily="50" charset="-127"/>
+                        <a:ea typeface="맑은 고딕" panose="020B0503020000020004" pitchFamily="50" charset="-127"/>
+                        <a:cs typeface="Times New Roman" panose="02020603050405020304" pitchFamily="18" charset="0"/>
+                      </a:endParaRPr>
+                    </a:p>
+                  </a:txBody>
+                  <a:tcPr marL="68580" marR="68580" marT="0" marB="0"/>
+                </a:tc>
+                <a:tc hMerge="1">
+                  <a:txBody>
+                    <a:bodyPr/>
+                    <a:lstStyle/>
+                    <a:p>
+                      <a:pPr algn="just" latinLnBrk="1">
+                        <a:lnSpc>
+                          <a:spcPct val="107000"/>
+                        </a:lnSpc>
+                        <a:spcAft>
+                          <a:spcPts val="0"/>
+                        </a:spcAft>
+                      </a:pPr>
+                      <a:endParaRPr lang="ko-KR" sz="2000" kern="100" dirty="0">
+                        <a:effectLst/>
+                        <a:latin typeface="맑은 고딕" panose="020B0503020000020004" pitchFamily="50" charset="-127"/>
+                        <a:ea typeface="맑은 고딕" panose="020B0503020000020004" pitchFamily="50" charset="-127"/>
+                        <a:cs typeface="Times New Roman" panose="02020603050405020304" pitchFamily="18" charset="0"/>
+                      </a:endParaRPr>
+                    </a:p>
+                  </a:txBody>
+                  <a:tcPr marL="68580" marR="68580" marT="0" marB="0"/>
+                </a:tc>
+              </a:tr>
+              <a:tr h="564433">
+                <a:tc>
+                  <a:txBody>
+                    <a:bodyPr/>
+                    <a:lstStyle/>
+                    <a:p>
+                      <a:pPr algn="ctr" latinLnBrk="1">
+                        <a:lnSpc>
+                          <a:spcPct val="107000"/>
+                        </a:lnSpc>
+                        <a:spcAft>
+                          <a:spcPts val="0"/>
+                        </a:spcAft>
+                      </a:pPr>
+                      <a:r>
+                        <a:rPr lang="en-US" sz="1800" kern="100">
+                          <a:effectLst/>
+                        </a:rPr>
+                        <a:t>C-idle</a:t>
+                      </a:r>
+                      <a:endParaRPr lang="ko-KR" sz="2000" kern="100">
+                        <a:effectLst/>
+                        <a:latin typeface="맑은 고딕" panose="020B0503020000020004" pitchFamily="50" charset="-127"/>
+                        <a:ea typeface="맑은 고딕" panose="020B0503020000020004" pitchFamily="50" charset="-127"/>
+                        <a:cs typeface="Times New Roman" panose="02020603050405020304" pitchFamily="18" charset="0"/>
+                      </a:endParaRPr>
+                    </a:p>
+                  </a:txBody>
+                  <a:tcPr marL="68580" marR="68580" marT="0" marB="0"/>
+                </a:tc>
+                <a:tc>
+                  <a:txBody>
+                    <a:bodyPr/>
+                    <a:lstStyle/>
+                    <a:p>
+                      <a:pPr algn="ctr" latinLnBrk="1">
+                        <a:lnSpc>
+                          <a:spcPct val="107000"/>
+                        </a:lnSpc>
+                        <a:spcAft>
+                          <a:spcPts val="0"/>
+                        </a:spcAft>
+                      </a:pPr>
+                      <a:r>
+                        <a:rPr lang="ko-KR" sz="1800" kern="100" dirty="0">
+                          <a:effectLst/>
+                        </a:rPr>
+                        <a:t>전투기본</a:t>
+                      </a:r>
+                      <a:endParaRPr lang="ko-KR" sz="2000" kern="100" dirty="0">
+                        <a:effectLst/>
+                        <a:latin typeface="맑은 고딕" panose="020B0503020000020004" pitchFamily="50" charset="-127"/>
+                        <a:ea typeface="맑은 고딕" panose="020B0503020000020004" pitchFamily="50" charset="-127"/>
+                        <a:cs typeface="Times New Roman" panose="02020603050405020304" pitchFamily="18" charset="0"/>
+                      </a:endParaRPr>
+                    </a:p>
+                  </a:txBody>
+                  <a:tcPr marL="68580" marR="68580" marT="0" marB="0"/>
+                </a:tc>
+                <a:tc>
+                  <a:txBody>
+                    <a:bodyPr/>
+                    <a:lstStyle/>
+                    <a:p>
+                      <a:pPr algn="ctr" latinLnBrk="1">
+                        <a:lnSpc>
+                          <a:spcPct val="107000"/>
+                        </a:lnSpc>
+                        <a:spcAft>
+                          <a:spcPts val="0"/>
+                        </a:spcAft>
+                      </a:pPr>
+                      <a:r>
+                        <a:rPr lang="ko-KR" sz="1800" kern="100">
+                          <a:effectLst/>
+                        </a:rPr>
+                        <a:t>조작없음</a:t>
+                      </a:r>
+                      <a:endParaRPr lang="ko-KR" sz="2000" kern="100">
+                        <a:effectLst/>
+                      </a:endParaRPr>
+                    </a:p>
+                    <a:p>
+                      <a:pPr algn="ctr" latinLnBrk="1">
+                        <a:lnSpc>
+                          <a:spcPct val="107000"/>
+                        </a:lnSpc>
+                        <a:spcAft>
+                          <a:spcPts val="0"/>
+                        </a:spcAft>
+                      </a:pPr>
+                      <a:r>
+                        <a:rPr lang="ko-KR" sz="1800" kern="100">
+                          <a:effectLst/>
+                        </a:rPr>
+                        <a:t>루프</a:t>
+                      </a:r>
+                      <a:endParaRPr lang="ko-KR" sz="2000" kern="100">
+                        <a:effectLst/>
+                        <a:latin typeface="맑은 고딕" panose="020B0503020000020004" pitchFamily="50" charset="-127"/>
+                        <a:ea typeface="맑은 고딕" panose="020B0503020000020004" pitchFamily="50" charset="-127"/>
+                        <a:cs typeface="Times New Roman" panose="02020603050405020304" pitchFamily="18" charset="0"/>
+                      </a:endParaRPr>
+                    </a:p>
+                  </a:txBody>
+                  <a:tcPr marL="68580" marR="68580" marT="0" marB="0"/>
+                </a:tc>
+                <a:tc>
+                  <a:txBody>
+                    <a:bodyPr/>
+                    <a:lstStyle/>
+                    <a:p>
+                      <a:pPr algn="just" latinLnBrk="1">
+                        <a:lnSpc>
+                          <a:spcPct val="107000"/>
+                        </a:lnSpc>
+                        <a:spcAft>
+                          <a:spcPts val="0"/>
+                        </a:spcAft>
+                      </a:pPr>
+                      <a:r>
+                        <a:rPr lang="ko-KR" sz="1800" kern="100">
+                          <a:effectLst/>
+                        </a:rPr>
+                        <a:t>전투모드에서 대기상태</a:t>
+                      </a:r>
+                      <a:endParaRPr lang="ko-KR" sz="2000" kern="100">
+                        <a:effectLst/>
+                        <a:latin typeface="맑은 고딕" panose="020B0503020000020004" pitchFamily="50" charset="-127"/>
+                        <a:ea typeface="맑은 고딕" panose="020B0503020000020004" pitchFamily="50" charset="-127"/>
+                        <a:cs typeface="Times New Roman" panose="02020603050405020304" pitchFamily="18" charset="0"/>
+                      </a:endParaRPr>
+                    </a:p>
+                  </a:txBody>
+                  <a:tcPr marL="68580" marR="68580" marT="0" marB="0"/>
+                </a:tc>
+              </a:tr>
+              <a:tr h="564433">
+                <a:tc>
+                  <a:txBody>
+                    <a:bodyPr/>
+                    <a:lstStyle/>
+                    <a:p>
+                      <a:pPr algn="ctr" latinLnBrk="1">
+                        <a:lnSpc>
+                          <a:spcPct val="107000"/>
+                        </a:lnSpc>
+                        <a:spcAft>
+                          <a:spcPts val="0"/>
+                        </a:spcAft>
+                      </a:pPr>
+                      <a:r>
+                        <a:rPr lang="en-US" sz="1800" kern="100">
+                          <a:effectLst/>
+                        </a:rPr>
+                        <a:t>C-action</a:t>
+                      </a:r>
+                      <a:endParaRPr lang="ko-KR" sz="2000" kern="100">
+                        <a:effectLst/>
+                        <a:latin typeface="맑은 고딕" panose="020B0503020000020004" pitchFamily="50" charset="-127"/>
+                        <a:ea typeface="맑은 고딕" panose="020B0503020000020004" pitchFamily="50" charset="-127"/>
+                        <a:cs typeface="Times New Roman" panose="02020603050405020304" pitchFamily="18" charset="0"/>
+                      </a:endParaRPr>
+                    </a:p>
+                  </a:txBody>
+                  <a:tcPr marL="68580" marR="68580" marT="0" marB="0"/>
+                </a:tc>
+                <a:tc>
+                  <a:txBody>
+                    <a:bodyPr/>
+                    <a:lstStyle/>
+                    <a:p>
+                      <a:pPr algn="ctr" latinLnBrk="1">
+                        <a:lnSpc>
+                          <a:spcPct val="107000"/>
+                        </a:lnSpc>
+                        <a:spcAft>
+                          <a:spcPts val="0"/>
+                        </a:spcAft>
+                      </a:pPr>
+                      <a:r>
+                        <a:rPr lang="ko-KR" sz="1800" kern="100" dirty="0">
+                          <a:effectLst/>
+                        </a:rPr>
+                        <a:t>전투액션</a:t>
+                      </a:r>
+                      <a:endParaRPr lang="ko-KR" sz="2000" kern="100" dirty="0">
+                        <a:effectLst/>
+                        <a:latin typeface="맑은 고딕" panose="020B0503020000020004" pitchFamily="50" charset="-127"/>
+                        <a:ea typeface="맑은 고딕" panose="020B0503020000020004" pitchFamily="50" charset="-127"/>
+                        <a:cs typeface="Times New Roman" panose="02020603050405020304" pitchFamily="18" charset="0"/>
+                      </a:endParaRPr>
+                    </a:p>
+                  </a:txBody>
+                  <a:tcPr marL="68580" marR="68580" marT="0" marB="0"/>
+                </a:tc>
+                <a:tc>
+                  <a:txBody>
+                    <a:bodyPr/>
+                    <a:lstStyle/>
+                    <a:p>
+                      <a:pPr algn="ctr" latinLnBrk="1">
+                        <a:lnSpc>
+                          <a:spcPct val="107000"/>
+                        </a:lnSpc>
+                        <a:spcAft>
+                          <a:spcPts val="0"/>
+                        </a:spcAft>
+                      </a:pPr>
+                      <a:r>
+                        <a:rPr lang="ko-KR" sz="1800" kern="100">
+                          <a:effectLst/>
+                        </a:rPr>
+                        <a:t>조작없음</a:t>
+                      </a:r>
+                      <a:endParaRPr lang="ko-KR" sz="2000" kern="100">
+                        <a:effectLst/>
+                      </a:endParaRPr>
+                    </a:p>
+                    <a:p>
+                      <a:pPr algn="ctr" latinLnBrk="1">
+                        <a:lnSpc>
+                          <a:spcPct val="107000"/>
+                        </a:lnSpc>
+                        <a:spcAft>
+                          <a:spcPts val="0"/>
+                        </a:spcAft>
+                      </a:pPr>
+                      <a:r>
+                        <a:rPr lang="en-US" sz="1800" kern="100">
+                          <a:effectLst/>
+                        </a:rPr>
+                        <a:t> </a:t>
+                      </a:r>
+                      <a:endParaRPr lang="ko-KR" sz="2000" kern="100">
+                        <a:effectLst/>
+                        <a:latin typeface="맑은 고딕" panose="020B0503020000020004" pitchFamily="50" charset="-127"/>
+                        <a:ea typeface="맑은 고딕" panose="020B0503020000020004" pitchFamily="50" charset="-127"/>
+                        <a:cs typeface="Times New Roman" panose="02020603050405020304" pitchFamily="18" charset="0"/>
+                      </a:endParaRPr>
+                    </a:p>
+                  </a:txBody>
+                  <a:tcPr marL="68580" marR="68580" marT="0" marB="0"/>
+                </a:tc>
+                <a:tc>
+                  <a:txBody>
+                    <a:bodyPr/>
+                    <a:lstStyle/>
+                    <a:p>
+                      <a:pPr algn="just" latinLnBrk="1">
+                        <a:lnSpc>
+                          <a:spcPct val="107000"/>
+                        </a:lnSpc>
+                        <a:spcAft>
+                          <a:spcPts val="0"/>
+                        </a:spcAft>
+                      </a:pPr>
+                      <a:r>
+                        <a:rPr lang="ko-KR" sz="1800" kern="100">
+                          <a:effectLst/>
+                        </a:rPr>
+                        <a:t>전투모드에서</a:t>
+                      </a:r>
+                      <a:r>
+                        <a:rPr lang="en-US" sz="1800" kern="100">
+                          <a:effectLst/>
+                        </a:rPr>
+                        <a:t> 10</a:t>
+                      </a:r>
+                      <a:r>
+                        <a:rPr lang="ko-KR" sz="1800" kern="100">
+                          <a:effectLst/>
+                        </a:rPr>
+                        <a:t>초이상 움직임이 없는 상태로 지속될 때 </a:t>
+                      </a:r>
+                      <a:endParaRPr lang="ko-KR" sz="2000" kern="100">
+                        <a:effectLst/>
+                      </a:endParaRPr>
+                    </a:p>
+                    <a:p>
+                      <a:pPr algn="just" latinLnBrk="1">
+                        <a:lnSpc>
+                          <a:spcPct val="107000"/>
+                        </a:lnSpc>
+                        <a:spcAft>
+                          <a:spcPts val="0"/>
+                        </a:spcAft>
+                      </a:pPr>
+                      <a:r>
+                        <a:rPr lang="ko-KR" sz="1800" kern="100">
+                          <a:effectLst/>
+                        </a:rPr>
+                        <a:t>무기를 손질하는 애니메이션</a:t>
+                      </a:r>
+                      <a:endParaRPr lang="ko-KR" sz="2000" kern="100">
+                        <a:effectLst/>
+                        <a:latin typeface="맑은 고딕" panose="020B0503020000020004" pitchFamily="50" charset="-127"/>
+                        <a:ea typeface="맑은 고딕" panose="020B0503020000020004" pitchFamily="50" charset="-127"/>
+                        <a:cs typeface="Times New Roman" panose="02020603050405020304" pitchFamily="18" charset="0"/>
+                      </a:endParaRPr>
+                    </a:p>
+                  </a:txBody>
+                  <a:tcPr marL="68580" marR="68580" marT="0" marB="0"/>
+                </a:tc>
+              </a:tr>
+              <a:tr h="318859">
+                <a:tc>
+                  <a:txBody>
+                    <a:bodyPr/>
+                    <a:lstStyle/>
+                    <a:p>
+                      <a:pPr algn="ctr" latinLnBrk="1">
+                        <a:lnSpc>
+                          <a:spcPct val="107000"/>
+                        </a:lnSpc>
+                        <a:spcAft>
+                          <a:spcPts val="0"/>
+                        </a:spcAft>
+                        <a:tabLst>
+                          <a:tab pos="569595" algn="l"/>
+                        </a:tabLst>
+                      </a:pPr>
+                      <a:r>
+                        <a:rPr lang="en-US" sz="1800" kern="100">
+                          <a:effectLst/>
+                        </a:rPr>
+                        <a:t>C-finish</a:t>
+                      </a:r>
+                      <a:endParaRPr lang="ko-KR" sz="2000" kern="100">
+                        <a:effectLst/>
+                        <a:latin typeface="맑은 고딕" panose="020B0503020000020004" pitchFamily="50" charset="-127"/>
+                        <a:ea typeface="맑은 고딕" panose="020B0503020000020004" pitchFamily="50" charset="-127"/>
+                        <a:cs typeface="Times New Roman" panose="02020603050405020304" pitchFamily="18" charset="0"/>
+                      </a:endParaRPr>
+                    </a:p>
+                  </a:txBody>
+                  <a:tcPr marL="68580" marR="68580" marT="0" marB="0"/>
+                </a:tc>
+                <a:tc>
+                  <a:txBody>
+                    <a:bodyPr/>
+                    <a:lstStyle/>
+                    <a:p>
+                      <a:pPr algn="ctr" latinLnBrk="1">
+                        <a:lnSpc>
+                          <a:spcPct val="107000"/>
+                        </a:lnSpc>
+                        <a:spcAft>
+                          <a:spcPts val="0"/>
+                        </a:spcAft>
+                      </a:pPr>
+                      <a:r>
+                        <a:rPr lang="ko-KR" sz="1800" kern="100" dirty="0">
+                          <a:effectLst/>
+                        </a:rPr>
+                        <a:t>전투종료</a:t>
+                      </a:r>
+                      <a:endParaRPr lang="ko-KR" sz="2000" kern="100" dirty="0">
+                        <a:effectLst/>
+                        <a:latin typeface="맑은 고딕" panose="020B0503020000020004" pitchFamily="50" charset="-127"/>
+                        <a:ea typeface="맑은 고딕" panose="020B0503020000020004" pitchFamily="50" charset="-127"/>
+                        <a:cs typeface="Times New Roman" panose="02020603050405020304" pitchFamily="18" charset="0"/>
+                      </a:endParaRPr>
+                    </a:p>
+                  </a:txBody>
+                  <a:tcPr marL="68580" marR="68580" marT="0" marB="0"/>
+                </a:tc>
+                <a:tc>
+                  <a:txBody>
+                    <a:bodyPr/>
+                    <a:lstStyle/>
+                    <a:p>
+                      <a:pPr algn="ctr" latinLnBrk="1">
+                        <a:lnSpc>
+                          <a:spcPct val="107000"/>
+                        </a:lnSpc>
+                        <a:spcAft>
+                          <a:spcPts val="0"/>
+                        </a:spcAft>
+                      </a:pPr>
+                      <a:r>
+                        <a:rPr lang="ko-KR" sz="1800" kern="100">
+                          <a:effectLst/>
+                        </a:rPr>
+                        <a:t>조작없음</a:t>
+                      </a:r>
+                      <a:endParaRPr lang="ko-KR" sz="2000" kern="100">
+                        <a:effectLst/>
+                        <a:latin typeface="맑은 고딕" panose="020B0503020000020004" pitchFamily="50" charset="-127"/>
+                        <a:ea typeface="맑은 고딕" panose="020B0503020000020004" pitchFamily="50" charset="-127"/>
+                        <a:cs typeface="Times New Roman" panose="02020603050405020304" pitchFamily="18" charset="0"/>
+                      </a:endParaRPr>
+                    </a:p>
+                  </a:txBody>
+                  <a:tcPr marL="68580" marR="68580" marT="0" marB="0"/>
+                </a:tc>
+                <a:tc>
+                  <a:txBody>
+                    <a:bodyPr/>
+                    <a:lstStyle/>
+                    <a:p>
+                      <a:pPr algn="just" latinLnBrk="1">
+                        <a:lnSpc>
+                          <a:spcPct val="107000"/>
+                        </a:lnSpc>
+                        <a:spcAft>
+                          <a:spcPts val="0"/>
+                        </a:spcAft>
+                      </a:pPr>
+                      <a:r>
+                        <a:rPr lang="ko-KR" sz="1800" kern="100">
+                          <a:effectLst/>
+                        </a:rPr>
+                        <a:t>전투모드를 종료하는 상태 </a:t>
+                      </a:r>
+                      <a:endParaRPr lang="ko-KR" sz="2000" kern="100">
+                        <a:effectLst/>
+                        <a:latin typeface="맑은 고딕" panose="020B0503020000020004" pitchFamily="50" charset="-127"/>
+                        <a:ea typeface="맑은 고딕" panose="020B0503020000020004" pitchFamily="50" charset="-127"/>
+                        <a:cs typeface="Times New Roman" panose="02020603050405020304" pitchFamily="18" charset="0"/>
+                      </a:endParaRPr>
+                    </a:p>
+                  </a:txBody>
+                  <a:tcPr marL="68580" marR="68580" marT="0" marB="0"/>
+                </a:tc>
+              </a:tr>
+              <a:tr h="1704026">
+                <a:tc>
+                  <a:txBody>
+                    <a:bodyPr/>
+                    <a:lstStyle/>
+                    <a:p>
+                      <a:pPr algn="ctr" latinLnBrk="1">
+                        <a:lnSpc>
+                          <a:spcPct val="107000"/>
+                        </a:lnSpc>
+                        <a:spcAft>
+                          <a:spcPts val="0"/>
+                        </a:spcAft>
+                      </a:pPr>
+                      <a:r>
+                        <a:rPr lang="en-US" sz="1800" kern="100">
+                          <a:effectLst/>
+                        </a:rPr>
+                        <a:t>attack</a:t>
+                      </a:r>
+                      <a:endParaRPr lang="ko-KR" sz="2000" kern="100">
+                        <a:effectLst/>
+                      </a:endParaRPr>
+                    </a:p>
+                    <a:p>
+                      <a:pPr algn="ctr" latinLnBrk="1">
+                        <a:lnSpc>
+                          <a:spcPct val="107000"/>
+                        </a:lnSpc>
+                        <a:spcAft>
+                          <a:spcPts val="0"/>
+                        </a:spcAft>
+                      </a:pPr>
+                      <a:r>
+                        <a:rPr lang="en-US" sz="1800" kern="100">
+                          <a:effectLst/>
+                        </a:rPr>
+                        <a:t>attack-d</a:t>
+                      </a:r>
+                      <a:endParaRPr lang="ko-KR" sz="2000" kern="100">
+                        <a:effectLst/>
+                      </a:endParaRPr>
+                    </a:p>
+                    <a:p>
+                      <a:pPr algn="ctr" latinLnBrk="1">
+                        <a:lnSpc>
+                          <a:spcPct val="107000"/>
+                        </a:lnSpc>
+                        <a:spcAft>
+                          <a:spcPts val="0"/>
+                        </a:spcAft>
+                      </a:pPr>
+                      <a:r>
+                        <a:rPr lang="en-US" sz="1800" kern="100">
+                          <a:effectLst/>
+                        </a:rPr>
+                        <a:t>attack-r</a:t>
+                      </a:r>
+                      <a:endParaRPr lang="ko-KR" sz="2000" kern="100">
+                        <a:effectLst/>
+                      </a:endParaRPr>
+                    </a:p>
+                    <a:p>
+                      <a:pPr algn="ctr" latinLnBrk="1">
+                        <a:lnSpc>
+                          <a:spcPct val="107000"/>
+                        </a:lnSpc>
+                        <a:spcAft>
+                          <a:spcPts val="0"/>
+                        </a:spcAft>
+                      </a:pPr>
+                      <a:r>
+                        <a:rPr lang="en-US" sz="1800" kern="100">
+                          <a:effectLst/>
+                        </a:rPr>
+                        <a:t>attack-j</a:t>
+                      </a:r>
+                      <a:endParaRPr lang="ko-KR" sz="2000" kern="100">
+                        <a:effectLst/>
+                      </a:endParaRPr>
+                    </a:p>
+                    <a:p>
+                      <a:pPr algn="ctr" latinLnBrk="1">
+                        <a:lnSpc>
+                          <a:spcPct val="107000"/>
+                        </a:lnSpc>
+                        <a:spcAft>
+                          <a:spcPts val="0"/>
+                        </a:spcAft>
+                      </a:pPr>
+                      <a:r>
+                        <a:rPr lang="en-US" sz="1800" kern="100">
+                          <a:effectLst/>
+                        </a:rPr>
+                        <a:t>attack-rj</a:t>
+                      </a:r>
+                      <a:endParaRPr lang="ko-KR" sz="2000" kern="100">
+                        <a:effectLst/>
+                      </a:endParaRPr>
+                    </a:p>
+                    <a:p>
+                      <a:pPr algn="ctr" latinLnBrk="1">
+                        <a:lnSpc>
+                          <a:spcPct val="107000"/>
+                        </a:lnSpc>
+                        <a:spcAft>
+                          <a:spcPts val="0"/>
+                        </a:spcAft>
+                      </a:pPr>
+                      <a:r>
+                        <a:rPr lang="en-US" sz="1800" kern="100">
+                          <a:effectLst/>
+                        </a:rPr>
+                        <a:t>attack-c</a:t>
+                      </a:r>
+                      <a:endParaRPr lang="ko-KR" sz="2000" kern="100">
+                        <a:effectLst/>
+                        <a:latin typeface="맑은 고딕" panose="020B0503020000020004" pitchFamily="50" charset="-127"/>
+                        <a:ea typeface="맑은 고딕" panose="020B0503020000020004" pitchFamily="50" charset="-127"/>
+                        <a:cs typeface="Times New Roman" panose="02020603050405020304" pitchFamily="18" charset="0"/>
+                      </a:endParaRPr>
+                    </a:p>
+                  </a:txBody>
+                  <a:tcPr marL="68580" marR="68580" marT="0" marB="0"/>
+                </a:tc>
+                <a:tc>
+                  <a:txBody>
+                    <a:bodyPr/>
+                    <a:lstStyle/>
+                    <a:p>
+                      <a:pPr algn="ctr" latinLnBrk="1">
+                        <a:lnSpc>
+                          <a:spcPct val="107000"/>
+                        </a:lnSpc>
+                        <a:spcAft>
+                          <a:spcPts val="0"/>
+                        </a:spcAft>
+                      </a:pPr>
+                      <a:r>
+                        <a:rPr lang="ko-KR" sz="1800" kern="100">
+                          <a:effectLst/>
+                        </a:rPr>
+                        <a:t>공격</a:t>
+                      </a:r>
+                      <a:endParaRPr lang="ko-KR" sz="2000" kern="100">
+                        <a:effectLst/>
+                      </a:endParaRPr>
+                    </a:p>
+                    <a:p>
+                      <a:pPr algn="ctr" latinLnBrk="1">
+                        <a:lnSpc>
+                          <a:spcPct val="107000"/>
+                        </a:lnSpc>
+                        <a:spcAft>
+                          <a:spcPts val="0"/>
+                        </a:spcAft>
+                      </a:pPr>
+                      <a:r>
+                        <a:rPr lang="ko-KR" sz="1800" kern="100">
+                          <a:effectLst/>
+                        </a:rPr>
+                        <a:t>대쉬 공격</a:t>
+                      </a:r>
+                      <a:endParaRPr lang="ko-KR" sz="2000" kern="100">
+                        <a:effectLst/>
+                      </a:endParaRPr>
+                    </a:p>
+                    <a:p>
+                      <a:pPr algn="ctr" latinLnBrk="1">
+                        <a:lnSpc>
+                          <a:spcPct val="107000"/>
+                        </a:lnSpc>
+                        <a:spcAft>
+                          <a:spcPts val="0"/>
+                        </a:spcAft>
+                      </a:pPr>
+                      <a:r>
+                        <a:rPr lang="ko-KR" sz="1800" kern="100">
+                          <a:effectLst/>
+                        </a:rPr>
+                        <a:t>런닝 공격</a:t>
+                      </a:r>
+                      <a:endParaRPr lang="ko-KR" sz="2000" kern="100">
+                        <a:effectLst/>
+                      </a:endParaRPr>
+                    </a:p>
+                    <a:p>
+                      <a:pPr algn="ctr" latinLnBrk="1">
+                        <a:lnSpc>
+                          <a:spcPct val="107000"/>
+                        </a:lnSpc>
+                        <a:spcAft>
+                          <a:spcPts val="0"/>
+                        </a:spcAft>
+                      </a:pPr>
+                      <a:r>
+                        <a:rPr lang="ko-KR" sz="1800" kern="100">
+                          <a:effectLst/>
+                        </a:rPr>
+                        <a:t>점프 공격</a:t>
+                      </a:r>
+                      <a:endParaRPr lang="ko-KR" sz="2000" kern="100">
+                        <a:effectLst/>
+                      </a:endParaRPr>
+                    </a:p>
+                    <a:p>
+                      <a:pPr algn="ctr" latinLnBrk="1">
+                        <a:lnSpc>
+                          <a:spcPct val="107000"/>
+                        </a:lnSpc>
+                        <a:spcAft>
+                          <a:spcPts val="0"/>
+                        </a:spcAft>
+                      </a:pPr>
+                      <a:r>
+                        <a:rPr lang="ko-KR" sz="1800" kern="100">
+                          <a:effectLst/>
+                        </a:rPr>
+                        <a:t>런닝 점프</a:t>
+                      </a:r>
+                      <a:endParaRPr lang="ko-KR" sz="2000" kern="100">
+                        <a:effectLst/>
+                      </a:endParaRPr>
+                    </a:p>
+                    <a:p>
+                      <a:pPr algn="ctr" latinLnBrk="1">
+                        <a:lnSpc>
+                          <a:spcPct val="107000"/>
+                        </a:lnSpc>
+                        <a:spcAft>
+                          <a:spcPts val="0"/>
+                        </a:spcAft>
+                      </a:pPr>
+                      <a:r>
+                        <a:rPr lang="ko-KR" sz="1800" kern="100">
+                          <a:effectLst/>
+                        </a:rPr>
+                        <a:t>반격</a:t>
+                      </a:r>
+                      <a:endParaRPr lang="ko-KR" sz="2000" kern="100">
+                        <a:effectLst/>
+                        <a:latin typeface="맑은 고딕" panose="020B0503020000020004" pitchFamily="50" charset="-127"/>
+                        <a:ea typeface="맑은 고딕" panose="020B0503020000020004" pitchFamily="50" charset="-127"/>
+                        <a:cs typeface="Times New Roman" panose="02020603050405020304" pitchFamily="18" charset="0"/>
+                      </a:endParaRPr>
+                    </a:p>
+                  </a:txBody>
+                  <a:tcPr marL="68580" marR="68580" marT="0" marB="0"/>
+                </a:tc>
+                <a:tc>
+                  <a:txBody>
+                    <a:bodyPr/>
+                    <a:lstStyle/>
+                    <a:p>
+                      <a:pPr algn="ctr" latinLnBrk="1">
+                        <a:lnSpc>
+                          <a:spcPct val="107000"/>
+                        </a:lnSpc>
+                        <a:spcAft>
+                          <a:spcPts val="0"/>
+                        </a:spcAft>
+                      </a:pPr>
+                      <a:r>
+                        <a:rPr lang="ko-KR" sz="1800" kern="100">
+                          <a:effectLst/>
+                        </a:rPr>
+                        <a:t>좌클릭</a:t>
+                      </a:r>
+                      <a:endParaRPr lang="ko-KR" sz="2000" kern="100">
+                        <a:effectLst/>
+                      </a:endParaRPr>
+                    </a:p>
+                    <a:p>
+                      <a:pPr algn="ctr" latinLnBrk="1">
+                        <a:lnSpc>
+                          <a:spcPct val="107000"/>
+                        </a:lnSpc>
+                        <a:spcAft>
+                          <a:spcPts val="0"/>
+                        </a:spcAft>
+                      </a:pPr>
+                      <a:r>
+                        <a:rPr lang="ko-KR" sz="1800" kern="100">
+                          <a:effectLst/>
+                        </a:rPr>
+                        <a:t>대쉬</a:t>
+                      </a:r>
+                      <a:r>
+                        <a:rPr lang="en-US" sz="1800" kern="100">
+                          <a:effectLst/>
+                        </a:rPr>
+                        <a:t>+</a:t>
+                      </a:r>
+                      <a:r>
+                        <a:rPr lang="ko-KR" sz="1800" kern="100">
+                          <a:effectLst/>
+                        </a:rPr>
+                        <a:t>좌</a:t>
+                      </a:r>
+                      <a:endParaRPr lang="ko-KR" sz="2000" kern="100">
+                        <a:effectLst/>
+                      </a:endParaRPr>
+                    </a:p>
+                    <a:p>
+                      <a:pPr algn="ctr" latinLnBrk="1">
+                        <a:lnSpc>
+                          <a:spcPct val="107000"/>
+                        </a:lnSpc>
+                        <a:spcAft>
+                          <a:spcPts val="0"/>
+                        </a:spcAft>
+                      </a:pPr>
+                      <a:r>
+                        <a:rPr lang="ko-KR" sz="1800" kern="100">
+                          <a:effectLst/>
+                        </a:rPr>
+                        <a:t>러닝</a:t>
+                      </a:r>
+                      <a:r>
+                        <a:rPr lang="en-US" sz="1800" kern="100">
+                          <a:effectLst/>
+                        </a:rPr>
+                        <a:t>+</a:t>
+                      </a:r>
+                      <a:r>
+                        <a:rPr lang="ko-KR" sz="1800" kern="100">
+                          <a:effectLst/>
+                        </a:rPr>
+                        <a:t>좌</a:t>
+                      </a:r>
+                      <a:endParaRPr lang="ko-KR" sz="2000" kern="100">
+                        <a:effectLst/>
+                      </a:endParaRPr>
+                    </a:p>
+                    <a:p>
+                      <a:pPr algn="ctr" latinLnBrk="1">
+                        <a:lnSpc>
+                          <a:spcPct val="107000"/>
+                        </a:lnSpc>
+                        <a:spcAft>
+                          <a:spcPts val="0"/>
+                        </a:spcAft>
+                      </a:pPr>
+                      <a:r>
+                        <a:rPr lang="ko-KR" sz="1800" kern="100">
+                          <a:effectLst/>
+                        </a:rPr>
+                        <a:t>점프</a:t>
+                      </a:r>
+                      <a:r>
+                        <a:rPr lang="en-US" sz="1800" kern="100">
+                          <a:effectLst/>
+                        </a:rPr>
+                        <a:t>+</a:t>
+                      </a:r>
+                      <a:r>
+                        <a:rPr lang="ko-KR" sz="1800" kern="100">
+                          <a:effectLst/>
+                        </a:rPr>
+                        <a:t>좌</a:t>
+                      </a:r>
+                      <a:endParaRPr lang="ko-KR" sz="2000" kern="100">
+                        <a:effectLst/>
+                      </a:endParaRPr>
+                    </a:p>
+                    <a:p>
+                      <a:pPr algn="ctr" latinLnBrk="1">
+                        <a:lnSpc>
+                          <a:spcPct val="107000"/>
+                        </a:lnSpc>
+                        <a:spcAft>
+                          <a:spcPts val="0"/>
+                        </a:spcAft>
+                      </a:pPr>
+                      <a:r>
+                        <a:rPr lang="ko-KR" sz="1800" kern="100">
+                          <a:effectLst/>
+                        </a:rPr>
+                        <a:t>런점</a:t>
+                      </a:r>
+                      <a:r>
+                        <a:rPr lang="en-US" sz="1800" kern="100">
+                          <a:effectLst/>
+                        </a:rPr>
+                        <a:t>+</a:t>
+                      </a:r>
+                      <a:r>
+                        <a:rPr lang="ko-KR" sz="1800" kern="100">
+                          <a:effectLst/>
+                        </a:rPr>
+                        <a:t>좌</a:t>
+                      </a:r>
+                      <a:endParaRPr lang="ko-KR" sz="2000" kern="100">
+                        <a:effectLst/>
+                      </a:endParaRPr>
+                    </a:p>
+                    <a:p>
+                      <a:pPr algn="ctr" latinLnBrk="1">
+                        <a:lnSpc>
+                          <a:spcPct val="107000"/>
+                        </a:lnSpc>
+                        <a:spcAft>
+                          <a:spcPts val="0"/>
+                        </a:spcAft>
+                      </a:pPr>
+                      <a:r>
+                        <a:rPr lang="ko-KR" sz="1800" kern="100">
+                          <a:effectLst/>
+                        </a:rPr>
+                        <a:t>방어</a:t>
+                      </a:r>
+                      <a:r>
+                        <a:rPr lang="en-US" sz="1800" kern="100">
+                          <a:effectLst/>
+                        </a:rPr>
+                        <a:t>+</a:t>
+                      </a:r>
+                      <a:r>
+                        <a:rPr lang="ko-KR" sz="1800" kern="100">
+                          <a:effectLst/>
+                        </a:rPr>
+                        <a:t>좌</a:t>
+                      </a:r>
+                      <a:endParaRPr lang="ko-KR" sz="2000" kern="100">
+                        <a:effectLst/>
+                        <a:latin typeface="맑은 고딕" panose="020B0503020000020004" pitchFamily="50" charset="-127"/>
+                        <a:ea typeface="맑은 고딕" panose="020B0503020000020004" pitchFamily="50" charset="-127"/>
+                        <a:cs typeface="Times New Roman" panose="02020603050405020304" pitchFamily="18" charset="0"/>
+                      </a:endParaRPr>
+                    </a:p>
+                  </a:txBody>
+                  <a:tcPr marL="68580" marR="68580" marT="0" marB="0"/>
+                </a:tc>
+                <a:tc>
+                  <a:txBody>
+                    <a:bodyPr/>
+                    <a:lstStyle/>
+                    <a:p>
+                      <a:pPr algn="just" latinLnBrk="1">
+                        <a:lnSpc>
+                          <a:spcPct val="107000"/>
+                        </a:lnSpc>
+                        <a:spcAft>
+                          <a:spcPts val="0"/>
+                        </a:spcAft>
+                      </a:pPr>
+                      <a:r>
+                        <a:rPr lang="ko-KR" sz="1800" kern="100" dirty="0">
+                          <a:effectLst/>
+                        </a:rPr>
+                        <a:t>전투모드에서 공격하는 상태</a:t>
+                      </a:r>
+                      <a:endParaRPr lang="ko-KR" sz="2000" kern="100" dirty="0">
+                        <a:effectLst/>
+                      </a:endParaRPr>
+                    </a:p>
+                    <a:p>
+                      <a:pPr algn="just" latinLnBrk="1">
+                        <a:lnSpc>
+                          <a:spcPct val="107000"/>
+                        </a:lnSpc>
+                        <a:spcAft>
+                          <a:spcPts val="0"/>
+                        </a:spcAft>
+                      </a:pPr>
+                      <a:r>
+                        <a:rPr lang="ko-KR" sz="1800" kern="100" dirty="0" err="1">
+                          <a:effectLst/>
+                        </a:rPr>
+                        <a:t>대쉬</a:t>
+                      </a:r>
+                      <a:r>
+                        <a:rPr lang="ko-KR" sz="1800" kern="100" dirty="0">
+                          <a:effectLst/>
+                        </a:rPr>
+                        <a:t> 중 공격하는 상태</a:t>
+                      </a:r>
+                      <a:endParaRPr lang="ko-KR" sz="2000" kern="100" dirty="0">
+                        <a:effectLst/>
+                      </a:endParaRPr>
+                    </a:p>
+                    <a:p>
+                      <a:pPr algn="just" latinLnBrk="1">
+                        <a:lnSpc>
+                          <a:spcPct val="107000"/>
+                        </a:lnSpc>
+                        <a:spcAft>
+                          <a:spcPts val="0"/>
+                        </a:spcAft>
+                      </a:pPr>
+                      <a:r>
+                        <a:rPr lang="ko-KR" sz="1800" kern="100" dirty="0">
+                          <a:effectLst/>
+                        </a:rPr>
+                        <a:t>달리는 중 공격하는 상태</a:t>
+                      </a:r>
+                      <a:endParaRPr lang="ko-KR" sz="2000" kern="100" dirty="0">
+                        <a:effectLst/>
+                      </a:endParaRPr>
+                    </a:p>
+                    <a:p>
+                      <a:pPr algn="just" latinLnBrk="1">
+                        <a:lnSpc>
+                          <a:spcPct val="107000"/>
+                        </a:lnSpc>
+                        <a:spcAft>
+                          <a:spcPts val="0"/>
+                        </a:spcAft>
+                      </a:pPr>
+                      <a:r>
+                        <a:rPr lang="ko-KR" sz="1800" kern="100" dirty="0">
+                          <a:effectLst/>
+                        </a:rPr>
+                        <a:t>점프 중 공격하는 상태</a:t>
+                      </a:r>
+                      <a:endParaRPr lang="ko-KR" sz="2000" kern="100" dirty="0">
+                        <a:effectLst/>
+                      </a:endParaRPr>
+                    </a:p>
+                    <a:p>
+                      <a:pPr algn="just" latinLnBrk="1">
+                        <a:lnSpc>
+                          <a:spcPct val="107000"/>
+                        </a:lnSpc>
+                        <a:spcAft>
+                          <a:spcPts val="0"/>
+                        </a:spcAft>
+                      </a:pPr>
+                      <a:r>
+                        <a:rPr lang="ko-KR" sz="1800" kern="100" dirty="0">
+                          <a:effectLst/>
+                        </a:rPr>
+                        <a:t>러닝점프 중 공격하는 상태</a:t>
+                      </a:r>
+                      <a:endParaRPr lang="ko-KR" sz="2000" kern="100" dirty="0">
+                        <a:effectLst/>
+                      </a:endParaRPr>
+                    </a:p>
+                    <a:p>
+                      <a:pPr algn="just" latinLnBrk="1">
+                        <a:lnSpc>
+                          <a:spcPct val="107000"/>
+                        </a:lnSpc>
+                        <a:spcAft>
+                          <a:spcPts val="0"/>
+                        </a:spcAft>
+                      </a:pPr>
+                      <a:r>
+                        <a:rPr lang="ko-KR" sz="1800" kern="100" dirty="0">
+                          <a:effectLst/>
+                        </a:rPr>
+                        <a:t>방어</a:t>
+                      </a:r>
+                      <a:r>
+                        <a:rPr lang="en-US" sz="1800" kern="100" dirty="0">
+                          <a:effectLst/>
+                        </a:rPr>
+                        <a:t>, </a:t>
+                      </a:r>
+                      <a:r>
+                        <a:rPr lang="ko-KR" sz="1800" kern="100" dirty="0">
+                          <a:effectLst/>
+                        </a:rPr>
+                        <a:t>회피 중 공격하는 상태</a:t>
+                      </a:r>
+                      <a:endParaRPr lang="ko-KR" sz="2000" kern="100" dirty="0">
+                        <a:effectLst/>
+                        <a:latin typeface="맑은 고딕" panose="020B0503020000020004" pitchFamily="50" charset="-127"/>
+                        <a:ea typeface="맑은 고딕" panose="020B0503020000020004" pitchFamily="50" charset="-127"/>
+                        <a:cs typeface="Times New Roman" panose="02020603050405020304" pitchFamily="18" charset="0"/>
+                      </a:endParaRPr>
+                    </a:p>
+                  </a:txBody>
+                  <a:tcPr marL="68580" marR="68580" marT="0" marB="0"/>
+                </a:tc>
+              </a:tr>
+              <a:tr h="846650">
+                <a:tc>
+                  <a:txBody>
+                    <a:bodyPr/>
+                    <a:lstStyle/>
+                    <a:p>
+                      <a:pPr algn="ctr" latinLnBrk="1">
+                        <a:lnSpc>
+                          <a:spcPct val="107000"/>
+                        </a:lnSpc>
+                        <a:spcAft>
+                          <a:spcPts val="0"/>
+                        </a:spcAft>
+                        <a:tabLst>
+                          <a:tab pos="560705" algn="l"/>
+                        </a:tabLst>
+                      </a:pPr>
+                      <a:r>
+                        <a:rPr lang="en-US" sz="1800" kern="100">
+                          <a:effectLst/>
+                        </a:rPr>
+                        <a:t>fail-a</a:t>
+                      </a:r>
+                      <a:endParaRPr lang="ko-KR" sz="2000" kern="100">
+                        <a:effectLst/>
+                        <a:latin typeface="맑은 고딕" panose="020B0503020000020004" pitchFamily="50" charset="-127"/>
+                        <a:ea typeface="맑은 고딕" panose="020B0503020000020004" pitchFamily="50" charset="-127"/>
+                        <a:cs typeface="Times New Roman" panose="02020603050405020304" pitchFamily="18" charset="0"/>
+                      </a:endParaRPr>
+                    </a:p>
+                  </a:txBody>
+                  <a:tcPr marL="68580" marR="68580" marT="0" marB="0"/>
+                </a:tc>
+                <a:tc>
+                  <a:txBody>
+                    <a:bodyPr/>
+                    <a:lstStyle/>
+                    <a:p>
+                      <a:pPr algn="ctr" latinLnBrk="1">
+                        <a:lnSpc>
+                          <a:spcPct val="107000"/>
+                        </a:lnSpc>
+                        <a:spcAft>
+                          <a:spcPts val="0"/>
+                        </a:spcAft>
+                      </a:pPr>
+                      <a:r>
+                        <a:rPr lang="ko-KR" sz="1800" kern="100">
+                          <a:effectLst/>
+                        </a:rPr>
+                        <a:t>공격실패</a:t>
+                      </a:r>
+                      <a:endParaRPr lang="ko-KR" sz="2000" kern="100">
+                        <a:effectLst/>
+                        <a:latin typeface="맑은 고딕" panose="020B0503020000020004" pitchFamily="50" charset="-127"/>
+                        <a:ea typeface="맑은 고딕" panose="020B0503020000020004" pitchFamily="50" charset="-127"/>
+                        <a:cs typeface="Times New Roman" panose="02020603050405020304" pitchFamily="18" charset="0"/>
+                      </a:endParaRPr>
+                    </a:p>
+                  </a:txBody>
+                  <a:tcPr marL="68580" marR="68580" marT="0" marB="0"/>
+                </a:tc>
+                <a:tc>
+                  <a:txBody>
+                    <a:bodyPr/>
+                    <a:lstStyle/>
+                    <a:p>
+                      <a:pPr algn="ctr" latinLnBrk="1">
+                        <a:lnSpc>
+                          <a:spcPct val="107000"/>
+                        </a:lnSpc>
+                        <a:spcAft>
+                          <a:spcPts val="0"/>
+                        </a:spcAft>
+                      </a:pPr>
+                      <a:r>
+                        <a:rPr lang="ko-KR" sz="1800" kern="100">
+                          <a:effectLst/>
+                        </a:rPr>
+                        <a:t>조작없음</a:t>
+                      </a:r>
+                      <a:endParaRPr lang="ko-KR" sz="2000" kern="100">
+                        <a:effectLst/>
+                        <a:latin typeface="맑은 고딕" panose="020B0503020000020004" pitchFamily="50" charset="-127"/>
+                        <a:ea typeface="맑은 고딕" panose="020B0503020000020004" pitchFamily="50" charset="-127"/>
+                        <a:cs typeface="Times New Roman" panose="02020603050405020304" pitchFamily="18" charset="0"/>
+                      </a:endParaRPr>
+                    </a:p>
+                  </a:txBody>
+                  <a:tcPr marL="68580" marR="68580" marT="0" marB="0"/>
+                </a:tc>
+                <a:tc>
+                  <a:txBody>
+                    <a:bodyPr/>
+                    <a:lstStyle/>
+                    <a:p>
+                      <a:pPr algn="just" latinLnBrk="1">
+                        <a:lnSpc>
+                          <a:spcPct val="107000"/>
+                        </a:lnSpc>
+                        <a:spcAft>
+                          <a:spcPts val="0"/>
+                        </a:spcAft>
+                      </a:pPr>
+                      <a:r>
+                        <a:rPr lang="ko-KR" sz="1800" kern="100" dirty="0">
+                          <a:effectLst/>
+                        </a:rPr>
+                        <a:t>공격이 적 방어에 막혀 움찔하는 상태</a:t>
+                      </a:r>
+                      <a:r>
+                        <a:rPr lang="en-US" sz="1800" kern="100" dirty="0">
+                          <a:effectLst/>
+                        </a:rPr>
+                        <a:t> (</a:t>
+                      </a:r>
+                      <a:r>
+                        <a:rPr lang="ko-KR" sz="1800" kern="100" dirty="0">
+                          <a:effectLst/>
+                        </a:rPr>
+                        <a:t>일반적으로 </a:t>
+                      </a:r>
+                      <a:r>
+                        <a:rPr lang="ko-KR" sz="1800" kern="100" dirty="0" err="1">
+                          <a:effectLst/>
+                        </a:rPr>
+                        <a:t>방어시에</a:t>
+                      </a:r>
+                      <a:r>
+                        <a:rPr lang="ko-KR" sz="1800" kern="100" dirty="0">
+                          <a:effectLst/>
+                        </a:rPr>
+                        <a:t> 공격해도 경직이 없지만 일정확률로 공격을 실패하여 공격실패 애니메이션이 재생된다</a:t>
+                      </a:r>
+                      <a:r>
+                        <a:rPr lang="en-US" sz="1800" kern="100" dirty="0">
+                          <a:effectLst/>
+                        </a:rPr>
+                        <a:t>)</a:t>
+                      </a:r>
+                      <a:endParaRPr lang="ko-KR" sz="2000" kern="100" dirty="0">
+                        <a:effectLst/>
+                        <a:latin typeface="맑은 고딕" panose="020B0503020000020004" pitchFamily="50" charset="-127"/>
+                        <a:ea typeface="맑은 고딕" panose="020B0503020000020004" pitchFamily="50" charset="-127"/>
+                        <a:cs typeface="Times New Roman" panose="02020603050405020304" pitchFamily="18" charset="0"/>
+                      </a:endParaRPr>
+                    </a:p>
+                  </a:txBody>
+                  <a:tcPr marL="68580" marR="68580" marT="0" marB="0"/>
+                </a:tc>
+              </a:tr>
+            </a:tbl>
+          </a:graphicData>
+        </a:graphic>
+      </p:graphicFrame>
+      <p:sp>
+        <p:nvSpPr>
+          <p:cNvPr id="4" name="날짜 개체 틀 3"/>
+          <p:cNvSpPr>
+            <a:spLocks noGrp="1"/>
+          </p:cNvSpPr>
+          <p:nvPr>
+            <p:ph type="dt" sz="half" idx="10"/>
+          </p:nvPr>
+        </p:nvSpPr>
+        <p:spPr/>
+        <p:txBody>
+          <a:bodyPr/>
+          <a:lstStyle/>
+          <a:p>
+            <a:fld id="{3B3A31F0-DC5C-45F6-BF16-81D1F0F2C2F7}" type="datetime1">
+              <a:rPr lang="ko-KR" altLang="en-US" smtClean="0"/>
+              <a:t>2020-03-20</a:t>
+            </a:fld>
+            <a:endParaRPr lang="ko-KR" altLang="en-US"/>
+          </a:p>
+        </p:txBody>
+      </p:sp>
+      <p:sp>
+        <p:nvSpPr>
+          <p:cNvPr id="5" name="바닥글 개체 틀 4"/>
           <p:cNvSpPr>
             <a:spLocks noGrp="1"/>
           </p:cNvSpPr>
@@ -19700,40 +22924,46 @@
             <p:ph type="ftr" sz="quarter" idx="11"/>
           </p:nvPr>
         </p:nvSpPr>
-        <p:spPr>
-          <a:xfrm>
-            <a:off x="4038600" y="6356350"/>
-            <a:ext cx="4114800" cy="365125"/>
-          </a:xfrm>
-        </p:spPr>
+        <p:spPr/>
         <p:txBody>
           <a:bodyPr/>
           <a:lstStyle/>
           <a:p>
             <a:r>
-              <a:rPr lang="en-US" altLang="ko-KR" dirty="0" smtClean="0"/>
-              <a:t>Copyright(c)2020. All rights reserved by </a:t>
-            </a:r>
-            <a:r>
-              <a:rPr lang="en-US" altLang="ko-KR" dirty="0" err="1" smtClean="0"/>
-              <a:t>JeaCheon</a:t>
-            </a:r>
-            <a:r>
-              <a:rPr lang="en-US" altLang="ko-KR" dirty="0"/>
-              <a:t> </a:t>
-            </a:r>
-            <a:r>
-              <a:rPr lang="en-US" altLang="ko-KR" dirty="0" smtClean="0"/>
-              <a:t>LEE</a:t>
-            </a:r>
-            <a:endParaRPr lang="ko-KR" altLang="en-US" dirty="0"/>
+              <a:rPr lang="en-US" altLang="ko-KR" smtClean="0"/>
+              <a:t>Copyright(c)2020. All rights reserved by Kyungho.lee.</a:t>
+            </a:r>
+            <a:endParaRPr lang="ko-KR" altLang="en-US"/>
+          </a:p>
+        </p:txBody>
+      </p:sp>
+      <p:sp>
+        <p:nvSpPr>
+          <p:cNvPr id="6" name="슬라이드 번호 개체 틀 5"/>
+          <p:cNvSpPr>
+            <a:spLocks noGrp="1"/>
+          </p:cNvSpPr>
+          <p:nvPr>
+            <p:ph type="sldNum" sz="quarter" idx="12"/>
+          </p:nvPr>
+        </p:nvSpPr>
+        <p:spPr/>
+        <p:txBody>
+          <a:bodyPr/>
+          <a:lstStyle/>
+          <a:p>
+            <a:fld id="{1224457D-3F5D-4D68-9E2B-BEDE4E031B5C}" type="slidenum">
+              <a:rPr lang="ko-KR" altLang="en-US" smtClean="0"/>
+              <a:t>22</a:t>
+            </a:fld>
+            <a:endParaRPr lang="ko-KR" altLang="en-US"/>
           </a:p>
         </p:txBody>
       </p:sp>
     </p:spTree>
     <p:extLst>
       <p:ext uri="{BB962C8B-B14F-4D97-AF65-F5344CB8AC3E}">
-        <p14:creationId xmlns:p14="http://schemas.microsoft.com/office/powerpoint/2010/main" val="3374334162"/>
+        <p14:creationId xmlns:p14="http://schemas.microsoft.com/office/powerpoint/2010/main" val="1451790054"/>
       </p:ext>
     </p:extLst>
   </p:cSld>
@@ -20826,67 +24056,9 @@
         </p:spPr>
         <p:txBody>
           <a:bodyPr>
-            <a:normAutofit fontScale="47500" lnSpcReduction="20000"/>
+            <a:normAutofit/>
           </a:bodyPr>
           <a:lstStyle/>
-          <a:p>
-            <a:r>
-              <a:rPr lang="en-US" altLang="ko-KR" dirty="0" smtClean="0"/>
-              <a:t>15</a:t>
-            </a:r>
-            <a:r>
-              <a:rPr lang="ko-KR" altLang="en-US" dirty="0" smtClean="0"/>
-              <a:t>년 주기로 큰 변화가 발생한다</a:t>
-            </a:r>
-            <a:r>
-              <a:rPr lang="en-US" altLang="ko-KR" dirty="0" smtClean="0"/>
-              <a:t>.</a:t>
-            </a:r>
-          </a:p>
-          <a:p>
-            <a:r>
-              <a:rPr lang="ko-KR" altLang="en-US" dirty="0" smtClean="0"/>
-              <a:t>대체의학과 바이러스를 완전한 차단으로 인간의 생명력은 에너지자원에 의존한다</a:t>
-            </a:r>
-            <a:r>
-              <a:rPr lang="en-US" altLang="ko-KR" dirty="0" smtClean="0"/>
-              <a:t>.</a:t>
-            </a:r>
-          </a:p>
-          <a:p>
-            <a:r>
-              <a:rPr lang="ko-KR" altLang="en-US" dirty="0" smtClean="0"/>
-              <a:t>게임스토리는 사이버하트를 </a:t>
-            </a:r>
-            <a:r>
-              <a:rPr lang="ko-KR" altLang="en-US" dirty="0" err="1" smtClean="0"/>
-              <a:t>찾기위해</a:t>
-            </a:r>
-            <a:r>
-              <a:rPr lang="ko-KR" altLang="en-US" dirty="0" smtClean="0"/>
-              <a:t> </a:t>
-            </a:r>
-            <a:r>
-              <a:rPr lang="ko-KR" altLang="en-US" dirty="0" err="1" smtClean="0"/>
-              <a:t>전투형으로</a:t>
-            </a:r>
-            <a:r>
-              <a:rPr lang="ko-KR" altLang="en-US" dirty="0" smtClean="0"/>
-              <a:t> 개조한 주인공의 모험을 액션</a:t>
-            </a:r>
-            <a:r>
-              <a:rPr lang="en-US" altLang="ko-KR" dirty="0" smtClean="0"/>
-              <a:t>RPG</a:t>
-            </a:r>
-            <a:r>
-              <a:rPr lang="ko-KR" altLang="en-US" dirty="0" smtClean="0"/>
-              <a:t>로 진행한다</a:t>
-            </a:r>
-            <a:r>
-              <a:rPr lang="en-US" altLang="ko-KR" dirty="0" smtClean="0"/>
-              <a:t>.</a:t>
-            </a:r>
-          </a:p>
           <a:p>
             <a:endParaRPr lang="ko-KR" altLang="en-US" dirty="0"/>
           </a:p>
@@ -20983,14 +24155,14 @@
       </p:cxnSp>
       <p:sp>
         <p:nvSpPr>
-          <p:cNvPr id="9" name="타원 8"/>
+          <p:cNvPr id="12" name="타원 11"/>
           <p:cNvSpPr/>
           <p:nvPr/>
         </p:nvSpPr>
         <p:spPr>
           <a:xfrm>
-            <a:off x="644770" y="3084767"/>
-            <a:ext cx="750278" cy="750278"/>
+            <a:off x="5991725" y="3099553"/>
+            <a:ext cx="995364" cy="750278"/>
           </a:xfrm>
           <a:prstGeom prst="ellipse">
             <a:avLst/>
@@ -21017,127 +24189,15 @@
           <a:lstStyle/>
           <a:p>
             <a:pPr algn="ctr"/>
-            <a:endParaRPr lang="ko-KR" altLang="en-US" dirty="0"/>
-          </a:p>
-        </p:txBody>
-      </p:sp>
-      <p:sp>
-        <p:nvSpPr>
-          <p:cNvPr id="10" name="타원 9"/>
-          <p:cNvSpPr/>
-          <p:nvPr/>
-        </p:nvSpPr>
-        <p:spPr>
-          <a:xfrm>
-            <a:off x="2450123" y="3094892"/>
-            <a:ext cx="750278" cy="750278"/>
-          </a:xfrm>
-          <a:prstGeom prst="ellipse">
-            <a:avLst/>
-          </a:prstGeom>
-        </p:spPr>
-        <p:style>
-          <a:lnRef idx="2">
-            <a:schemeClr val="accent1">
-              <a:shade val="50000"/>
-            </a:schemeClr>
-          </a:lnRef>
-          <a:fillRef idx="1">
-            <a:schemeClr val="accent1"/>
-          </a:fillRef>
-          <a:effectRef idx="0">
-            <a:schemeClr val="accent1"/>
-          </a:effectRef>
-          <a:fontRef idx="minor">
-            <a:schemeClr val="lt1"/>
-          </a:fontRef>
-        </p:style>
-        <p:txBody>
-          <a:bodyPr rtlCol="0" anchor="ctr"/>
-          <a:lstStyle/>
-          <a:p>
-            <a:pPr algn="ctr"/>
-            <a:endParaRPr lang="ko-KR" altLang="en-US" dirty="0"/>
-          </a:p>
-        </p:txBody>
-      </p:sp>
-      <p:sp>
-        <p:nvSpPr>
-          <p:cNvPr id="11" name="타원 10"/>
-          <p:cNvSpPr/>
-          <p:nvPr/>
-        </p:nvSpPr>
-        <p:spPr>
-          <a:xfrm>
-            <a:off x="4292111" y="3094892"/>
-            <a:ext cx="750278" cy="750278"/>
-          </a:xfrm>
-          <a:prstGeom prst="ellipse">
-            <a:avLst/>
-          </a:prstGeom>
-        </p:spPr>
-        <p:style>
-          <a:lnRef idx="2">
-            <a:schemeClr val="accent1">
-              <a:shade val="50000"/>
-            </a:schemeClr>
-          </a:lnRef>
-          <a:fillRef idx="1">
-            <a:schemeClr val="accent1"/>
-          </a:fillRef>
-          <a:effectRef idx="0">
-            <a:schemeClr val="accent1"/>
-          </a:effectRef>
-          <a:fontRef idx="minor">
-            <a:schemeClr val="lt1"/>
-          </a:fontRef>
-        </p:style>
-        <p:txBody>
-          <a:bodyPr rtlCol="0" anchor="ctr"/>
-          <a:lstStyle/>
-          <a:p>
-            <a:pPr algn="ctr"/>
-            <a:endParaRPr lang="ko-KR" altLang="en-US" sz="1200" dirty="0"/>
-          </a:p>
-        </p:txBody>
-      </p:sp>
-      <p:sp>
-        <p:nvSpPr>
-          <p:cNvPr id="12" name="타원 11"/>
-          <p:cNvSpPr/>
-          <p:nvPr/>
-        </p:nvSpPr>
-        <p:spPr>
-          <a:xfrm>
-            <a:off x="6134099" y="3094892"/>
-            <a:ext cx="750278" cy="750278"/>
-          </a:xfrm>
-          <a:prstGeom prst="ellipse">
-            <a:avLst/>
-          </a:prstGeom>
-        </p:spPr>
-        <p:style>
-          <a:lnRef idx="2">
-            <a:schemeClr val="accent1">
-              <a:shade val="50000"/>
-            </a:schemeClr>
-          </a:lnRef>
-          <a:fillRef idx="1">
-            <a:schemeClr val="accent1"/>
-          </a:fillRef>
-          <a:effectRef idx="0">
-            <a:schemeClr val="accent1"/>
-          </a:effectRef>
-          <a:fontRef idx="minor">
-            <a:schemeClr val="lt1"/>
-          </a:fontRef>
-        </p:style>
-        <p:txBody>
-          <a:bodyPr rtlCol="0" anchor="ctr"/>
-          <a:lstStyle/>
-          <a:p>
-            <a:pPr algn="ctr"/>
-            <a:endParaRPr lang="ko-KR" altLang="en-US" dirty="0"/>
+            <a:r>
+              <a:rPr lang="en-US" altLang="ko-KR" sz="1400" dirty="0" smtClean="0"/>
+              <a:t>623</a:t>
+            </a:r>
+            <a:r>
+              <a:rPr lang="ko-KR" altLang="en-US" sz="1400" dirty="0" smtClean="0"/>
+              <a:t>년</a:t>
+            </a:r>
+            <a:endParaRPr lang="ko-KR" altLang="en-US" sz="1400" dirty="0"/>
           </a:p>
         </p:txBody>
       </p:sp>
@@ -21179,20 +24239,8 @@
               <a:buChar char="-"/>
             </a:pPr>
             <a:r>
-              <a:rPr lang="en-US" altLang="ko-KR" sz="800" dirty="0" smtClean="0"/>
-              <a:t>4</a:t>
-            </a:r>
-            <a:r>
               <a:rPr lang="ko-KR" altLang="en-US" sz="800" dirty="0" smtClean="0"/>
-              <a:t>차 </a:t>
-            </a:r>
-            <a:r>
-              <a:rPr lang="ko-KR" altLang="en-US" sz="800" dirty="0" err="1" smtClean="0"/>
-              <a:t>혁명이후</a:t>
-            </a:r>
-            <a:r>
-              <a:rPr lang="ko-KR" altLang="en-US" sz="800" dirty="0" smtClean="0"/>
-              <a:t> 인공지능과 로봇기술의 폭발적인 성장</a:t>
+              <a:t>추신 아리아의 유물창조</a:t>
             </a:r>
             <a:endParaRPr lang="en-US" altLang="ko-KR" sz="800" dirty="0" smtClean="0"/>
           </a:p>
@@ -21202,8 +24250,12 @@
               <a:buChar char="-"/>
             </a:pPr>
             <a:r>
+              <a:rPr lang="ko-KR" altLang="en-US" sz="800" dirty="0" err="1" smtClean="0"/>
+              <a:t>아프사라스인</a:t>
+            </a:r>
+            <a:r>
               <a:rPr lang="ko-KR" altLang="en-US" sz="800" dirty="0" smtClean="0"/>
-              <a:t>자동화 가속화</a:t>
+              <a:t> 에게 유물을 하사</a:t>
             </a:r>
             <a:endParaRPr lang="en-US" altLang="ko-KR" sz="800" dirty="0" smtClean="0"/>
           </a:p>
@@ -21213,16 +24265,20 @@
               <a:buChar char="-"/>
             </a:pPr>
             <a:r>
+              <a:rPr lang="ko-KR" altLang="en-US" sz="800" dirty="0" err="1" smtClean="0"/>
+              <a:t>아프사라스인은</a:t>
+            </a:r>
+            <a:r>
               <a:rPr lang="ko-KR" altLang="en-US" sz="800" dirty="0" smtClean="0"/>
-              <a:t>주인공의 부모님이 </a:t>
-            </a:r>
-            <a:r>
-              <a:rPr lang="ko-KR" altLang="en-US" sz="800" dirty="0" err="1" smtClean="0"/>
-              <a:t>오메가고를</a:t>
+              <a:t> </a:t>
+            </a:r>
+            <a:r>
+              <a:rPr lang="ko-KR" altLang="en-US" sz="800" dirty="0"/>
+              <a:t>유적을 </a:t>
             </a:r>
             <a:r>
               <a:rPr lang="ko-KR" altLang="en-US" sz="800" dirty="0" smtClean="0"/>
-              <a:t> 개발함</a:t>
+              <a:t>세우고 이를 유지하기 위해 마을을 건설</a:t>
             </a:r>
             <a:endParaRPr lang="en-US" altLang="ko-KR" sz="800" dirty="0" smtClean="0"/>
           </a:p>
@@ -21231,10 +24287,13 @@
               <a:buFontTx/>
               <a:buChar char="-"/>
             </a:pPr>
-            <a:r>
-              <a:rPr lang="ko-KR" altLang="en-US" sz="800" dirty="0" smtClean="0"/>
-              <a:t>주인공이 태어남</a:t>
-            </a:r>
+            <a:endParaRPr lang="en-US" altLang="ko-KR" sz="800" dirty="0" smtClean="0"/>
+          </a:p>
+          <a:p>
+            <a:pPr marL="171450" indent="-171450">
+              <a:buFontTx/>
+              <a:buChar char="-"/>
+            </a:pPr>
             <a:endParaRPr lang="ko-KR" altLang="en-US" sz="800" dirty="0"/>
           </a:p>
         </p:txBody>
@@ -21285,7 +24344,15 @@
             </a:pPr>
             <a:r>
               <a:rPr lang="ko-KR" altLang="en-US" sz="800" dirty="0" smtClean="0"/>
-              <a:t>대부분이 자동화 되면서 인간의 삶의 형태가 바뀌고 노동의 패턴이 바뀌면서 인간생체리듬이 약화</a:t>
+              <a:t>신에 의해 </a:t>
+            </a:r>
+            <a:r>
+              <a:rPr lang="ko-KR" altLang="en-US" sz="800" dirty="0" err="1" smtClean="0"/>
+              <a:t>락샤사</a:t>
+            </a:r>
+            <a:r>
+              <a:rPr lang="ko-KR" altLang="en-US" sz="800" dirty="0" smtClean="0"/>
+              <a:t> 창조</a:t>
             </a:r>
             <a:endParaRPr lang="en-US" altLang="ko-KR" sz="800" dirty="0" smtClean="0"/>
           </a:p>
@@ -21295,8 +24362,12 @@
               <a:buChar char="-"/>
             </a:pPr>
             <a:r>
+              <a:rPr lang="ko-KR" altLang="en-US" sz="800" dirty="0" err="1" smtClean="0"/>
+              <a:t>락샤샤인</a:t>
+            </a:r>
+            <a:r>
               <a:rPr lang="ko-KR" altLang="en-US" sz="800" dirty="0" smtClean="0"/>
-              <a:t>대체의학의 발달로 기계화가 유행</a:t>
+              <a:t> 건국</a:t>
             </a:r>
             <a:endParaRPr lang="en-US" altLang="ko-KR" sz="800" dirty="0" smtClean="0"/>
           </a:p>
@@ -21306,8 +24377,12 @@
               <a:buChar char="-"/>
             </a:pPr>
             <a:r>
+              <a:rPr lang="ko-KR" altLang="en-US" sz="800" dirty="0" err="1" smtClean="0"/>
+              <a:t>락샤샤는</a:t>
+            </a:r>
+            <a:r>
               <a:rPr lang="ko-KR" altLang="en-US" sz="800" dirty="0" smtClean="0"/>
-              <a:t>인간의 생명력이 비약적으로 증가</a:t>
+              <a:t> 요새를 새우고 유적을</a:t>
             </a:r>
             <a:endParaRPr lang="en-US" altLang="ko-KR" sz="800" dirty="0" smtClean="0"/>
           </a:p>
@@ -21318,9 +24393,35 @@
             </a:pPr>
             <a:r>
               <a:rPr lang="ko-KR" altLang="en-US" sz="800" dirty="0" smtClean="0"/>
-              <a:t>주인공이 대체의학공학박사로 졸업 </a:t>
-            </a:r>
-            <a:endParaRPr lang="ko-KR" altLang="en-US" sz="800" dirty="0"/>
+              <a:t> 지킴</a:t>
+            </a:r>
+            <a:endParaRPr lang="en-US" altLang="ko-KR" sz="800" dirty="0" smtClean="0"/>
+          </a:p>
+          <a:p>
+            <a:pPr marL="171450" indent="-171450">
+              <a:buFontTx/>
+              <a:buChar char="-"/>
+            </a:pPr>
+            <a:r>
+              <a:rPr lang="ko-KR" altLang="en-US" sz="800" dirty="0" err="1" smtClean="0"/>
+              <a:t>누스카는</a:t>
+            </a:r>
+            <a:r>
+              <a:rPr lang="ko-KR" altLang="en-US" sz="800" dirty="0" smtClean="0"/>
+              <a:t> </a:t>
+            </a:r>
+            <a:r>
+              <a:rPr lang="ko-KR" altLang="en-US" sz="800" dirty="0" err="1" smtClean="0"/>
+              <a:t>아프사라스의</a:t>
+            </a:r>
+            <a:r>
+              <a:rPr lang="ko-KR" altLang="en-US" sz="800" dirty="0" smtClean="0"/>
+              <a:t> 마을에 있는다</a:t>
+            </a:r>
+            <a:r>
+              <a:rPr lang="en-US" altLang="ko-KR" sz="800" dirty="0" smtClean="0"/>
+              <a:t>.</a:t>
+            </a:r>
           </a:p>
         </p:txBody>
       </p:sp>
@@ -21332,8 +24433,8 @@
         </p:nvSpPr>
         <p:spPr>
           <a:xfrm>
-            <a:off x="7448549" y="4049430"/>
-            <a:ext cx="1730620" cy="1519031"/>
+            <a:off x="7448548" y="4049431"/>
+            <a:ext cx="2095502" cy="1335524"/>
           </a:xfrm>
           <a:prstGeom prst="accentCallout2">
             <a:avLst>
@@ -21369,28 +24470,24 @@
               <a:buChar char="-"/>
             </a:pPr>
             <a:r>
-              <a:rPr lang="ko-KR" altLang="en-US" sz="800" dirty="0" err="1" smtClean="0"/>
-              <a:t>나노로봇의</a:t>
+              <a:rPr lang="ko-KR" altLang="en-US" sz="800" dirty="0" err="1"/>
+              <a:t>케메트의</a:t>
+            </a:r>
+            <a:r>
+              <a:rPr lang="ko-KR" altLang="en-US" sz="800" dirty="0"/>
+              <a:t> 영향력 하의 마을 주변에서 약초를 따던 농민이 </a:t>
+            </a:r>
+            <a:r>
+              <a:rPr lang="ko-KR" altLang="en-US" sz="800" dirty="0" err="1"/>
+              <a:t>락샤사</a:t>
+            </a:r>
+            <a:r>
+              <a:rPr lang="ko-KR" altLang="en-US" sz="800" dirty="0"/>
+              <a:t> 사람들에 의해 </a:t>
             </a:r>
             <a:r>
               <a:rPr lang="ko-KR" altLang="en-US" sz="800" dirty="0" smtClean="0"/>
-              <a:t> 개발로 바이러스를 </a:t>
-            </a:r>
-            <a:r>
-              <a:rPr lang="ko-KR" altLang="en-US" sz="800" dirty="0" err="1" smtClean="0"/>
-              <a:t>직접처치하는</a:t>
-            </a:r>
-            <a:r>
-              <a:rPr lang="ko-KR" altLang="en-US" sz="800" dirty="0" smtClean="0"/>
-              <a:t> 기술개발</a:t>
-            </a:r>
-            <a:r>
-              <a:rPr lang="en-US" altLang="ko-KR" sz="800" dirty="0" smtClean="0"/>
-              <a:t>. </a:t>
-            </a:r>
-            <a:r>
-              <a:rPr lang="ko-KR" altLang="en-US" sz="800" dirty="0" smtClean="0"/>
-              <a:t>질병으로부터 해방</a:t>
+              <a:t>살해당함</a:t>
             </a:r>
             <a:endParaRPr lang="en-US" altLang="ko-KR" sz="800" dirty="0" smtClean="0"/>
           </a:p>
@@ -21399,22 +24496,7 @@
               <a:buFontTx/>
               <a:buChar char="-"/>
             </a:pPr>
-            <a:r>
-              <a:rPr lang="ko-KR" altLang="en-US" sz="800" dirty="0" smtClean="0"/>
-              <a:t>대부분의 사람들은 유행처럼 대체의학으로 </a:t>
-            </a:r>
-            <a:r>
-              <a:rPr lang="en-US" altLang="ko-KR" sz="800" dirty="0" smtClean="0"/>
-              <a:t>50%</a:t>
-            </a:r>
-            <a:r>
-              <a:rPr lang="ko-KR" altLang="en-US" sz="800" dirty="0" smtClean="0"/>
-              <a:t>이상 개조된 몸을 가진다</a:t>
-            </a:r>
-            <a:r>
-              <a:rPr lang="en-US" altLang="ko-KR" sz="800" dirty="0" smtClean="0"/>
-              <a:t>.</a:t>
-            </a:r>
+            <a:endParaRPr lang="en-US" altLang="ko-KR" sz="800" dirty="0"/>
           </a:p>
           <a:p>
             <a:pPr marL="171450" indent="-171450">
@@ -21423,28 +24505,53 @@
             </a:pPr>
             <a:r>
               <a:rPr lang="ko-KR" altLang="en-US" sz="800" dirty="0" smtClean="0"/>
-              <a:t>주인공은 완전한 </a:t>
-            </a:r>
-            <a:r>
-              <a:rPr lang="ko-KR" altLang="en-US" sz="800" dirty="0" err="1" smtClean="0"/>
-              <a:t>휴머노이드를</a:t>
-            </a:r>
-            <a:r>
-              <a:rPr lang="ko-KR" altLang="en-US" sz="800" dirty="0" smtClean="0"/>
-              <a:t> 창조하기 위해 사이버하트를 완성</a:t>
-            </a:r>
-            <a:endParaRPr lang="en-US" altLang="ko-KR" sz="800" dirty="0" smtClean="0"/>
+              <a:t>조사를 </a:t>
+            </a:r>
+            <a:r>
+              <a:rPr lang="ko-KR" altLang="en-US" sz="800" dirty="0"/>
+              <a:t>통해 미지의 존재에 의해 살해당한 사실을 알게 되고 척후대를 보내어 숲을 조사함</a:t>
+            </a:r>
+            <a:r>
+              <a:rPr lang="en-US" altLang="ko-KR" sz="800" dirty="0"/>
+              <a:t>.</a:t>
+            </a:r>
           </a:p>
           <a:p>
             <a:pPr marL="171450" indent="-171450">
               <a:buFontTx/>
               <a:buChar char="-"/>
             </a:pPr>
+            <a:endParaRPr lang="en-US" altLang="ko-KR" sz="800" dirty="0" smtClean="0"/>
+          </a:p>
+          <a:p>
+            <a:pPr marL="171450" indent="-171450">
+              <a:buFontTx/>
+              <a:buChar char="-"/>
+            </a:pPr>
             <a:r>
               <a:rPr lang="ko-KR" altLang="en-US" sz="800" dirty="0" smtClean="0"/>
-              <a:t>에너지중심의 세계로 인해 에너지 약탈과 로봇에 반기를 든 세력이 생성</a:t>
-            </a:r>
-            <a:endParaRPr lang="ko-KR" altLang="en-US" sz="800" dirty="0"/>
+              <a:t>정찰대는 </a:t>
+            </a:r>
+            <a:r>
+              <a:rPr lang="ko-KR" altLang="en-US" sz="800" dirty="0"/>
+              <a:t>숲에서 미지의 요새를 발견하고 </a:t>
+            </a:r>
+            <a:r>
+              <a:rPr lang="ko-KR" altLang="en-US" sz="800" dirty="0" err="1"/>
+              <a:t>락샤샤의</a:t>
+            </a:r>
+            <a:r>
+              <a:rPr lang="ko-KR" altLang="en-US" sz="800" dirty="0"/>
+              <a:t> 존재를 알게 됨</a:t>
+            </a:r>
+            <a:endParaRPr lang="en-US" altLang="ko-KR" sz="800" dirty="0"/>
+          </a:p>
+          <a:p>
+            <a:pPr marL="171450" indent="-171450">
+              <a:buFontTx/>
+              <a:buChar char="-"/>
+            </a:pPr>
+            <a:endParaRPr lang="en-US" altLang="ko-KR" sz="800" dirty="0"/>
           </a:p>
         </p:txBody>
       </p:sp>
@@ -21457,7 +24564,7 @@
         <p:spPr>
           <a:xfrm>
             <a:off x="8919796" y="1847273"/>
-            <a:ext cx="1565031" cy="1182260"/>
+            <a:ext cx="2695942" cy="1182260"/>
           </a:xfrm>
           <a:prstGeom prst="accentCallout2">
             <a:avLst>
@@ -21492,33 +24599,102 @@
               <a:buFontTx/>
               <a:buChar char="-"/>
             </a:pPr>
+            <a:endParaRPr lang="en-US" altLang="ko-KR" sz="800" dirty="0" smtClean="0"/>
+          </a:p>
+          <a:p>
+            <a:pPr marL="171450" indent="-171450">
+              <a:buFontTx/>
+              <a:buChar char="-"/>
+            </a:pPr>
+            <a:r>
+              <a:rPr lang="ko-KR" altLang="en-US" sz="800" dirty="0"/>
+              <a:t>영주는 </a:t>
+            </a:r>
+            <a:r>
+              <a:rPr lang="ko-KR" altLang="en-US" sz="800" dirty="0" err="1"/>
+              <a:t>락샤샤를</a:t>
+            </a:r>
+            <a:r>
+              <a:rPr lang="ko-KR" altLang="en-US" sz="800" dirty="0"/>
+              <a:t> 토벌의 대상으로 규정하고 즉각적으로 군대를 소집하여 토벌을 명함</a:t>
+            </a:r>
+            <a:r>
+              <a:rPr lang="en-US" altLang="ko-KR" sz="800" dirty="0"/>
+              <a:t>.</a:t>
+            </a:r>
+          </a:p>
+          <a:p>
+            <a:pPr marL="171450" indent="-171450">
+              <a:buFontTx/>
+              <a:buChar char="-"/>
+            </a:pPr>
+            <a:endParaRPr lang="en-US" altLang="ko-KR" sz="800" dirty="0" smtClean="0"/>
+          </a:p>
+          <a:p>
+            <a:pPr marL="171450" indent="-171450">
+              <a:buFontTx/>
+              <a:buChar char="-"/>
+            </a:pPr>
             <a:r>
               <a:rPr lang="ko-KR" altLang="en-US" sz="800" dirty="0" smtClean="0"/>
-              <a:t>에너지와 자원고갈로 인해  </a:t>
+              <a:t>국가에 대한 충성과 명예를 위해 </a:t>
+            </a:r>
+            <a:r>
+              <a:rPr lang="ko-KR" altLang="en-US" sz="800" dirty="0" err="1" smtClean="0"/>
+              <a:t>케프리는</a:t>
+            </a:r>
+            <a:r>
+              <a:rPr lang="ko-KR" altLang="en-US" sz="800" dirty="0" smtClean="0"/>
+              <a:t> 군사장교로 입교했고 첫 전장에 나섬</a:t>
             </a:r>
             <a:endParaRPr lang="en-US" altLang="ko-KR" sz="800" dirty="0" smtClean="0"/>
           </a:p>
           <a:p>
-            <a:r>
-              <a:rPr lang="en-US" altLang="ko-KR" sz="800" dirty="0"/>
-              <a:t> </a:t>
-            </a:r>
+            <a:pPr marL="171450" indent="-171450">
+              <a:buFontTx/>
+              <a:buChar char="-"/>
+            </a:pPr>
+            <a:endParaRPr lang="en-US" altLang="ko-KR" sz="800" dirty="0" smtClean="0"/>
+          </a:p>
+          <a:p>
+            <a:pPr marL="171450" indent="-171450">
+              <a:buFontTx/>
+              <a:buChar char="-"/>
+            </a:pPr>
             <a:r>
               <a:rPr lang="ko-KR" altLang="en-US" sz="800" dirty="0" smtClean="0"/>
-              <a:t>전세계가 체제가 붕괴되고 기술과 로봇을 숭배하는 단체와 인간성을 유지하며 로봇을 반대하는 세력으로 나누어져 에너지를 </a:t>
+              <a:t>압도적인 무력에 의해 전쟁에 참여했던 </a:t>
             </a:r>
             <a:r>
               <a:rPr lang="ko-KR" altLang="en-US" sz="800" dirty="0" err="1" smtClean="0"/>
-              <a:t>쟁탈중이며</a:t>
+              <a:t>케메트인은</a:t>
             </a:r>
             <a:r>
               <a:rPr lang="ko-KR" altLang="en-US" sz="800" dirty="0" smtClean="0"/>
-              <a:t> 무한에너지 사이버하트가 만들어지면서 새로운 국면에 접어든다</a:t>
-            </a:r>
-            <a:r>
-              <a:rPr lang="en-US" altLang="ko-KR" sz="800" dirty="0" smtClean="0"/>
-              <a:t>.</a:t>
-            </a:r>
+              <a:t> 주인공 </a:t>
+            </a:r>
+            <a:r>
+              <a:rPr lang="ko-KR" altLang="en-US" sz="800" dirty="0" err="1" smtClean="0"/>
+              <a:t>케프리를</a:t>
+            </a:r>
+            <a:r>
+              <a:rPr lang="ko-KR" altLang="en-US" sz="800" dirty="0" smtClean="0"/>
+              <a:t> 제외하고 전멸</a:t>
+            </a:r>
+            <a:endParaRPr lang="en-US" altLang="ko-KR" sz="800" dirty="0" smtClean="0"/>
+          </a:p>
+          <a:p>
+            <a:pPr marL="171450" indent="-171450">
+              <a:buFontTx/>
+              <a:buChar char="-"/>
+            </a:pPr>
+            <a:endParaRPr lang="en-US" altLang="ko-KR" sz="800" dirty="0" smtClean="0"/>
+          </a:p>
+          <a:p>
+            <a:pPr marL="171450" indent="-171450">
+              <a:buFontTx/>
+              <a:buChar char="-"/>
+            </a:pPr>
             <a:endParaRPr lang="ko-KR" altLang="en-US" sz="800" dirty="0"/>
           </a:p>
         </p:txBody>
@@ -21615,8 +24791,8 @@
               <a:buChar char="-"/>
             </a:pPr>
             <a:r>
-              <a:rPr lang="ko-KR" altLang="en-US" sz="800" dirty="0" smtClean="0"/>
-              <a:t>슈퍼 바이러스로 인해 전세계 인구의 절반이 사망</a:t>
+              <a:rPr lang="ko-KR" altLang="en-US" sz="800" dirty="0" err="1" smtClean="0"/>
+              <a:t>케메트건국</a:t>
             </a:r>
             <a:endParaRPr lang="en-US" altLang="ko-KR" sz="800" dirty="0" smtClean="0"/>
           </a:p>
@@ -21626,73 +24802,285 @@
               <a:buChar char="-"/>
             </a:pPr>
             <a:r>
+              <a:rPr lang="ko-KR" altLang="en-US" sz="800" dirty="0" err="1" smtClean="0"/>
+              <a:t>케메트는</a:t>
+            </a:r>
+            <a:r>
               <a:rPr lang="ko-KR" altLang="en-US" sz="800" dirty="0" smtClean="0"/>
-              <a:t>바이러스에 취약한 인간의 몸을 완전히 기계로 전환시키는 프로젝트진행</a:t>
-            </a:r>
-            <a:endParaRPr lang="en-US" altLang="ko-KR" sz="800" dirty="0" smtClean="0"/>
-          </a:p>
-          <a:p>
-            <a:pPr marL="171450" indent="-171450">
-              <a:buFontTx/>
-              <a:buChar char="-"/>
-            </a:pPr>
+              <a:t> 건국 이후 풍요로운 토지와 강을 기반으로 강력한 </a:t>
+            </a:r>
+            <a:r>
+              <a:rPr lang="ko-KR" altLang="en-US" sz="800" dirty="0" err="1" smtClean="0"/>
+              <a:t>농업력을</a:t>
+            </a:r>
             <a:r>
               <a:rPr lang="ko-KR" altLang="en-US" sz="800" dirty="0" smtClean="0"/>
-              <a:t>주인공의 부모님이 바이러스로 인해 사망</a:t>
-            </a:r>
-            <a:endParaRPr lang="en-US" altLang="ko-KR" sz="800" dirty="0" smtClean="0"/>
-          </a:p>
-          <a:p>
-            <a:pPr marL="171450" indent="-171450">
-              <a:buFontTx/>
-              <a:buChar char="-"/>
-            </a:pPr>
-            <a:r>
-              <a:rPr lang="ko-KR" altLang="en-US" sz="800" dirty="0" smtClean="0"/>
-              <a:t>주인공은 바이러스로 인해 </a:t>
-            </a:r>
-            <a:r>
-              <a:rPr lang="ko-KR" altLang="en-US" sz="800" dirty="0" err="1" smtClean="0"/>
-              <a:t>한쪽폐와</a:t>
-            </a:r>
-            <a:r>
-              <a:rPr lang="ko-KR" altLang="en-US" sz="800" dirty="0" smtClean="0"/>
-              <a:t> </a:t>
-            </a:r>
-            <a:r>
-              <a:rPr lang="ko-KR" altLang="en-US" sz="800" dirty="0" err="1" smtClean="0"/>
-              <a:t>왼쪽눈</a:t>
-            </a:r>
-            <a:r>
-              <a:rPr lang="en-US" altLang="ko-KR" sz="800" dirty="0" smtClean="0"/>
-              <a:t>, </a:t>
-            </a:r>
-            <a:r>
-              <a:rPr lang="ko-KR" altLang="en-US" sz="800" dirty="0" err="1" smtClean="0"/>
-              <a:t>오론손</a:t>
-            </a:r>
-            <a:r>
-              <a:rPr lang="ko-KR" altLang="en-US" sz="800" dirty="0" smtClean="0"/>
-              <a:t> 기능을 잃는다</a:t>
+              <a:t> 보유해  빠르게 강국의 대열에 오른다</a:t>
             </a:r>
             <a:r>
               <a:rPr lang="en-US" altLang="ko-KR" sz="800" dirty="0" smtClean="0"/>
               <a:t>.</a:t>
             </a:r>
-            <a:endParaRPr lang="ko-KR" altLang="en-US" sz="800" dirty="0"/>
           </a:p>
         </p:txBody>
       </p:sp>
       <p:sp>
         <p:nvSpPr>
-          <p:cNvPr id="19" name="타원 18"/>
+          <p:cNvPr id="20" name="설명선 2(강조선) 19"/>
           <p:cNvSpPr/>
           <p:nvPr/>
         </p:nvSpPr>
         <p:spPr>
           <a:xfrm>
-            <a:off x="8058149" y="3084767"/>
-            <a:ext cx="750278" cy="750278"/>
+            <a:off x="9804889" y="3839194"/>
+            <a:ext cx="2204303" cy="1545760"/>
+          </a:xfrm>
+          <a:prstGeom prst="accentCallout2">
+            <a:avLst>
+              <a:gd name="adj1" fmla="val 18750"/>
+              <a:gd name="adj2" fmla="val -8333"/>
+              <a:gd name="adj3" fmla="val 21591"/>
+              <a:gd name="adj4" fmla="val -9234"/>
+              <a:gd name="adj5" fmla="val -17427"/>
+              <a:gd name="adj6" fmla="val -14646"/>
+            </a:avLst>
+          </a:prstGeom>
+        </p:spPr>
+        <p:style>
+          <a:lnRef idx="1">
+            <a:schemeClr val="accent3"/>
+          </a:lnRef>
+          <a:fillRef idx="2">
+            <a:schemeClr val="accent3"/>
+          </a:fillRef>
+          <a:effectRef idx="1">
+            <a:schemeClr val="accent3"/>
+          </a:effectRef>
+          <a:fontRef idx="minor">
+            <a:schemeClr val="dk1"/>
+          </a:fontRef>
+        </p:style>
+        <p:txBody>
+          <a:bodyPr rtlCol="0" anchor="ctr"/>
+          <a:lstStyle/>
+          <a:p>
+            <a:pPr marL="171450" indent="-171450">
+              <a:buFontTx/>
+              <a:buChar char="-"/>
+            </a:pPr>
+            <a:r>
+              <a:rPr lang="ko-KR" altLang="en-US" sz="800" dirty="0" smtClean="0"/>
+              <a:t>제대로 한 </a:t>
+            </a:r>
+            <a:r>
+              <a:rPr lang="ko-KR" altLang="en-US" sz="800" dirty="0" err="1" smtClean="0"/>
+              <a:t>번싸우지도</a:t>
+            </a:r>
+            <a:r>
+              <a:rPr lang="ko-KR" altLang="en-US" sz="800" dirty="0" smtClean="0"/>
+              <a:t> 않고 </a:t>
+            </a:r>
+            <a:r>
+              <a:rPr lang="ko-KR" altLang="en-US" sz="800" dirty="0" err="1" smtClean="0"/>
+              <a:t>락샤샤의</a:t>
+            </a:r>
+            <a:r>
+              <a:rPr lang="ko-KR" altLang="en-US" sz="800" dirty="0" smtClean="0"/>
+              <a:t> 압도적인 무력을 목도한 </a:t>
+            </a:r>
+            <a:r>
+              <a:rPr lang="ko-KR" altLang="en-US" sz="800" dirty="0" err="1" smtClean="0"/>
+              <a:t>케프리는</a:t>
+            </a:r>
+            <a:r>
+              <a:rPr lang="ko-KR" altLang="en-US" sz="800" dirty="0" smtClean="0"/>
+              <a:t> 불명예스럽게 유적이 있는 </a:t>
+            </a:r>
+            <a:r>
+              <a:rPr lang="ko-KR" altLang="en-US" sz="800" dirty="0" err="1" smtClean="0"/>
+              <a:t>숲속으로</a:t>
+            </a:r>
+            <a:r>
+              <a:rPr lang="ko-KR" altLang="en-US" sz="800" dirty="0" smtClean="0"/>
+              <a:t> 도망침</a:t>
+            </a:r>
+            <a:endParaRPr lang="en-US" altLang="ko-KR" sz="800" dirty="0" smtClean="0"/>
+          </a:p>
+          <a:p>
+            <a:pPr marL="171450" indent="-171450">
+              <a:buFontTx/>
+              <a:buChar char="-"/>
+            </a:pPr>
+            <a:endParaRPr lang="en-US" altLang="ko-KR" sz="800" dirty="0" smtClean="0"/>
+          </a:p>
+          <a:p>
+            <a:pPr marL="171450" indent="-171450">
+              <a:buFontTx/>
+              <a:buChar char="-"/>
+            </a:pPr>
+            <a:r>
+              <a:rPr lang="ko-KR" altLang="en-US" sz="800" dirty="0" smtClean="0"/>
+              <a:t>죽기 적진이었던 주인공은 유물의 이끌림에 특별한 힘을 체험함</a:t>
+            </a:r>
+            <a:endParaRPr lang="en-US" altLang="ko-KR" sz="800" dirty="0" smtClean="0"/>
+          </a:p>
+          <a:p>
+            <a:pPr marL="171450" indent="-171450">
+              <a:buFontTx/>
+              <a:buChar char="-"/>
+            </a:pPr>
+            <a:endParaRPr lang="en-US" altLang="ko-KR" sz="800" dirty="0" smtClean="0"/>
+          </a:p>
+          <a:p>
+            <a:pPr marL="171450" indent="-171450">
+              <a:buFontTx/>
+              <a:buChar char="-"/>
+            </a:pPr>
+            <a:r>
+              <a:rPr lang="ko-KR" altLang="en-US" sz="800" dirty="0" smtClean="0"/>
+              <a:t>유물에 대해 </a:t>
+            </a:r>
+            <a:r>
+              <a:rPr lang="ko-KR" altLang="en-US" sz="800" dirty="0" err="1" smtClean="0"/>
+              <a:t>알게된</a:t>
+            </a:r>
+            <a:r>
+              <a:rPr lang="ko-KR" altLang="en-US" sz="800" dirty="0" smtClean="0"/>
+              <a:t> </a:t>
+            </a:r>
+            <a:r>
+              <a:rPr lang="ko-KR" altLang="en-US" sz="800" dirty="0" err="1" smtClean="0"/>
+              <a:t>케프리는</a:t>
+            </a:r>
+            <a:r>
+              <a:rPr lang="ko-KR" altLang="en-US" sz="800" dirty="0" smtClean="0"/>
+              <a:t> </a:t>
+            </a:r>
+            <a:r>
+              <a:rPr lang="ko-KR" altLang="en-US" sz="800" dirty="0"/>
+              <a:t>시간을 돌리고자 </a:t>
+            </a:r>
+            <a:r>
+              <a:rPr lang="ko-KR" altLang="en-US" sz="800" dirty="0" smtClean="0"/>
+              <a:t>함</a:t>
+            </a:r>
+            <a:endParaRPr lang="en-US" altLang="ko-KR" sz="800" dirty="0" smtClean="0"/>
+          </a:p>
+          <a:p>
+            <a:pPr marL="171450" indent="-171450">
+              <a:buFontTx/>
+              <a:buChar char="-"/>
+            </a:pPr>
+            <a:endParaRPr lang="en-US" altLang="ko-KR" sz="800" dirty="0"/>
+          </a:p>
+          <a:p>
+            <a:pPr marL="171450" indent="-171450">
+              <a:buFontTx/>
+              <a:buChar char="-"/>
+            </a:pPr>
+            <a:endParaRPr lang="en-US" altLang="ko-KR" sz="800" dirty="0"/>
+          </a:p>
+          <a:p>
+            <a:pPr marL="171450" indent="-171450">
+              <a:buFontTx/>
+              <a:buChar char="-"/>
+            </a:pPr>
+            <a:endParaRPr lang="ko-KR" altLang="en-US" sz="800" dirty="0"/>
+          </a:p>
+        </p:txBody>
+      </p:sp>
+      <p:sp>
+        <p:nvSpPr>
+          <p:cNvPr id="21" name="바닥글 개체 틀 4"/>
+          <p:cNvSpPr>
+            <a:spLocks noGrp="1"/>
+          </p:cNvSpPr>
+          <p:nvPr>
+            <p:ph type="ftr" sz="quarter" idx="11"/>
+          </p:nvPr>
+        </p:nvSpPr>
+        <p:spPr>
+          <a:xfrm>
+            <a:off x="4038600" y="6356350"/>
+            <a:ext cx="4114800" cy="365125"/>
+          </a:xfrm>
+        </p:spPr>
+        <p:txBody>
+          <a:bodyPr/>
+          <a:lstStyle/>
+          <a:p>
+            <a:r>
+              <a:rPr lang="en-US" altLang="ko-KR" dirty="0" smtClean="0"/>
+              <a:t>Copyright(c)2020. All rights reserved by </a:t>
+            </a:r>
+            <a:r>
+              <a:rPr lang="en-US" altLang="ko-KR" dirty="0" err="1" smtClean="0"/>
+              <a:t>JeaCheon</a:t>
+            </a:r>
+            <a:r>
+              <a:rPr lang="en-US" altLang="ko-KR" dirty="0"/>
+              <a:t> </a:t>
+            </a:r>
+            <a:r>
+              <a:rPr lang="en-US" altLang="ko-KR" dirty="0" smtClean="0"/>
+              <a:t>LEE</a:t>
+            </a:r>
+            <a:endParaRPr lang="ko-KR" altLang="en-US" dirty="0"/>
+          </a:p>
+        </p:txBody>
+      </p:sp>
+      <p:sp>
+        <p:nvSpPr>
+          <p:cNvPr id="5" name="직사각형 4"/>
+          <p:cNvSpPr/>
+          <p:nvPr/>
+        </p:nvSpPr>
+        <p:spPr>
+          <a:xfrm>
+            <a:off x="5302854" y="1262769"/>
+            <a:ext cx="2470548" cy="369332"/>
+          </a:xfrm>
+          <a:prstGeom prst="rect">
+            <a:avLst/>
+          </a:prstGeom>
+        </p:spPr>
+        <p:txBody>
+          <a:bodyPr wrap="none">
+            <a:spAutoFit/>
+          </a:bodyPr>
+          <a:lstStyle/>
+          <a:p>
+            <a:pPr fontAlgn="base"/>
+            <a:r>
+              <a:rPr lang="ko-KR" altLang="en-US" dirty="0" err="1"/>
+              <a:t>프톨레마이오스력</a:t>
+            </a:r>
+            <a:r>
+              <a:rPr lang="ko-KR" altLang="en-US" dirty="0"/>
+              <a:t> </a:t>
+            </a:r>
+            <a:r>
+              <a:rPr lang="en-US" altLang="ko-KR" dirty="0" smtClean="0"/>
+              <a:t>4</a:t>
+            </a:r>
+            <a:r>
+              <a:rPr lang="ko-KR" altLang="en-US" dirty="0"/>
+              <a:t>월</a:t>
+            </a:r>
+            <a:endParaRPr lang="ko-KR" altLang="en-US" dirty="0"/>
+          </a:p>
+        </p:txBody>
+      </p:sp>
+      <p:sp>
+        <p:nvSpPr>
+          <p:cNvPr id="22" name="타원 21"/>
+          <p:cNvSpPr/>
+          <p:nvPr/>
+        </p:nvSpPr>
+        <p:spPr>
+          <a:xfrm>
+            <a:off x="7773402" y="3088916"/>
+            <a:ext cx="995364" cy="750278"/>
           </a:xfrm>
           <a:prstGeom prst="ellipse">
             <a:avLst/>
@@ -21719,135 +25107,139 @@
           <a:lstStyle/>
           <a:p>
             <a:pPr algn="ctr"/>
-            <a:endParaRPr lang="ko-KR" altLang="en-US" dirty="0"/>
+            <a:r>
+              <a:rPr lang="en-US" altLang="ko-KR" sz="1400" dirty="0" smtClean="0"/>
+              <a:t>623</a:t>
+            </a:r>
+            <a:r>
+              <a:rPr lang="ko-KR" altLang="en-US" sz="1400" dirty="0" smtClean="0"/>
+              <a:t>년</a:t>
+            </a:r>
+            <a:endParaRPr lang="ko-KR" altLang="en-US" sz="1400" dirty="0"/>
           </a:p>
         </p:txBody>
       </p:sp>
       <p:sp>
         <p:nvSpPr>
-          <p:cNvPr id="20" name="설명선 2(강조선) 19"/>
+          <p:cNvPr id="23" name="타원 22"/>
           <p:cNvSpPr/>
           <p:nvPr/>
         </p:nvSpPr>
         <p:spPr>
           <a:xfrm>
-            <a:off x="10357339" y="4018040"/>
-            <a:ext cx="1565031" cy="1182260"/>
+            <a:off x="4210049" y="3094892"/>
+            <a:ext cx="995364" cy="750278"/>
           </a:xfrm>
-          <a:prstGeom prst="accentCallout2">
-            <a:avLst>
-              <a:gd name="adj1" fmla="val 18750"/>
-              <a:gd name="adj2" fmla="val -8333"/>
-              <a:gd name="adj3" fmla="val 19742"/>
-              <a:gd name="adj4" fmla="val -57116"/>
-              <a:gd name="adj5" fmla="val -28304"/>
-              <a:gd name="adj6" fmla="val -108677"/>
-            </a:avLst>
+          <a:prstGeom prst="ellipse">
+            <a:avLst/>
           </a:prstGeom>
         </p:spPr>
         <p:style>
-          <a:lnRef idx="1">
-            <a:schemeClr val="accent3"/>
+          <a:lnRef idx="2">
+            <a:schemeClr val="accent1">
+              <a:shade val="50000"/>
+            </a:schemeClr>
           </a:lnRef>
-          <a:fillRef idx="2">
-            <a:schemeClr val="accent3"/>
+          <a:fillRef idx="1">
+            <a:schemeClr val="accent1"/>
           </a:fillRef>
-          <a:effectRef idx="1">
-            <a:schemeClr val="accent3"/>
+          <a:effectRef idx="0">
+            <a:schemeClr val="accent1"/>
           </a:effectRef>
           <a:fontRef idx="minor">
-            <a:schemeClr val="dk1"/>
+            <a:schemeClr val="lt1"/>
           </a:fontRef>
         </p:style>
         <p:txBody>
           <a:bodyPr rtlCol="0" anchor="ctr"/>
           <a:lstStyle/>
           <a:p>
-            <a:pPr marL="171450" indent="-171450">
-              <a:buFontTx/>
-              <a:buChar char="-"/>
-            </a:pPr>
-            <a:r>
-              <a:rPr lang="ko-KR" altLang="en-US" sz="800" dirty="0" smtClean="0"/>
-              <a:t>사이버하트를 장착한 완전한 </a:t>
-            </a:r>
-            <a:r>
-              <a:rPr lang="ko-KR" altLang="en-US" sz="800" dirty="0" err="1" smtClean="0"/>
-              <a:t>휴먼로이드의</a:t>
-            </a:r>
-            <a:r>
-              <a:rPr lang="ko-KR" altLang="en-US" sz="800" dirty="0" smtClean="0"/>
-              <a:t> 완성을 앞두고 사이버하트를 </a:t>
-            </a:r>
-            <a:r>
-              <a:rPr lang="ko-KR" altLang="en-US" sz="800" dirty="0" err="1" smtClean="0"/>
-              <a:t>도난당한</a:t>
-            </a:r>
-            <a:r>
-              <a:rPr lang="ko-KR" altLang="en-US" sz="800" dirty="0" smtClean="0"/>
-              <a:t> 주인공은 사이버하트를 </a:t>
-            </a:r>
-            <a:r>
-              <a:rPr lang="ko-KR" altLang="en-US" sz="800" dirty="0" err="1" smtClean="0"/>
-              <a:t>찾기위해</a:t>
-            </a:r>
-            <a:r>
-              <a:rPr lang="ko-KR" altLang="en-US" sz="800" dirty="0" smtClean="0"/>
-              <a:t> 스스로를 개조하고 사이버하트를 찾으러 </a:t>
-            </a:r>
-            <a:r>
-              <a:rPr lang="ko-KR" altLang="en-US" sz="800" dirty="0" err="1" smtClean="0"/>
-              <a:t>반로봇단체를</a:t>
-            </a:r>
-            <a:r>
-              <a:rPr lang="ko-KR" altLang="en-US" sz="800" dirty="0" smtClean="0"/>
-              <a:t> 소탕하는 모험을 한다</a:t>
-            </a:r>
-            <a:r>
-              <a:rPr lang="en-US" altLang="ko-KR" sz="800" dirty="0" smtClean="0"/>
-              <a:t>.</a:t>
-            </a:r>
-            <a:endParaRPr lang="ko-KR" altLang="en-US" sz="800" dirty="0"/>
+            <a:pPr algn="ctr"/>
+            <a:endParaRPr lang="ko-KR" altLang="en-US" sz="1400" dirty="0"/>
           </a:p>
         </p:txBody>
       </p:sp>
       <p:sp>
         <p:nvSpPr>
-          <p:cNvPr id="21" name="바닥글 개체 틀 4"/>
-          <p:cNvSpPr>
-            <a:spLocks noGrp="1"/>
-          </p:cNvSpPr>
-          <p:nvPr>
-            <p:ph type="ftr" sz="quarter" idx="11"/>
-          </p:nvPr>
+          <p:cNvPr id="24" name="타원 23"/>
+          <p:cNvSpPr/>
+          <p:nvPr/>
         </p:nvSpPr>
         <p:spPr>
           <a:xfrm>
-            <a:off x="4038600" y="6356350"/>
-            <a:ext cx="4114800" cy="365125"/>
+            <a:off x="2428373" y="3099553"/>
+            <a:ext cx="995364" cy="750278"/>
           </a:xfrm>
+          <a:prstGeom prst="ellipse">
+            <a:avLst/>
+          </a:prstGeom>
         </p:spPr>
+        <p:style>
+          <a:lnRef idx="2">
+            <a:schemeClr val="accent1">
+              <a:shade val="50000"/>
+            </a:schemeClr>
+          </a:lnRef>
+          <a:fillRef idx="1">
+            <a:schemeClr val="accent1"/>
+          </a:fillRef>
+          <a:effectRef idx="0">
+            <a:schemeClr val="accent1"/>
+          </a:effectRef>
+          <a:fontRef idx="minor">
+            <a:schemeClr val="lt1"/>
+          </a:fontRef>
+        </p:style>
         <p:txBody>
-          <a:bodyPr/>
+          <a:bodyPr rtlCol="0" anchor="ctr"/>
           <a:lstStyle/>
           <a:p>
-            <a:r>
-              <a:rPr lang="en-US" altLang="ko-KR" dirty="0" smtClean="0"/>
-              <a:t>Copyright(c)2020. All rights reserved by </a:t>
-            </a:r>
-            <a:r>
-              <a:rPr lang="en-US" altLang="ko-KR" dirty="0" err="1" smtClean="0"/>
-              <a:t>JeaCheon</a:t>
-            </a:r>
-            <a:r>
-              <a:rPr lang="en-US" altLang="ko-KR" dirty="0"/>
-              <a:t> </a:t>
-            </a:r>
-            <a:r>
-              <a:rPr lang="en-US" altLang="ko-KR" dirty="0" smtClean="0"/>
-              <a:t>LEE</a:t>
-            </a:r>
-            <a:endParaRPr lang="ko-KR" altLang="en-US" dirty="0"/>
+            <a:pPr algn="ctr"/>
+            <a:endParaRPr lang="ko-KR" altLang="en-US" sz="1400" dirty="0"/>
+          </a:p>
+        </p:txBody>
+      </p:sp>
+      <p:sp>
+        <p:nvSpPr>
+          <p:cNvPr id="25" name="타원 24"/>
+          <p:cNvSpPr/>
+          <p:nvPr/>
+        </p:nvSpPr>
+        <p:spPr>
+          <a:xfrm>
+            <a:off x="646696" y="3099553"/>
+            <a:ext cx="995364" cy="750278"/>
+          </a:xfrm>
+          <a:prstGeom prst="ellipse">
+            <a:avLst/>
+          </a:prstGeom>
+        </p:spPr>
+        <p:style>
+          <a:lnRef idx="2">
+            <a:schemeClr val="accent1">
+              <a:shade val="50000"/>
+            </a:schemeClr>
+          </a:lnRef>
+          <a:fillRef idx="1">
+            <a:schemeClr val="accent1"/>
+          </a:fillRef>
+          <a:effectRef idx="0">
+            <a:schemeClr val="accent1"/>
+          </a:effectRef>
+          <a:fontRef idx="minor">
+            <a:schemeClr val="lt1"/>
+          </a:fontRef>
+        </p:style>
+        <p:txBody>
+          <a:bodyPr rtlCol="0" anchor="ctr"/>
+          <a:lstStyle/>
+          <a:p>
+            <a:pPr algn="ctr"/>
+            <a:r>
+              <a:rPr lang="ko-KR" altLang="en-US" sz="1400" dirty="0" smtClean="0"/>
+              <a:t>신화</a:t>
+            </a:r>
+            <a:endParaRPr lang="ko-KR" altLang="en-US" sz="1400" dirty="0"/>
           </a:p>
         </p:txBody>
       </p:sp>
@@ -22068,12 +25460,8 @@
           <a:p>
             <a:pPr fontAlgn="base"/>
             <a:r>
-              <a:rPr lang="ko-KR" altLang="en-US" dirty="0" err="1" smtClean="0"/>
-              <a:t>오래전</a:t>
-            </a:r>
-            <a:r>
               <a:rPr lang="ko-KR" altLang="en-US" dirty="0" smtClean="0"/>
-              <a:t> </a:t>
+              <a:t>오래 전 </a:t>
             </a:r>
             <a:r>
               <a:rPr lang="ko-KR" altLang="en-US" dirty="0"/>
@@ -22967,7 +26355,7 @@
         <p:spPr>
           <a:xfrm>
             <a:off x="661986" y="1653282"/>
-            <a:ext cx="10691813" cy="3508653"/>
+            <a:ext cx="10691813" cy="2954655"/>
           </a:xfrm>
           <a:prstGeom prst="rect">
             <a:avLst/>
@@ -23008,7 +26396,63 @@
             </a:r>
             <a:r>
               <a:rPr lang="ko-KR" altLang="en-US" dirty="0" smtClean="0"/>
-              <a:t> 사람들에 의해 살해당함</a:t>
+              <a:t> 사람들에 의해 </a:t>
+            </a:r>
+            <a:r>
+              <a:rPr lang="ko-KR" altLang="en-US" dirty="0" smtClean="0"/>
+              <a:t>살해당함</a:t>
+            </a:r>
+            <a:endParaRPr lang="en-US" altLang="ko-KR" dirty="0" smtClean="0"/>
+          </a:p>
+          <a:p>
+            <a:pPr fontAlgn="base"/>
+            <a:r>
+              <a:rPr lang="ko-KR" altLang="en-US" dirty="0" err="1" smtClean="0"/>
+              <a:t>락샤사는</a:t>
+            </a:r>
+            <a:r>
+              <a:rPr lang="ko-KR" altLang="en-US" dirty="0" smtClean="0"/>
+              <a:t> </a:t>
+            </a:r>
+            <a:r>
+              <a:rPr lang="ko-KR" altLang="en-US" dirty="0"/>
+              <a:t>숲 </a:t>
+            </a:r>
+            <a:r>
+              <a:rPr lang="ko-KR" altLang="en-US" dirty="0" smtClean="0"/>
+              <a:t>속에 있는 </a:t>
+            </a:r>
+            <a:r>
+              <a:rPr lang="ko-KR" altLang="en-US" dirty="0" err="1" smtClean="0"/>
+              <a:t>락샤샤는</a:t>
+            </a:r>
+            <a:r>
+              <a:rPr lang="en-US" altLang="ko-KR" dirty="0" smtClean="0"/>
+              <a:t> </a:t>
+            </a:r>
+            <a:r>
+              <a:rPr lang="ko-KR" altLang="en-US" dirty="0"/>
+              <a:t>사냥과 채집</a:t>
+            </a:r>
+            <a:r>
+              <a:rPr lang="en-US" altLang="ko-KR" dirty="0"/>
+              <a:t>, </a:t>
+            </a:r>
+            <a:r>
+              <a:rPr lang="ko-KR" altLang="en-US" dirty="0"/>
+              <a:t>목축업으로 생계를 유지하기 때문에 식량과 자원이 </a:t>
+            </a:r>
+            <a:r>
+              <a:rPr lang="ko-KR" altLang="en-US" dirty="0" smtClean="0"/>
+              <a:t>부족하여 겨울의 숲을 벗어나 식량을 찾던 중 우연히 마주친 농민을 적으로 간주하고 살해함</a:t>
+            </a:r>
+            <a:r>
+              <a:rPr lang="en-US" altLang="ko-KR" dirty="0" smtClean="0"/>
+              <a:t>.</a:t>
+            </a:r>
+            <a:r>
+              <a:rPr lang="ko-KR" altLang="en-US" dirty="0" smtClean="0"/>
+              <a:t> </a:t>
             </a:r>
             <a:endParaRPr lang="en-US" altLang="ko-KR" dirty="0" smtClean="0"/>
           </a:p>
@@ -23024,7 +26468,11 @@
             </a:r>
             <a:r>
               <a:rPr lang="ko-KR" altLang="en-US" dirty="0" smtClean="0"/>
-              <a:t> 의심받을 수 있고 영향력을 </a:t>
+              <a:t> 의심받을 수 있고 </a:t>
+            </a:r>
+            <a:r>
+              <a:rPr lang="ko-KR" altLang="en-US" dirty="0" smtClean="0"/>
+              <a:t>영향력을 </a:t>
             </a:r>
             <a:r>
               <a:rPr lang="ko-KR" altLang="en-US" dirty="0" err="1" smtClean="0"/>
@@ -23036,22 +26484,14 @@
             </a:r>
             <a:r>
               <a:rPr lang="en-US" altLang="ko-KR" dirty="0" smtClean="0"/>
-              <a:t>.</a:t>
+              <a:t>. </a:t>
             </a:r>
           </a:p>
           <a:p>
             <a:pPr fontAlgn="base"/>
             <a:r>
               <a:rPr lang="ko-KR" altLang="en-US" dirty="0" smtClean="0"/>
-              <a:t>영주는 영향력을 잃지 않기 위해 </a:t>
-            </a:r>
-            <a:r>
-              <a:rPr lang="ko-KR" altLang="en-US" dirty="0" err="1" smtClean="0"/>
-              <a:t>락샤사의</a:t>
-            </a:r>
-            <a:r>
-              <a:rPr lang="ko-KR" altLang="en-US" dirty="0" smtClean="0"/>
-              <a:t> 영토에 침입</a:t>
+              <a:t>조사를 통해 미지의 존재에 의해 살해당한 사실을 알게 되고 척후대를 보내어 숲을 조사함</a:t>
             </a:r>
             <a:r>
               <a:rPr lang="en-US" altLang="ko-KR" dirty="0" smtClean="0"/>
@@ -23061,118 +26501,37 @@
           <a:p>
             <a:pPr fontAlgn="base"/>
             <a:r>
+              <a:rPr lang="ko-KR" altLang="en-US" dirty="0" smtClean="0"/>
+              <a:t>정찰대는 숲에서 미지의 요새를 발견하고 </a:t>
+            </a:r>
+            <a:r>
               <a:rPr lang="ko-KR" altLang="en-US" dirty="0" err="1" smtClean="0"/>
-              <a:t>케메트는</a:t>
+              <a:t>락샤샤의</a:t>
             </a:r>
             <a:r>
               <a:rPr lang="ko-KR" altLang="en-US" dirty="0" smtClean="0"/>
-              <a:t> </a:t>
-            </a:r>
-            <a:r>
-              <a:rPr lang="ko-KR" altLang="en-US" dirty="0"/>
-              <a:t>식량 생산력이 뛰어난 농경국가로 작지만 강성한 국가였고</a:t>
-            </a:r>
-            <a:r>
-              <a:rPr lang="en-US" altLang="ko-KR" dirty="0"/>
-              <a:t>, </a:t>
-            </a:r>
-            <a:r>
-              <a:rPr lang="ko-KR" altLang="en-US" dirty="0"/>
-              <a:t>거점으로 사용할 수 있는 마을들이 많아 보급에 </a:t>
-            </a:r>
+              <a:t> 존재를 알게 됨</a:t>
+            </a:r>
+            <a:endParaRPr lang="en-US" altLang="ko-KR" dirty="0" smtClean="0"/>
+          </a:p>
+          <a:p>
+            <a:pPr fontAlgn="base"/>
             <a:r>
               <a:rPr lang="ko-KR" altLang="en-US" dirty="0" smtClean="0"/>
-              <a:t>유리함</a:t>
-            </a:r>
-            <a:endParaRPr lang="en-US" altLang="ko-KR" dirty="0" smtClean="0"/>
-          </a:p>
-          <a:p>
-            <a:pPr fontAlgn="base"/>
+              <a:t>영주는 </a:t>
+            </a:r>
+            <a:r>
+              <a:rPr lang="ko-KR" altLang="en-US" dirty="0" err="1" smtClean="0"/>
+              <a:t>락샤샤를</a:t>
+            </a:r>
             <a:r>
               <a:rPr lang="ko-KR" altLang="en-US" dirty="0" smtClean="0"/>
-              <a:t>반면 </a:t>
-            </a:r>
-            <a:r>
-              <a:rPr lang="ko-KR" altLang="en-US" dirty="0" err="1" smtClean="0"/>
-              <a:t>락샤사는</a:t>
-            </a:r>
-            <a:r>
-              <a:rPr lang="ko-KR" altLang="en-US" dirty="0" smtClean="0"/>
-              <a:t> </a:t>
-            </a:r>
-            <a:r>
-              <a:rPr lang="ko-KR" altLang="en-US" dirty="0"/>
-              <a:t>숲 속에 있는 강건한 요새에 위치</a:t>
-            </a:r>
-            <a:r>
-              <a:rPr lang="en-US" altLang="ko-KR" dirty="0"/>
-              <a:t>. </a:t>
-            </a:r>
-            <a:r>
-              <a:rPr lang="ko-KR" altLang="en-US" dirty="0"/>
-              <a:t>사냥과 채집</a:t>
-            </a:r>
-            <a:r>
-              <a:rPr lang="en-US" altLang="ko-KR" dirty="0"/>
-              <a:t>, </a:t>
-            </a:r>
-            <a:r>
-              <a:rPr lang="ko-KR" altLang="en-US" dirty="0"/>
-              <a:t>목축업으로 생계를 </a:t>
-            </a:r>
-            <a:r>
-              <a:rPr lang="ko-KR" altLang="en-US" dirty="0" smtClean="0"/>
-              <a:t>유지하기 </a:t>
-            </a:r>
-            <a:r>
-              <a:rPr lang="ko-KR" altLang="en-US" dirty="0" err="1" smtClean="0"/>
-              <a:t>떄문에</a:t>
-            </a:r>
-            <a:r>
-              <a:rPr lang="ko-KR" altLang="en-US" dirty="0"/>
-              <a:t> </a:t>
-            </a:r>
-            <a:r>
-              <a:rPr lang="ko-KR" altLang="en-US" dirty="0" smtClean="0"/>
-              <a:t>식량과 자원이 부족함 </a:t>
-            </a:r>
-            <a:endParaRPr lang="en-US" altLang="ko-KR" dirty="0" smtClean="0"/>
-          </a:p>
-          <a:p>
-            <a:pPr fontAlgn="base"/>
-            <a:r>
-              <a:rPr lang="ko-KR" altLang="en-US" dirty="0" err="1" smtClean="0"/>
-              <a:t>락샤사는</a:t>
-            </a:r>
-            <a:r>
-              <a:rPr lang="ko-KR" altLang="en-US" dirty="0" smtClean="0"/>
-              <a:t> 영토 </a:t>
-            </a:r>
-            <a:r>
-              <a:rPr lang="ko-KR" altLang="en-US" dirty="0"/>
-              <a:t>확장 의도가 </a:t>
-            </a:r>
-            <a:r>
-              <a:rPr lang="ko-KR" altLang="en-US" dirty="0" smtClean="0"/>
-              <a:t>존재 전쟁의 명분을 제공하면서 전쟁을 발발 시키고 압도적인 무력으로 </a:t>
-            </a:r>
-            <a:r>
-              <a:rPr lang="ko-KR" altLang="en-US" dirty="0" err="1" smtClean="0"/>
-              <a:t>케메트의</a:t>
-            </a:r>
-            <a:r>
-              <a:rPr lang="ko-KR" altLang="en-US" dirty="0" smtClean="0"/>
-              <a:t> 영토를 침략하려는 의도를 가지고 </a:t>
-            </a:r>
-            <a:r>
-              <a:rPr lang="ko-KR" altLang="en-US" dirty="0" err="1" smtClean="0"/>
-              <a:t>있었음으로</a:t>
-            </a:r>
-            <a:r>
-              <a:rPr lang="ko-KR" altLang="en-US" dirty="0" smtClean="0"/>
-              <a:t> 해석할 수 있음</a:t>
-            </a:r>
-            <a:endParaRPr lang="ko-KR" altLang="en-US" dirty="0"/>
+              <a:t> 토벌의 대상으로 규정하고 즉각적으로 군대를 소집하여 토벌을 명함</a:t>
+            </a:r>
+            <a:r>
+              <a:rPr lang="en-US" altLang="ko-KR" dirty="0" smtClean="0"/>
+              <a:t>.</a:t>
+            </a:r>
           </a:p>
           <a:p>
             <a:pPr fontAlgn="base"/>
@@ -23371,7 +26730,7 @@
         <p:spPr>
           <a:xfrm>
             <a:off x="661986" y="1653282"/>
-            <a:ext cx="10691813" cy="2492990"/>
+            <a:ext cx="10691813" cy="2123658"/>
           </a:xfrm>
           <a:prstGeom prst="rect">
             <a:avLst/>
@@ -23390,12 +26749,9 @@
             <a:endParaRPr lang="en-US" altLang="ko-KR" sz="2400" b="1" dirty="0" smtClean="0"/>
           </a:p>
           <a:p>
-            <a:endParaRPr lang="ko-KR" altLang="en-US" sz="2400" b="1" dirty="0"/>
-          </a:p>
-          <a:p>
             <a:pPr fontAlgn="base"/>
             <a:r>
-              <a:rPr lang="ko-KR" altLang="en-US" dirty="0"/>
+              <a:rPr lang="ko-KR" altLang="en-US" dirty="0" smtClean="0"/>
               <a:t>유물</a:t>
             </a:r>
             <a:r>
